--- a/Semana 4.pptx
+++ b/Semana 4.pptx
@@ -8,14 +8,17 @@
     <p:sldId id="257" r:id="rId2"/>
     <p:sldId id="260" r:id="rId3"/>
     <p:sldId id="267" r:id="rId4"/>
-    <p:sldId id="269" r:id="rId5"/>
-    <p:sldId id="270" r:id="rId6"/>
-    <p:sldId id="272" r:id="rId7"/>
-    <p:sldId id="271" r:id="rId8"/>
-    <p:sldId id="273" r:id="rId9"/>
-    <p:sldId id="274" r:id="rId10"/>
-    <p:sldId id="266" r:id="rId11"/>
-    <p:sldId id="268" r:id="rId12"/>
+    <p:sldId id="266" r:id="rId5"/>
+    <p:sldId id="261" r:id="rId6"/>
+    <p:sldId id="276" r:id="rId7"/>
+    <p:sldId id="277" r:id="rId8"/>
+    <p:sldId id="275" r:id="rId9"/>
+    <p:sldId id="278" r:id="rId10"/>
+    <p:sldId id="279" r:id="rId11"/>
+    <p:sldId id="280" r:id="rId12"/>
+    <p:sldId id="281" r:id="rId13"/>
+    <p:sldId id="282" r:id="rId14"/>
+    <p:sldId id="283" r:id="rId15"/>
   </p:sldIdLst>
   <p:sldSz cx="9144000" cy="6858000" type="screen4x3"/>
   <p:notesSz cx="6858000" cy="9144000"/>
@@ -3410,7 +3413,7 @@
             </a:r>
             <a:r>
               <a:rPr lang="en-US" dirty="0" smtClean="0"/>
-              <a:t> 4</a:t>
+              <a:t> 3</a:t>
             </a:r>
             <a:endParaRPr lang="en-US" dirty="0"/>
           </a:p>
@@ -3540,26 +3543,24 @@
         </p:nvSpPr>
         <p:spPr/>
         <p:txBody>
-          <a:bodyPr>
-            <a:normAutofit/>
-          </a:bodyPr>
+          <a:bodyPr/>
           <a:lstStyle/>
           <a:p>
             <a:r>
               <a:rPr lang="en-US" dirty="0" err="1" smtClean="0"/>
-              <a:t>Práctica</a:t>
-            </a:r>
-            <a:r>
-              <a:rPr lang="en-US" dirty="0" smtClean="0"/>
-              <a:t> </a:t>
-            </a:r>
-            <a:r>
-              <a:rPr lang="en-US" dirty="0" err="1" smtClean="0"/>
-              <a:t>ejercicio</a:t>
-            </a:r>
-            <a:r>
-              <a:rPr lang="en-US" dirty="0" smtClean="0"/>
-              <a:t> 1</a:t>
+              <a:t>Pseudocódigo</a:t>
+            </a:r>
+            <a:r>
+              <a:rPr lang="en-US" dirty="0" smtClean="0"/>
+              <a:t> – </a:t>
+            </a:r>
+            <a:r>
+              <a:rPr lang="en-US" dirty="0" err="1" smtClean="0"/>
+              <a:t>ejemplo</a:t>
+            </a:r>
+            <a:r>
+              <a:rPr lang="en-US" dirty="0" smtClean="0"/>
+              <a:t> 3</a:t>
             </a:r>
             <a:endParaRPr lang="en-US" dirty="0"/>
           </a:p>
@@ -3582,7 +3583,1796 @@
           <a:p>
             <a:r>
               <a:rPr lang="en-US" dirty="0" err="1" smtClean="0"/>
-              <a:t>Construir</a:t>
+              <a:t>Programa</a:t>
+            </a:r>
+            <a:r>
+              <a:rPr lang="en-US" dirty="0" smtClean="0"/>
+              <a:t> </a:t>
+            </a:r>
+            <a:r>
+              <a:rPr lang="en-US" dirty="0" err="1" smtClean="0"/>
+              <a:t>imprimir</a:t>
+            </a:r>
+            <a:r>
+              <a:rPr lang="en-US" dirty="0" smtClean="0"/>
+              <a:t> </a:t>
+            </a:r>
+            <a:r>
+              <a:rPr lang="en-US" dirty="0" err="1" smtClean="0"/>
+              <a:t>números</a:t>
+            </a:r>
+            <a:r>
+              <a:rPr lang="en-US" dirty="0" smtClean="0"/>
+              <a:t> pares de 1 a 50</a:t>
+            </a:r>
+          </a:p>
+          <a:p>
+            <a:r>
+              <a:rPr lang="en-US" dirty="0" err="1" smtClean="0"/>
+              <a:t>Inicio</a:t>
+            </a:r>
+            <a:endParaRPr lang="en-US" dirty="0" smtClean="0"/>
+          </a:p>
+          <a:p>
+            <a:r>
+              <a:rPr lang="en-US" dirty="0" err="1" smtClean="0"/>
+              <a:t>Ciclo</a:t>
+            </a:r>
+            <a:r>
+              <a:rPr lang="en-US" dirty="0" smtClean="0"/>
+              <a:t> for (i de 1 a 50 </a:t>
+            </a:r>
+            <a:r>
+              <a:rPr lang="en-US" dirty="0" err="1" smtClean="0"/>
+              <a:t>incrementa</a:t>
+            </a:r>
+            <a:r>
+              <a:rPr lang="en-US" dirty="0" smtClean="0"/>
+              <a:t> en 1)</a:t>
+            </a:r>
+          </a:p>
+          <a:p>
+            <a:pPr lvl="1"/>
+            <a:r>
+              <a:rPr lang="en-US" dirty="0" smtClean="0"/>
+              <a:t>Si i % 2 </a:t>
+            </a:r>
+            <a:r>
+              <a:rPr lang="en-US" dirty="0" smtClean="0"/>
+              <a:t>== </a:t>
+            </a:r>
+            <a:r>
+              <a:rPr lang="en-US" dirty="0" smtClean="0"/>
+              <a:t>0 </a:t>
+            </a:r>
+            <a:r>
+              <a:rPr lang="en-US" dirty="0" err="1" smtClean="0"/>
+              <a:t>entonces</a:t>
+            </a:r>
+            <a:endParaRPr lang="en-US" dirty="0" smtClean="0"/>
+          </a:p>
+          <a:p>
+            <a:pPr lvl="2"/>
+            <a:r>
+              <a:rPr lang="en-US" dirty="0" err="1" smtClean="0"/>
+              <a:t>Imprimir</a:t>
+            </a:r>
+            <a:r>
+              <a:rPr lang="en-US" dirty="0" smtClean="0"/>
+              <a:t>(i </a:t>
+            </a:r>
+            <a:r>
+              <a:rPr lang="en-US" dirty="0" err="1" smtClean="0"/>
+              <a:t>es</a:t>
+            </a:r>
+            <a:r>
+              <a:rPr lang="en-US" dirty="0" smtClean="0"/>
+              <a:t> par)</a:t>
+            </a:r>
+          </a:p>
+          <a:p>
+            <a:pPr lvl="1"/>
+            <a:r>
+              <a:rPr lang="en-US" dirty="0" smtClean="0"/>
+              <a:t>De lo </a:t>
+            </a:r>
+            <a:r>
+              <a:rPr lang="en-US" dirty="0" err="1" smtClean="0"/>
+              <a:t>contrario</a:t>
+            </a:r>
+            <a:r>
+              <a:rPr lang="en-US" dirty="0" smtClean="0"/>
+              <a:t> </a:t>
+            </a:r>
+          </a:p>
+          <a:p>
+            <a:pPr lvl="2"/>
+            <a:r>
+              <a:rPr lang="en-US" dirty="0" err="1" smtClean="0"/>
+              <a:t>Imprimir</a:t>
+            </a:r>
+            <a:r>
+              <a:rPr lang="en-US" dirty="0" smtClean="0"/>
+              <a:t>(i </a:t>
+            </a:r>
+            <a:r>
+              <a:rPr lang="en-US" dirty="0" err="1" smtClean="0"/>
+              <a:t>es</a:t>
+            </a:r>
+            <a:r>
+              <a:rPr lang="en-US" dirty="0" smtClean="0"/>
+              <a:t> </a:t>
+            </a:r>
+            <a:r>
+              <a:rPr lang="en-US" dirty="0" err="1" smtClean="0"/>
+              <a:t>impar</a:t>
+            </a:r>
+            <a:r>
+              <a:rPr lang="en-US" dirty="0" smtClean="0"/>
+              <a:t>)</a:t>
+            </a:r>
+          </a:p>
+          <a:p>
+            <a:pPr lvl="1"/>
+            <a:r>
+              <a:rPr lang="en-US" dirty="0" smtClean="0"/>
+              <a:t>Fin </a:t>
+            </a:r>
+            <a:r>
+              <a:rPr lang="en-US" dirty="0" err="1" smtClean="0"/>
+              <a:t>si</a:t>
+            </a:r>
+            <a:endParaRPr lang="en-US" dirty="0" smtClean="0"/>
+          </a:p>
+          <a:p>
+            <a:r>
+              <a:rPr lang="en-US" dirty="0" smtClean="0"/>
+              <a:t>Fin </a:t>
+            </a:r>
+            <a:r>
+              <a:rPr lang="en-US" dirty="0" err="1" smtClean="0"/>
+              <a:t>ciclo</a:t>
+            </a:r>
+            <a:r>
+              <a:rPr lang="en-US" dirty="0" smtClean="0"/>
+              <a:t> for</a:t>
+            </a:r>
+          </a:p>
+          <a:p>
+            <a:r>
+              <a:rPr lang="en-US" dirty="0" smtClean="0"/>
+              <a:t>Fin</a:t>
+            </a:r>
+            <a:endParaRPr lang="en-US" dirty="0"/>
+          </a:p>
+        </p:txBody>
+      </p:sp>
+    </p:spTree>
+    <p:extLst>
+      <p:ext uri="{BB962C8B-B14F-4D97-AF65-F5344CB8AC3E}">
+        <p14:creationId xmlns:p14="http://schemas.microsoft.com/office/powerpoint/2010/main" val="664368996"/>
+      </p:ext>
+    </p:extLst>
+  </p:cSld>
+  <p:clrMapOvr>
+    <a:masterClrMapping/>
+  </p:clrMapOvr>
+  <p:timing>
+    <p:tnLst>
+      <p:par>
+        <p:cTn id="1" dur="indefinite" restart="never" nodeType="tmRoot"/>
+      </p:par>
+    </p:tnLst>
+  </p:timing>
+</p:sld>
+</file>
+
+<file path=ppt/slides/slide11.xml><?xml version="1.0" encoding="utf-8"?>
+<p:sld xmlns:a="http://schemas.openxmlformats.org/drawingml/2006/main" xmlns:r="http://schemas.openxmlformats.org/officeDocument/2006/relationships" xmlns:p="http://schemas.openxmlformats.org/presentationml/2006/main">
+  <p:cSld>
+    <p:spTree>
+      <p:nvGrpSpPr>
+        <p:cNvPr id="1" name=""/>
+        <p:cNvGrpSpPr/>
+        <p:nvPr/>
+      </p:nvGrpSpPr>
+      <p:grpSpPr>
+        <a:xfrm>
+          <a:off x="0" y="0"/>
+          <a:ext cx="0" cy="0"/>
+          <a:chOff x="0" y="0"/>
+          <a:chExt cx="0" cy="0"/>
+        </a:xfrm>
+      </p:grpSpPr>
+      <p:sp>
+        <p:nvSpPr>
+          <p:cNvPr id="2" name="Title 1"/>
+          <p:cNvSpPr>
+            <a:spLocks noGrp="1"/>
+          </p:cNvSpPr>
+          <p:nvPr>
+            <p:ph type="title"/>
+          </p:nvPr>
+        </p:nvSpPr>
+        <p:spPr/>
+        <p:txBody>
+          <a:bodyPr/>
+          <a:lstStyle/>
+          <a:p>
+            <a:r>
+              <a:rPr lang="en-US" dirty="0" err="1" smtClean="0"/>
+              <a:t>Estructuras</a:t>
+            </a:r>
+            <a:r>
+              <a:rPr lang="en-US" dirty="0" smtClean="0"/>
+              <a:t> else if</a:t>
+            </a:r>
+            <a:endParaRPr lang="en-US" dirty="0"/>
+          </a:p>
+        </p:txBody>
+      </p:sp>
+      <p:sp>
+        <p:nvSpPr>
+          <p:cNvPr id="3" name="Content Placeholder 2"/>
+          <p:cNvSpPr>
+            <a:spLocks noGrp="1"/>
+          </p:cNvSpPr>
+          <p:nvPr>
+            <p:ph idx="1"/>
+          </p:nvPr>
+        </p:nvSpPr>
+        <p:spPr/>
+        <p:txBody>
+          <a:bodyPr/>
+          <a:lstStyle/>
+          <a:p>
+            <a:r>
+              <a:rPr lang="en-US" dirty="0" err="1" smtClean="0"/>
+              <a:t>Es</a:t>
+            </a:r>
+            <a:r>
+              <a:rPr lang="en-US" dirty="0" smtClean="0"/>
+              <a:t> </a:t>
+            </a:r>
+            <a:r>
+              <a:rPr lang="en-US" dirty="0" err="1" smtClean="0"/>
+              <a:t>una</a:t>
+            </a:r>
+            <a:r>
+              <a:rPr lang="en-US" dirty="0" smtClean="0"/>
+              <a:t> </a:t>
+            </a:r>
+            <a:r>
+              <a:rPr lang="en-US" dirty="0" err="1" smtClean="0"/>
+              <a:t>serie</a:t>
+            </a:r>
+            <a:r>
+              <a:rPr lang="en-US" dirty="0" smtClean="0"/>
+              <a:t> de </a:t>
+            </a:r>
+            <a:r>
+              <a:rPr lang="en-US" dirty="0" err="1" smtClean="0"/>
+              <a:t>decisiones</a:t>
+            </a:r>
+            <a:r>
+              <a:rPr lang="en-US" dirty="0" smtClean="0"/>
+              <a:t> </a:t>
+            </a:r>
+            <a:r>
+              <a:rPr lang="en-US" dirty="0" err="1" smtClean="0"/>
+              <a:t>que</a:t>
+            </a:r>
+            <a:r>
+              <a:rPr lang="en-US" dirty="0" smtClean="0"/>
+              <a:t> </a:t>
+            </a:r>
+            <a:r>
+              <a:rPr lang="en-US" dirty="0" err="1" smtClean="0"/>
+              <a:t>sólo</a:t>
+            </a:r>
+            <a:r>
+              <a:rPr lang="en-US" dirty="0" smtClean="0"/>
+              <a:t> se </a:t>
+            </a:r>
+            <a:r>
+              <a:rPr lang="en-US" dirty="0" err="1" smtClean="0"/>
+              <a:t>ejecutan</a:t>
+            </a:r>
+            <a:r>
+              <a:rPr lang="en-US" dirty="0" smtClean="0"/>
+              <a:t> </a:t>
+            </a:r>
+            <a:r>
+              <a:rPr lang="en-US" dirty="0" err="1" smtClean="0"/>
+              <a:t>cuando</a:t>
+            </a:r>
+            <a:r>
+              <a:rPr lang="en-US" dirty="0" smtClean="0"/>
+              <a:t> son </a:t>
+            </a:r>
+            <a:r>
+              <a:rPr lang="en-US" dirty="0" err="1" smtClean="0"/>
+              <a:t>ciertas</a:t>
+            </a:r>
+            <a:r>
+              <a:rPr lang="en-US" dirty="0" smtClean="0"/>
+              <a:t>.</a:t>
+            </a:r>
+          </a:p>
+          <a:p>
+            <a:r>
+              <a:rPr lang="en-US" dirty="0" smtClean="0"/>
+              <a:t>Se </a:t>
+            </a:r>
+            <a:r>
+              <a:rPr lang="en-US" dirty="0" err="1" smtClean="0"/>
+              <a:t>usa</a:t>
+            </a:r>
+            <a:r>
+              <a:rPr lang="en-US" dirty="0" smtClean="0"/>
+              <a:t> </a:t>
+            </a:r>
+            <a:r>
+              <a:rPr lang="en-US" dirty="0" err="1" smtClean="0"/>
+              <a:t>cuando</a:t>
+            </a:r>
+            <a:r>
+              <a:rPr lang="en-US" dirty="0" smtClean="0"/>
+              <a:t> hay </a:t>
+            </a:r>
+            <a:r>
+              <a:rPr lang="en-US" dirty="0" err="1" smtClean="0"/>
+              <a:t>más</a:t>
+            </a:r>
+            <a:r>
+              <a:rPr lang="en-US" dirty="0" smtClean="0"/>
+              <a:t> de </a:t>
+            </a:r>
+            <a:r>
+              <a:rPr lang="en-US" dirty="0" err="1" smtClean="0"/>
+              <a:t>una</a:t>
+            </a:r>
+            <a:r>
+              <a:rPr lang="en-US" dirty="0" smtClean="0"/>
+              <a:t> </a:t>
+            </a:r>
+            <a:r>
+              <a:rPr lang="en-US" dirty="0" err="1" smtClean="0"/>
+              <a:t>opción</a:t>
+            </a:r>
+            <a:endParaRPr lang="en-US" dirty="0" smtClean="0"/>
+          </a:p>
+          <a:p>
+            <a:r>
+              <a:rPr lang="en-US" dirty="0" smtClean="0"/>
+              <a:t>Se </a:t>
+            </a:r>
+            <a:r>
+              <a:rPr lang="en-US" dirty="0" err="1" smtClean="0"/>
+              <a:t>escribe</a:t>
+            </a:r>
+            <a:r>
+              <a:rPr lang="en-US" dirty="0" smtClean="0"/>
+              <a:t> de la </a:t>
+            </a:r>
+            <a:r>
+              <a:rPr lang="en-US" dirty="0" err="1" smtClean="0"/>
+              <a:t>siguiente</a:t>
+            </a:r>
+            <a:r>
+              <a:rPr lang="en-US" dirty="0" smtClean="0"/>
+              <a:t> forma</a:t>
+            </a:r>
+          </a:p>
+          <a:p>
+            <a:r>
+              <a:rPr lang="en-US" dirty="0" smtClean="0"/>
+              <a:t>Si a &gt; b </a:t>
+            </a:r>
+            <a:r>
+              <a:rPr lang="en-US" dirty="0" err="1" smtClean="0"/>
+              <a:t>entonces</a:t>
+            </a:r>
+            <a:endParaRPr lang="en-US" dirty="0" smtClean="0"/>
+          </a:p>
+          <a:p>
+            <a:pPr lvl="1"/>
+            <a:r>
+              <a:rPr lang="en-US" dirty="0" err="1" smtClean="0"/>
+              <a:t>Imprimir</a:t>
+            </a:r>
+            <a:r>
+              <a:rPr lang="en-US" dirty="0" smtClean="0"/>
+              <a:t> (A </a:t>
+            </a:r>
+            <a:r>
+              <a:rPr lang="en-US" dirty="0" err="1" smtClean="0"/>
+              <a:t>es</a:t>
+            </a:r>
+            <a:r>
+              <a:rPr lang="en-US" dirty="0" smtClean="0"/>
+              <a:t> mayor a B)</a:t>
+            </a:r>
+          </a:p>
+          <a:p>
+            <a:r>
+              <a:rPr lang="en-US" dirty="0" smtClean="0"/>
+              <a:t>De lo </a:t>
+            </a:r>
+            <a:r>
+              <a:rPr lang="en-US" dirty="0" err="1" smtClean="0"/>
+              <a:t>contrario</a:t>
+            </a:r>
+            <a:r>
+              <a:rPr lang="en-US" dirty="0" smtClean="0"/>
+              <a:t> </a:t>
+            </a:r>
+            <a:r>
+              <a:rPr lang="en-US" dirty="0" err="1" smtClean="0"/>
+              <a:t>si</a:t>
+            </a:r>
+            <a:r>
+              <a:rPr lang="en-US" dirty="0" smtClean="0"/>
+              <a:t> b &gt; a</a:t>
+            </a:r>
+          </a:p>
+          <a:p>
+            <a:pPr lvl="1"/>
+            <a:r>
+              <a:rPr lang="en-US" dirty="0" err="1" smtClean="0"/>
+              <a:t>Imprimir</a:t>
+            </a:r>
+            <a:r>
+              <a:rPr lang="en-US" dirty="0" smtClean="0"/>
+              <a:t> (B </a:t>
+            </a:r>
+            <a:r>
+              <a:rPr lang="en-US" dirty="0" err="1" smtClean="0"/>
+              <a:t>es</a:t>
+            </a:r>
+            <a:r>
+              <a:rPr lang="en-US" dirty="0" smtClean="0"/>
+              <a:t> mayor a A)</a:t>
+            </a:r>
+          </a:p>
+          <a:p>
+            <a:r>
+              <a:rPr lang="en-US" dirty="0" smtClean="0"/>
+              <a:t>De lo </a:t>
+            </a:r>
+            <a:r>
+              <a:rPr lang="en-US" dirty="0" err="1" smtClean="0"/>
+              <a:t>contrario</a:t>
+            </a:r>
+            <a:endParaRPr lang="en-US" dirty="0"/>
+          </a:p>
+          <a:p>
+            <a:pPr lvl="1"/>
+            <a:r>
+              <a:rPr lang="en-US" dirty="0" err="1" smtClean="0"/>
+              <a:t>Imprimir</a:t>
+            </a:r>
+            <a:r>
+              <a:rPr lang="en-US" dirty="0" smtClean="0"/>
+              <a:t> (A </a:t>
+            </a:r>
+            <a:r>
+              <a:rPr lang="en-US" dirty="0" err="1" smtClean="0"/>
+              <a:t>es</a:t>
+            </a:r>
+            <a:r>
+              <a:rPr lang="en-US" dirty="0" smtClean="0"/>
+              <a:t> </a:t>
+            </a:r>
+            <a:r>
+              <a:rPr lang="en-US" dirty="0" err="1" smtClean="0"/>
+              <a:t>igual</a:t>
+            </a:r>
+            <a:r>
+              <a:rPr lang="en-US" dirty="0" smtClean="0"/>
+              <a:t> a B)</a:t>
+            </a:r>
+          </a:p>
+          <a:p>
+            <a:r>
+              <a:rPr lang="en-US" dirty="0" smtClean="0"/>
+              <a:t>Fin </a:t>
+            </a:r>
+            <a:r>
+              <a:rPr lang="en-US" dirty="0" err="1" smtClean="0"/>
+              <a:t>si</a:t>
+            </a:r>
+            <a:endParaRPr lang="en-US" dirty="0"/>
+          </a:p>
+        </p:txBody>
+      </p:sp>
+    </p:spTree>
+    <p:extLst>
+      <p:ext uri="{BB962C8B-B14F-4D97-AF65-F5344CB8AC3E}">
+        <p14:creationId xmlns:p14="http://schemas.microsoft.com/office/powerpoint/2010/main" val="827948894"/>
+      </p:ext>
+    </p:extLst>
+  </p:cSld>
+  <p:clrMapOvr>
+    <a:masterClrMapping/>
+  </p:clrMapOvr>
+  <p:timing>
+    <p:tnLst>
+      <p:par>
+        <p:cTn id="1" dur="indefinite" restart="never" nodeType="tmRoot">
+          <p:childTnLst>
+            <p:seq concurrent="1" nextAc="seek">
+              <p:cTn id="2" dur="indefinite" nodeType="mainSeq">
+                <p:childTnLst>
+                  <p:par>
+                    <p:cTn id="3" fill="hold">
+                      <p:stCondLst>
+                        <p:cond delay="indefinite"/>
+                      </p:stCondLst>
+                      <p:childTnLst>
+                        <p:par>
+                          <p:cTn id="4" fill="hold">
+                            <p:stCondLst>
+                              <p:cond delay="0"/>
+                            </p:stCondLst>
+                            <p:childTnLst>
+                              <p:par>
+                                <p:cTn id="5" presetID="1" presetClass="entr" presetSubtype="0" fill="hold" nodeType="clickEffect">
+                                  <p:stCondLst>
+                                    <p:cond delay="0"/>
+                                  </p:stCondLst>
+                                  <p:childTnLst>
+                                    <p:set>
+                                      <p:cBhvr>
+                                        <p:cTn id="6" dur="1" fill="hold">
+                                          <p:stCondLst>
+                                            <p:cond delay="0"/>
+                                          </p:stCondLst>
+                                        </p:cTn>
+                                        <p:tgtEl>
+                                          <p:spTgt spid="3">
+                                            <p:txEl>
+                                              <p:pRg st="0" end="0"/>
+                                            </p:txEl>
+                                          </p:spTgt>
+                                        </p:tgtEl>
+                                        <p:attrNameLst>
+                                          <p:attrName>style.visibility</p:attrName>
+                                        </p:attrNameLst>
+                                      </p:cBhvr>
+                                      <p:to>
+                                        <p:strVal val="visible"/>
+                                      </p:to>
+                                    </p:set>
+                                  </p:childTnLst>
+                                </p:cTn>
+                              </p:par>
+                            </p:childTnLst>
+                          </p:cTn>
+                        </p:par>
+                      </p:childTnLst>
+                    </p:cTn>
+                  </p:par>
+                  <p:par>
+                    <p:cTn id="7" fill="hold">
+                      <p:stCondLst>
+                        <p:cond delay="indefinite"/>
+                      </p:stCondLst>
+                      <p:childTnLst>
+                        <p:par>
+                          <p:cTn id="8" fill="hold">
+                            <p:stCondLst>
+                              <p:cond delay="0"/>
+                            </p:stCondLst>
+                            <p:childTnLst>
+                              <p:par>
+                                <p:cTn id="9" presetID="1" presetClass="entr" presetSubtype="0" fill="hold" nodeType="clickEffect">
+                                  <p:stCondLst>
+                                    <p:cond delay="0"/>
+                                  </p:stCondLst>
+                                  <p:childTnLst>
+                                    <p:set>
+                                      <p:cBhvr>
+                                        <p:cTn id="10" dur="1" fill="hold">
+                                          <p:stCondLst>
+                                            <p:cond delay="0"/>
+                                          </p:stCondLst>
+                                        </p:cTn>
+                                        <p:tgtEl>
+                                          <p:spTgt spid="3">
+                                            <p:txEl>
+                                              <p:pRg st="1" end="1"/>
+                                            </p:txEl>
+                                          </p:spTgt>
+                                        </p:tgtEl>
+                                        <p:attrNameLst>
+                                          <p:attrName>style.visibility</p:attrName>
+                                        </p:attrNameLst>
+                                      </p:cBhvr>
+                                      <p:to>
+                                        <p:strVal val="visible"/>
+                                      </p:to>
+                                    </p:set>
+                                  </p:childTnLst>
+                                </p:cTn>
+                              </p:par>
+                            </p:childTnLst>
+                          </p:cTn>
+                        </p:par>
+                      </p:childTnLst>
+                    </p:cTn>
+                  </p:par>
+                  <p:par>
+                    <p:cTn id="11" fill="hold">
+                      <p:stCondLst>
+                        <p:cond delay="indefinite"/>
+                      </p:stCondLst>
+                      <p:childTnLst>
+                        <p:par>
+                          <p:cTn id="12" fill="hold">
+                            <p:stCondLst>
+                              <p:cond delay="0"/>
+                            </p:stCondLst>
+                            <p:childTnLst>
+                              <p:par>
+                                <p:cTn id="13" presetID="1" presetClass="entr" presetSubtype="0" fill="hold" nodeType="clickEffect">
+                                  <p:stCondLst>
+                                    <p:cond delay="0"/>
+                                  </p:stCondLst>
+                                  <p:childTnLst>
+                                    <p:set>
+                                      <p:cBhvr>
+                                        <p:cTn id="14" dur="1" fill="hold">
+                                          <p:stCondLst>
+                                            <p:cond delay="0"/>
+                                          </p:stCondLst>
+                                        </p:cTn>
+                                        <p:tgtEl>
+                                          <p:spTgt spid="3">
+                                            <p:txEl>
+                                              <p:pRg st="2" end="2"/>
+                                            </p:txEl>
+                                          </p:spTgt>
+                                        </p:tgtEl>
+                                        <p:attrNameLst>
+                                          <p:attrName>style.visibility</p:attrName>
+                                        </p:attrNameLst>
+                                      </p:cBhvr>
+                                      <p:to>
+                                        <p:strVal val="visible"/>
+                                      </p:to>
+                                    </p:set>
+                                  </p:childTnLst>
+                                </p:cTn>
+                              </p:par>
+                            </p:childTnLst>
+                          </p:cTn>
+                        </p:par>
+                      </p:childTnLst>
+                    </p:cTn>
+                  </p:par>
+                  <p:par>
+                    <p:cTn id="15" fill="hold">
+                      <p:stCondLst>
+                        <p:cond delay="indefinite"/>
+                      </p:stCondLst>
+                      <p:childTnLst>
+                        <p:par>
+                          <p:cTn id="16" fill="hold">
+                            <p:stCondLst>
+                              <p:cond delay="0"/>
+                            </p:stCondLst>
+                            <p:childTnLst>
+                              <p:par>
+                                <p:cTn id="17" presetID="1" presetClass="entr" presetSubtype="0" fill="hold" nodeType="clickEffect">
+                                  <p:stCondLst>
+                                    <p:cond delay="0"/>
+                                  </p:stCondLst>
+                                  <p:childTnLst>
+                                    <p:set>
+                                      <p:cBhvr>
+                                        <p:cTn id="18" dur="1" fill="hold">
+                                          <p:stCondLst>
+                                            <p:cond delay="0"/>
+                                          </p:stCondLst>
+                                        </p:cTn>
+                                        <p:tgtEl>
+                                          <p:spTgt spid="3">
+                                            <p:txEl>
+                                              <p:pRg st="3" end="3"/>
+                                            </p:txEl>
+                                          </p:spTgt>
+                                        </p:tgtEl>
+                                        <p:attrNameLst>
+                                          <p:attrName>style.visibility</p:attrName>
+                                        </p:attrNameLst>
+                                      </p:cBhvr>
+                                      <p:to>
+                                        <p:strVal val="visible"/>
+                                      </p:to>
+                                    </p:set>
+                                  </p:childTnLst>
+                                </p:cTn>
+                              </p:par>
+                            </p:childTnLst>
+                          </p:cTn>
+                        </p:par>
+                      </p:childTnLst>
+                    </p:cTn>
+                  </p:par>
+                  <p:par>
+                    <p:cTn id="19" fill="hold">
+                      <p:stCondLst>
+                        <p:cond delay="indefinite"/>
+                      </p:stCondLst>
+                      <p:childTnLst>
+                        <p:par>
+                          <p:cTn id="20" fill="hold">
+                            <p:stCondLst>
+                              <p:cond delay="0"/>
+                            </p:stCondLst>
+                            <p:childTnLst>
+                              <p:par>
+                                <p:cTn id="21" presetID="1" presetClass="entr" presetSubtype="0" fill="hold" nodeType="clickEffect">
+                                  <p:stCondLst>
+                                    <p:cond delay="0"/>
+                                  </p:stCondLst>
+                                  <p:childTnLst>
+                                    <p:set>
+                                      <p:cBhvr>
+                                        <p:cTn id="22" dur="1" fill="hold">
+                                          <p:stCondLst>
+                                            <p:cond delay="0"/>
+                                          </p:stCondLst>
+                                        </p:cTn>
+                                        <p:tgtEl>
+                                          <p:spTgt spid="3">
+                                            <p:txEl>
+                                              <p:pRg st="4" end="4"/>
+                                            </p:txEl>
+                                          </p:spTgt>
+                                        </p:tgtEl>
+                                        <p:attrNameLst>
+                                          <p:attrName>style.visibility</p:attrName>
+                                        </p:attrNameLst>
+                                      </p:cBhvr>
+                                      <p:to>
+                                        <p:strVal val="visible"/>
+                                      </p:to>
+                                    </p:set>
+                                  </p:childTnLst>
+                                </p:cTn>
+                              </p:par>
+                            </p:childTnLst>
+                          </p:cTn>
+                        </p:par>
+                      </p:childTnLst>
+                    </p:cTn>
+                  </p:par>
+                  <p:par>
+                    <p:cTn id="23" fill="hold">
+                      <p:stCondLst>
+                        <p:cond delay="indefinite"/>
+                      </p:stCondLst>
+                      <p:childTnLst>
+                        <p:par>
+                          <p:cTn id="24" fill="hold">
+                            <p:stCondLst>
+                              <p:cond delay="0"/>
+                            </p:stCondLst>
+                            <p:childTnLst>
+                              <p:par>
+                                <p:cTn id="25" presetID="1" presetClass="entr" presetSubtype="0" fill="hold" nodeType="clickEffect">
+                                  <p:stCondLst>
+                                    <p:cond delay="0"/>
+                                  </p:stCondLst>
+                                  <p:childTnLst>
+                                    <p:set>
+                                      <p:cBhvr>
+                                        <p:cTn id="26" dur="1" fill="hold">
+                                          <p:stCondLst>
+                                            <p:cond delay="0"/>
+                                          </p:stCondLst>
+                                        </p:cTn>
+                                        <p:tgtEl>
+                                          <p:spTgt spid="3">
+                                            <p:txEl>
+                                              <p:pRg st="5" end="5"/>
+                                            </p:txEl>
+                                          </p:spTgt>
+                                        </p:tgtEl>
+                                        <p:attrNameLst>
+                                          <p:attrName>style.visibility</p:attrName>
+                                        </p:attrNameLst>
+                                      </p:cBhvr>
+                                      <p:to>
+                                        <p:strVal val="visible"/>
+                                      </p:to>
+                                    </p:set>
+                                  </p:childTnLst>
+                                </p:cTn>
+                              </p:par>
+                            </p:childTnLst>
+                          </p:cTn>
+                        </p:par>
+                      </p:childTnLst>
+                    </p:cTn>
+                  </p:par>
+                  <p:par>
+                    <p:cTn id="27" fill="hold">
+                      <p:stCondLst>
+                        <p:cond delay="indefinite"/>
+                      </p:stCondLst>
+                      <p:childTnLst>
+                        <p:par>
+                          <p:cTn id="28" fill="hold">
+                            <p:stCondLst>
+                              <p:cond delay="0"/>
+                            </p:stCondLst>
+                            <p:childTnLst>
+                              <p:par>
+                                <p:cTn id="29" presetID="1" presetClass="entr" presetSubtype="0" fill="hold" nodeType="clickEffect">
+                                  <p:stCondLst>
+                                    <p:cond delay="0"/>
+                                  </p:stCondLst>
+                                  <p:childTnLst>
+                                    <p:set>
+                                      <p:cBhvr>
+                                        <p:cTn id="30" dur="1" fill="hold">
+                                          <p:stCondLst>
+                                            <p:cond delay="0"/>
+                                          </p:stCondLst>
+                                        </p:cTn>
+                                        <p:tgtEl>
+                                          <p:spTgt spid="3">
+                                            <p:txEl>
+                                              <p:pRg st="6" end="6"/>
+                                            </p:txEl>
+                                          </p:spTgt>
+                                        </p:tgtEl>
+                                        <p:attrNameLst>
+                                          <p:attrName>style.visibility</p:attrName>
+                                        </p:attrNameLst>
+                                      </p:cBhvr>
+                                      <p:to>
+                                        <p:strVal val="visible"/>
+                                      </p:to>
+                                    </p:set>
+                                  </p:childTnLst>
+                                </p:cTn>
+                              </p:par>
+                            </p:childTnLst>
+                          </p:cTn>
+                        </p:par>
+                      </p:childTnLst>
+                    </p:cTn>
+                  </p:par>
+                  <p:par>
+                    <p:cTn id="31" fill="hold">
+                      <p:stCondLst>
+                        <p:cond delay="indefinite"/>
+                      </p:stCondLst>
+                      <p:childTnLst>
+                        <p:par>
+                          <p:cTn id="32" fill="hold">
+                            <p:stCondLst>
+                              <p:cond delay="0"/>
+                            </p:stCondLst>
+                            <p:childTnLst>
+                              <p:par>
+                                <p:cTn id="33" presetID="1" presetClass="entr" presetSubtype="0" fill="hold" nodeType="clickEffect">
+                                  <p:stCondLst>
+                                    <p:cond delay="0"/>
+                                  </p:stCondLst>
+                                  <p:childTnLst>
+                                    <p:set>
+                                      <p:cBhvr>
+                                        <p:cTn id="34" dur="1" fill="hold">
+                                          <p:stCondLst>
+                                            <p:cond delay="0"/>
+                                          </p:stCondLst>
+                                        </p:cTn>
+                                        <p:tgtEl>
+                                          <p:spTgt spid="3">
+                                            <p:txEl>
+                                              <p:pRg st="7" end="7"/>
+                                            </p:txEl>
+                                          </p:spTgt>
+                                        </p:tgtEl>
+                                        <p:attrNameLst>
+                                          <p:attrName>style.visibility</p:attrName>
+                                        </p:attrNameLst>
+                                      </p:cBhvr>
+                                      <p:to>
+                                        <p:strVal val="visible"/>
+                                      </p:to>
+                                    </p:set>
+                                  </p:childTnLst>
+                                </p:cTn>
+                              </p:par>
+                            </p:childTnLst>
+                          </p:cTn>
+                        </p:par>
+                      </p:childTnLst>
+                    </p:cTn>
+                  </p:par>
+                  <p:par>
+                    <p:cTn id="35" fill="hold">
+                      <p:stCondLst>
+                        <p:cond delay="indefinite"/>
+                      </p:stCondLst>
+                      <p:childTnLst>
+                        <p:par>
+                          <p:cTn id="36" fill="hold">
+                            <p:stCondLst>
+                              <p:cond delay="0"/>
+                            </p:stCondLst>
+                            <p:childTnLst>
+                              <p:par>
+                                <p:cTn id="37" presetID="1" presetClass="entr" presetSubtype="0" fill="hold" nodeType="clickEffect">
+                                  <p:stCondLst>
+                                    <p:cond delay="0"/>
+                                  </p:stCondLst>
+                                  <p:childTnLst>
+                                    <p:set>
+                                      <p:cBhvr>
+                                        <p:cTn id="38" dur="1" fill="hold">
+                                          <p:stCondLst>
+                                            <p:cond delay="0"/>
+                                          </p:stCondLst>
+                                        </p:cTn>
+                                        <p:tgtEl>
+                                          <p:spTgt spid="3">
+                                            <p:txEl>
+                                              <p:pRg st="8" end="8"/>
+                                            </p:txEl>
+                                          </p:spTgt>
+                                        </p:tgtEl>
+                                        <p:attrNameLst>
+                                          <p:attrName>style.visibility</p:attrName>
+                                        </p:attrNameLst>
+                                      </p:cBhvr>
+                                      <p:to>
+                                        <p:strVal val="visible"/>
+                                      </p:to>
+                                    </p:set>
+                                  </p:childTnLst>
+                                </p:cTn>
+                              </p:par>
+                            </p:childTnLst>
+                          </p:cTn>
+                        </p:par>
+                      </p:childTnLst>
+                    </p:cTn>
+                  </p:par>
+                  <p:par>
+                    <p:cTn id="39" fill="hold">
+                      <p:stCondLst>
+                        <p:cond delay="indefinite"/>
+                      </p:stCondLst>
+                      <p:childTnLst>
+                        <p:par>
+                          <p:cTn id="40" fill="hold">
+                            <p:stCondLst>
+                              <p:cond delay="0"/>
+                            </p:stCondLst>
+                            <p:childTnLst>
+                              <p:par>
+                                <p:cTn id="41" presetID="1" presetClass="entr" presetSubtype="0" fill="hold" nodeType="clickEffect">
+                                  <p:stCondLst>
+                                    <p:cond delay="0"/>
+                                  </p:stCondLst>
+                                  <p:childTnLst>
+                                    <p:set>
+                                      <p:cBhvr>
+                                        <p:cTn id="42" dur="1" fill="hold">
+                                          <p:stCondLst>
+                                            <p:cond delay="0"/>
+                                          </p:stCondLst>
+                                        </p:cTn>
+                                        <p:tgtEl>
+                                          <p:spTgt spid="3">
+                                            <p:txEl>
+                                              <p:pRg st="9" end="9"/>
+                                            </p:txEl>
+                                          </p:spTgt>
+                                        </p:tgtEl>
+                                        <p:attrNameLst>
+                                          <p:attrName>style.visibility</p:attrName>
+                                        </p:attrNameLst>
+                                      </p:cBhvr>
+                                      <p:to>
+                                        <p:strVal val="visible"/>
+                                      </p:to>
+                                    </p:set>
+                                  </p:childTnLst>
+                                </p:cTn>
+                              </p:par>
+                            </p:childTnLst>
+                          </p:cTn>
+                        </p:par>
+                      </p:childTnLst>
+                    </p:cTn>
+                  </p:par>
+                </p:childTnLst>
+              </p:cTn>
+              <p:prevCondLst>
+                <p:cond evt="onPrev" delay="0">
+                  <p:tgtEl>
+                    <p:sldTgt/>
+                  </p:tgtEl>
+                </p:cond>
+              </p:prevCondLst>
+              <p:nextCondLst>
+                <p:cond evt="onNext" delay="0">
+                  <p:tgtEl>
+                    <p:sldTgt/>
+                  </p:tgtEl>
+                </p:cond>
+              </p:nextCondLst>
+            </p:seq>
+          </p:childTnLst>
+        </p:cTn>
+      </p:par>
+    </p:tnLst>
+  </p:timing>
+</p:sld>
+</file>
+
+<file path=ppt/slides/slide12.xml><?xml version="1.0" encoding="utf-8"?>
+<p:sld xmlns:a="http://schemas.openxmlformats.org/drawingml/2006/main" xmlns:r="http://schemas.openxmlformats.org/officeDocument/2006/relationships" xmlns:p="http://schemas.openxmlformats.org/presentationml/2006/main">
+  <p:cSld>
+    <p:spTree>
+      <p:nvGrpSpPr>
+        <p:cNvPr id="1" name=""/>
+        <p:cNvGrpSpPr/>
+        <p:nvPr/>
+      </p:nvGrpSpPr>
+      <p:grpSpPr>
+        <a:xfrm>
+          <a:off x="0" y="0"/>
+          <a:ext cx="0" cy="0"/>
+          <a:chOff x="0" y="0"/>
+          <a:chExt cx="0" cy="0"/>
+        </a:xfrm>
+      </p:grpSpPr>
+      <p:sp>
+        <p:nvSpPr>
+          <p:cNvPr id="2" name="Title 1"/>
+          <p:cNvSpPr>
+            <a:spLocks noGrp="1"/>
+          </p:cNvSpPr>
+          <p:nvPr>
+            <p:ph type="title"/>
+          </p:nvPr>
+        </p:nvSpPr>
+        <p:spPr/>
+        <p:txBody>
+          <a:bodyPr/>
+          <a:lstStyle/>
+          <a:p>
+            <a:r>
+              <a:rPr lang="en-US" dirty="0" err="1" smtClean="0"/>
+              <a:t>Pseudocódigo</a:t>
+            </a:r>
+            <a:r>
+              <a:rPr lang="en-US" dirty="0" smtClean="0"/>
+              <a:t> - </a:t>
+            </a:r>
+            <a:r>
+              <a:rPr lang="en-US" dirty="0" err="1" smtClean="0"/>
+              <a:t>Ejemplo</a:t>
+            </a:r>
+            <a:r>
+              <a:rPr lang="en-US" dirty="0" smtClean="0"/>
+              <a:t> 4</a:t>
+            </a:r>
+            <a:endParaRPr lang="en-US" dirty="0"/>
+          </a:p>
+        </p:txBody>
+      </p:sp>
+      <p:sp>
+        <p:nvSpPr>
+          <p:cNvPr id="3" name="Content Placeholder 2"/>
+          <p:cNvSpPr>
+            <a:spLocks noGrp="1"/>
+          </p:cNvSpPr>
+          <p:nvPr>
+            <p:ph idx="1"/>
+          </p:nvPr>
+        </p:nvSpPr>
+        <p:spPr>
+          <a:xfrm>
+            <a:off x="533400" y="1447800"/>
+            <a:ext cx="4038600" cy="4876800"/>
+          </a:xfrm>
+        </p:spPr>
+        <p:txBody>
+          <a:bodyPr/>
+          <a:lstStyle/>
+          <a:p>
+            <a:r>
+              <a:rPr lang="en-US" dirty="0" err="1" smtClean="0"/>
+              <a:t>Programa</a:t>
+            </a:r>
+            <a:r>
+              <a:rPr lang="en-US" dirty="0" smtClean="0"/>
+              <a:t> </a:t>
+            </a:r>
+            <a:r>
+              <a:rPr lang="en-US" dirty="0" err="1" smtClean="0"/>
+              <a:t>para</a:t>
+            </a:r>
+            <a:r>
+              <a:rPr lang="en-US" dirty="0" smtClean="0"/>
+              <a:t> </a:t>
+            </a:r>
+            <a:r>
+              <a:rPr lang="en-US" dirty="0" err="1" smtClean="0"/>
+              <a:t>encontrar</a:t>
+            </a:r>
+            <a:r>
+              <a:rPr lang="en-US" dirty="0" smtClean="0"/>
+              <a:t> </a:t>
+            </a:r>
+            <a:r>
+              <a:rPr lang="en-US" dirty="0" err="1" smtClean="0"/>
+              <a:t>números</a:t>
+            </a:r>
+            <a:r>
+              <a:rPr lang="en-US" dirty="0" smtClean="0"/>
+              <a:t> </a:t>
+            </a:r>
+            <a:r>
+              <a:rPr lang="en-US" dirty="0" err="1" smtClean="0"/>
+              <a:t>primos</a:t>
+            </a:r>
+            <a:r>
+              <a:rPr lang="en-US" dirty="0" smtClean="0"/>
+              <a:t> de 1 a 20</a:t>
+            </a:r>
+          </a:p>
+          <a:p>
+            <a:r>
+              <a:rPr lang="en-US" dirty="0" err="1" smtClean="0"/>
+              <a:t>Inicio</a:t>
+            </a:r>
+            <a:endParaRPr lang="en-US" dirty="0" smtClean="0"/>
+          </a:p>
+          <a:p>
+            <a:r>
+              <a:rPr lang="en-US" dirty="0" err="1" smtClean="0"/>
+              <a:t>Ciclo</a:t>
+            </a:r>
+            <a:r>
+              <a:rPr lang="en-US" dirty="0" smtClean="0"/>
+              <a:t> for (i de 1 a 20 </a:t>
+            </a:r>
+            <a:r>
+              <a:rPr lang="en-US" dirty="0" err="1" smtClean="0"/>
+              <a:t>incrementa</a:t>
+            </a:r>
+            <a:r>
+              <a:rPr lang="en-US" dirty="0" smtClean="0"/>
+              <a:t> en 1 )</a:t>
+            </a:r>
+          </a:p>
+          <a:p>
+            <a:pPr lvl="1"/>
+            <a:r>
+              <a:rPr lang="en-US" dirty="0" err="1" smtClean="0"/>
+              <a:t>numeroPrimo</a:t>
+            </a:r>
+            <a:r>
+              <a:rPr lang="en-US" dirty="0" smtClean="0"/>
+              <a:t> = </a:t>
+            </a:r>
+            <a:r>
+              <a:rPr lang="en-US" dirty="0" err="1" smtClean="0"/>
+              <a:t>si</a:t>
+            </a:r>
+            <a:endParaRPr lang="en-US" dirty="0" smtClean="0"/>
+          </a:p>
+          <a:p>
+            <a:pPr lvl="1"/>
+            <a:r>
+              <a:rPr lang="en-US" dirty="0" smtClean="0"/>
+              <a:t>Si i % 2 </a:t>
+            </a:r>
+            <a:r>
+              <a:rPr lang="en-US" dirty="0" smtClean="0"/>
+              <a:t>== </a:t>
+            </a:r>
+            <a:r>
+              <a:rPr lang="en-US" dirty="0" smtClean="0"/>
+              <a:t>0 </a:t>
+            </a:r>
+            <a:r>
+              <a:rPr lang="en-US" dirty="0" err="1" smtClean="0"/>
+              <a:t>entonces</a:t>
+            </a:r>
+            <a:endParaRPr lang="en-US" dirty="0" smtClean="0"/>
+          </a:p>
+          <a:p>
+            <a:pPr lvl="2"/>
+            <a:r>
+              <a:rPr lang="en-US" dirty="0" err="1" smtClean="0"/>
+              <a:t>numeroPrimo</a:t>
+            </a:r>
+            <a:r>
+              <a:rPr lang="en-US" dirty="0" smtClean="0"/>
+              <a:t> = no</a:t>
+            </a:r>
+          </a:p>
+          <a:p>
+            <a:pPr lvl="1"/>
+            <a:r>
+              <a:rPr lang="en-US" dirty="0" smtClean="0"/>
+              <a:t>De lo </a:t>
+            </a:r>
+            <a:r>
+              <a:rPr lang="en-US" dirty="0" err="1" smtClean="0"/>
+              <a:t>contrario</a:t>
+            </a:r>
+            <a:r>
+              <a:rPr lang="en-US" dirty="0" smtClean="0"/>
+              <a:t> </a:t>
+            </a:r>
+            <a:r>
+              <a:rPr lang="en-US" dirty="0" err="1" smtClean="0"/>
+              <a:t>si</a:t>
+            </a:r>
+            <a:r>
+              <a:rPr lang="en-US" dirty="0" smtClean="0"/>
+              <a:t> i % 3 </a:t>
+            </a:r>
+            <a:r>
+              <a:rPr lang="en-US" dirty="0" smtClean="0"/>
+              <a:t>== </a:t>
+            </a:r>
+            <a:r>
+              <a:rPr lang="en-US" dirty="0" smtClean="0"/>
+              <a:t>0 </a:t>
+            </a:r>
+            <a:r>
+              <a:rPr lang="en-US" dirty="0" err="1" smtClean="0"/>
+              <a:t>entonces</a:t>
+            </a:r>
+            <a:endParaRPr lang="en-US" dirty="0" smtClean="0"/>
+          </a:p>
+          <a:p>
+            <a:pPr lvl="2"/>
+            <a:r>
+              <a:rPr lang="en-US" dirty="0" err="1" smtClean="0"/>
+              <a:t>numeroPrimo</a:t>
+            </a:r>
+            <a:r>
+              <a:rPr lang="en-US" dirty="0" smtClean="0"/>
+              <a:t> = no</a:t>
+            </a:r>
+            <a:endParaRPr lang="en-US" dirty="0"/>
+          </a:p>
+        </p:txBody>
+      </p:sp>
+      <p:sp>
+        <p:nvSpPr>
+          <p:cNvPr id="6" name="Content Placeholder 2"/>
+          <p:cNvSpPr txBox="1">
+            <a:spLocks/>
+          </p:cNvSpPr>
+          <p:nvPr/>
+        </p:nvSpPr>
+        <p:spPr>
+          <a:xfrm>
+            <a:off x="4724400" y="1600200"/>
+            <a:ext cx="3657600" cy="4876800"/>
+          </a:xfrm>
+          <a:prstGeom prst="rect">
+            <a:avLst/>
+          </a:prstGeom>
+        </p:spPr>
+        <p:txBody>
+          <a:bodyPr vert="horz" lIns="91440" tIns="45720" rIns="91440" bIns="45720" rtlCol="0">
+            <a:normAutofit lnSpcReduction="10000"/>
+          </a:bodyPr>
+          <a:lstStyle>
+            <a:lvl1pPr marL="182880" indent="-182880" algn="l" defTabSz="914400" rtl="0" eaLnBrk="1" latinLnBrk="0" hangingPunct="1">
+              <a:spcBef>
+                <a:spcPct val="20000"/>
+              </a:spcBef>
+              <a:buClr>
+                <a:schemeClr val="accent1"/>
+              </a:buClr>
+              <a:buSzPct val="85000"/>
+              <a:buFont typeface="Arial" pitchFamily="34" charset="0"/>
+              <a:buChar char="•"/>
+              <a:defRPr sz="2400" kern="1200">
+                <a:solidFill>
+                  <a:schemeClr val="tx1"/>
+                </a:solidFill>
+                <a:latin typeface="+mn-lt"/>
+                <a:ea typeface="+mn-ea"/>
+                <a:cs typeface="+mn-cs"/>
+              </a:defRPr>
+            </a:lvl1pPr>
+            <a:lvl2pPr marL="457200" indent="-182880" algn="l" defTabSz="914400" rtl="0" eaLnBrk="1" latinLnBrk="0" hangingPunct="1">
+              <a:spcBef>
+                <a:spcPct val="20000"/>
+              </a:spcBef>
+              <a:buClr>
+                <a:schemeClr val="accent1"/>
+              </a:buClr>
+              <a:buSzPct val="85000"/>
+              <a:buFont typeface="Arial" pitchFamily="34" charset="0"/>
+              <a:buChar char="•"/>
+              <a:defRPr sz="2000" kern="1200">
+                <a:solidFill>
+                  <a:schemeClr val="tx1"/>
+                </a:solidFill>
+                <a:latin typeface="+mn-lt"/>
+                <a:ea typeface="+mn-ea"/>
+                <a:cs typeface="+mn-cs"/>
+              </a:defRPr>
+            </a:lvl2pPr>
+            <a:lvl3pPr marL="731520" indent="-182880" algn="l" defTabSz="914400" rtl="0" eaLnBrk="1" latinLnBrk="0" hangingPunct="1">
+              <a:spcBef>
+                <a:spcPct val="20000"/>
+              </a:spcBef>
+              <a:buClr>
+                <a:schemeClr val="accent1"/>
+              </a:buClr>
+              <a:buSzPct val="90000"/>
+              <a:buFont typeface="Arial" pitchFamily="34" charset="0"/>
+              <a:buChar char="•"/>
+              <a:defRPr sz="1800" kern="1200">
+                <a:solidFill>
+                  <a:schemeClr val="tx1"/>
+                </a:solidFill>
+                <a:latin typeface="+mn-lt"/>
+                <a:ea typeface="+mn-ea"/>
+                <a:cs typeface="+mn-cs"/>
+              </a:defRPr>
+            </a:lvl3pPr>
+            <a:lvl4pPr marL="1005840" indent="-182880" algn="l" defTabSz="914400" rtl="0" eaLnBrk="1" latinLnBrk="0" hangingPunct="1">
+              <a:spcBef>
+                <a:spcPct val="20000"/>
+              </a:spcBef>
+              <a:buClr>
+                <a:schemeClr val="accent1"/>
+              </a:buClr>
+              <a:buFont typeface="Arial" pitchFamily="34" charset="0"/>
+              <a:buChar char="•"/>
+              <a:defRPr sz="1600" kern="1200">
+                <a:solidFill>
+                  <a:schemeClr val="tx1"/>
+                </a:solidFill>
+                <a:latin typeface="+mn-lt"/>
+                <a:ea typeface="+mn-ea"/>
+                <a:cs typeface="+mn-cs"/>
+              </a:defRPr>
+            </a:lvl4pPr>
+            <a:lvl5pPr marL="1188720" indent="-137160" algn="l" defTabSz="914400" rtl="0" eaLnBrk="1" latinLnBrk="0" hangingPunct="1">
+              <a:spcBef>
+                <a:spcPct val="20000"/>
+              </a:spcBef>
+              <a:buClr>
+                <a:schemeClr val="accent1"/>
+              </a:buClr>
+              <a:buSzPct val="100000"/>
+              <a:buFont typeface="Arial" pitchFamily="34" charset="0"/>
+              <a:buChar char="•"/>
+              <a:defRPr sz="1400" kern="1200" baseline="0">
+                <a:solidFill>
+                  <a:schemeClr val="tx1"/>
+                </a:solidFill>
+                <a:latin typeface="+mn-lt"/>
+                <a:ea typeface="+mn-ea"/>
+                <a:cs typeface="+mn-cs"/>
+              </a:defRPr>
+            </a:lvl5pPr>
+            <a:lvl6pPr marL="1371600" indent="-182880" algn="l" defTabSz="914400" rtl="0" eaLnBrk="1" latinLnBrk="0" hangingPunct="1">
+              <a:spcBef>
+                <a:spcPct val="20000"/>
+              </a:spcBef>
+              <a:buClr>
+                <a:schemeClr val="accent1"/>
+              </a:buClr>
+              <a:buFont typeface="Arial" pitchFamily="34" charset="0"/>
+              <a:buChar char="•"/>
+              <a:defRPr sz="1300" kern="1200">
+                <a:solidFill>
+                  <a:schemeClr val="tx1"/>
+                </a:solidFill>
+                <a:latin typeface="+mn-lt"/>
+                <a:ea typeface="+mn-ea"/>
+                <a:cs typeface="+mn-cs"/>
+              </a:defRPr>
+            </a:lvl6pPr>
+            <a:lvl7pPr marL="1554480" indent="-182880" algn="l" defTabSz="914400" rtl="0" eaLnBrk="1" latinLnBrk="0" hangingPunct="1">
+              <a:spcBef>
+                <a:spcPct val="20000"/>
+              </a:spcBef>
+              <a:buClr>
+                <a:schemeClr val="accent1"/>
+              </a:buClr>
+              <a:buFont typeface="Arial" pitchFamily="34" charset="0"/>
+              <a:buChar char="•"/>
+              <a:defRPr sz="1300" kern="1200">
+                <a:solidFill>
+                  <a:schemeClr val="tx1"/>
+                </a:solidFill>
+                <a:latin typeface="+mn-lt"/>
+                <a:ea typeface="+mn-ea"/>
+                <a:cs typeface="+mn-cs"/>
+              </a:defRPr>
+            </a:lvl7pPr>
+            <a:lvl8pPr marL="1737360" indent="-182880" algn="l" defTabSz="914400" rtl="0" eaLnBrk="1" latinLnBrk="0" hangingPunct="1">
+              <a:spcBef>
+                <a:spcPct val="20000"/>
+              </a:spcBef>
+              <a:buClr>
+                <a:schemeClr val="accent1"/>
+              </a:buClr>
+              <a:buFont typeface="Arial" pitchFamily="34" charset="0"/>
+              <a:buChar char="•"/>
+              <a:defRPr sz="1300" kern="1200">
+                <a:solidFill>
+                  <a:schemeClr val="tx1"/>
+                </a:solidFill>
+                <a:latin typeface="+mn-lt"/>
+                <a:ea typeface="+mn-ea"/>
+                <a:cs typeface="+mn-cs"/>
+              </a:defRPr>
+            </a:lvl8pPr>
+            <a:lvl9pPr marL="1920240" indent="-182880" algn="l" defTabSz="914400" rtl="0" eaLnBrk="1" latinLnBrk="0" hangingPunct="1">
+              <a:spcBef>
+                <a:spcPct val="20000"/>
+              </a:spcBef>
+              <a:buClr>
+                <a:schemeClr val="accent1"/>
+              </a:buClr>
+              <a:buFont typeface="Arial" pitchFamily="34" charset="0"/>
+              <a:buChar char="•"/>
+              <a:defRPr sz="1300" kern="1200">
+                <a:solidFill>
+                  <a:schemeClr val="tx1"/>
+                </a:solidFill>
+                <a:latin typeface="+mn-lt"/>
+                <a:ea typeface="+mn-ea"/>
+                <a:cs typeface="+mn-cs"/>
+              </a:defRPr>
+            </a:lvl9pPr>
+          </a:lstStyle>
+          <a:p>
+            <a:pPr lvl="1"/>
+            <a:r>
+              <a:rPr lang="en-US" dirty="0"/>
+              <a:t>De lo </a:t>
+            </a:r>
+            <a:r>
+              <a:rPr lang="en-US" dirty="0" err="1"/>
+              <a:t>contrario</a:t>
+            </a:r>
+            <a:r>
+              <a:rPr lang="en-US" dirty="0"/>
+              <a:t> </a:t>
+            </a:r>
+            <a:r>
+              <a:rPr lang="en-US" dirty="0" err="1"/>
+              <a:t>si</a:t>
+            </a:r>
+            <a:r>
+              <a:rPr lang="en-US" dirty="0"/>
+              <a:t> i % </a:t>
+            </a:r>
+            <a:r>
+              <a:rPr lang="en-US" dirty="0" smtClean="0"/>
+              <a:t>5 </a:t>
+            </a:r>
+            <a:r>
+              <a:rPr lang="en-US" dirty="0" smtClean="0"/>
+              <a:t>== </a:t>
+            </a:r>
+            <a:r>
+              <a:rPr lang="en-US" dirty="0"/>
+              <a:t>0 </a:t>
+            </a:r>
+            <a:r>
+              <a:rPr lang="en-US" dirty="0" err="1"/>
+              <a:t>entonces</a:t>
+            </a:r>
+            <a:endParaRPr lang="en-US" dirty="0"/>
+          </a:p>
+          <a:p>
+            <a:pPr lvl="2"/>
+            <a:r>
+              <a:rPr lang="en-US" dirty="0" err="1"/>
+              <a:t>numeroPrimo</a:t>
+            </a:r>
+            <a:r>
+              <a:rPr lang="en-US" dirty="0"/>
+              <a:t> = </a:t>
+            </a:r>
+            <a:r>
+              <a:rPr lang="en-US" dirty="0" smtClean="0"/>
+              <a:t>no</a:t>
+            </a:r>
+            <a:endParaRPr lang="en-US" dirty="0"/>
+          </a:p>
+          <a:p>
+            <a:pPr lvl="1"/>
+            <a:r>
+              <a:rPr lang="en-US" dirty="0"/>
+              <a:t>De lo </a:t>
+            </a:r>
+            <a:r>
+              <a:rPr lang="en-US" dirty="0" err="1"/>
+              <a:t>contrario</a:t>
+            </a:r>
+            <a:r>
+              <a:rPr lang="en-US" dirty="0"/>
+              <a:t> </a:t>
+            </a:r>
+            <a:r>
+              <a:rPr lang="en-US" dirty="0" err="1"/>
+              <a:t>si</a:t>
+            </a:r>
+            <a:r>
+              <a:rPr lang="en-US" dirty="0"/>
+              <a:t> i % </a:t>
+            </a:r>
+            <a:r>
+              <a:rPr lang="en-US" dirty="0" smtClean="0"/>
+              <a:t>7 </a:t>
+            </a:r>
+            <a:r>
+              <a:rPr lang="en-US" dirty="0" smtClean="0"/>
+              <a:t>== </a:t>
+            </a:r>
+            <a:r>
+              <a:rPr lang="en-US" dirty="0"/>
+              <a:t>0 </a:t>
+            </a:r>
+            <a:r>
+              <a:rPr lang="en-US" dirty="0" err="1"/>
+              <a:t>entonces</a:t>
+            </a:r>
+            <a:endParaRPr lang="en-US" dirty="0"/>
+          </a:p>
+          <a:p>
+            <a:pPr lvl="2"/>
+            <a:r>
+              <a:rPr lang="en-US" dirty="0" err="1"/>
+              <a:t>numeroPrimo</a:t>
+            </a:r>
+            <a:r>
+              <a:rPr lang="en-US" dirty="0"/>
+              <a:t> = </a:t>
+            </a:r>
+            <a:r>
+              <a:rPr lang="en-US" dirty="0" smtClean="0"/>
+              <a:t>no</a:t>
+            </a:r>
+          </a:p>
+          <a:p>
+            <a:pPr lvl="1"/>
+            <a:r>
+              <a:rPr lang="en-US" dirty="0" smtClean="0"/>
+              <a:t>Fin </a:t>
+            </a:r>
+            <a:r>
+              <a:rPr lang="en-US" dirty="0" err="1" smtClean="0"/>
+              <a:t>si</a:t>
+            </a:r>
+            <a:endParaRPr lang="en-US" dirty="0" smtClean="0"/>
+          </a:p>
+          <a:p>
+            <a:pPr lvl="1"/>
+            <a:r>
+              <a:rPr lang="en-US" dirty="0" smtClean="0"/>
+              <a:t>Si </a:t>
+            </a:r>
+            <a:r>
+              <a:rPr lang="en-US" dirty="0" err="1" smtClean="0"/>
+              <a:t>numeroPrimo</a:t>
+            </a:r>
+            <a:r>
+              <a:rPr lang="en-US" dirty="0" smtClean="0"/>
+              <a:t> </a:t>
+            </a:r>
+            <a:r>
+              <a:rPr lang="en-US" dirty="0" smtClean="0"/>
+              <a:t>== </a:t>
+            </a:r>
+            <a:r>
+              <a:rPr lang="en-US" dirty="0" smtClean="0"/>
+              <a:t>no </a:t>
+            </a:r>
+            <a:r>
+              <a:rPr lang="en-US" dirty="0" err="1" smtClean="0"/>
+              <a:t>entonces</a:t>
+            </a:r>
+            <a:endParaRPr lang="en-US" dirty="0" smtClean="0"/>
+          </a:p>
+          <a:p>
+            <a:pPr lvl="2"/>
+            <a:r>
+              <a:rPr lang="en-US" dirty="0" err="1" smtClean="0"/>
+              <a:t>Impimir</a:t>
+            </a:r>
+            <a:r>
+              <a:rPr lang="en-US" dirty="0" smtClean="0"/>
+              <a:t> (i no </a:t>
+            </a:r>
+            <a:r>
+              <a:rPr lang="en-US" dirty="0" err="1" smtClean="0"/>
+              <a:t>es</a:t>
+            </a:r>
+            <a:r>
+              <a:rPr lang="en-US" dirty="0" smtClean="0"/>
+              <a:t> primo)</a:t>
+            </a:r>
+          </a:p>
+          <a:p>
+            <a:pPr lvl="1"/>
+            <a:r>
+              <a:rPr lang="en-US" dirty="0" smtClean="0"/>
+              <a:t>De lo </a:t>
+            </a:r>
+            <a:r>
+              <a:rPr lang="en-US" dirty="0" err="1" smtClean="0"/>
+              <a:t>contrario</a:t>
+            </a:r>
+            <a:endParaRPr lang="en-US" dirty="0" smtClean="0"/>
+          </a:p>
+          <a:p>
+            <a:pPr lvl="2"/>
+            <a:r>
+              <a:rPr lang="en-US" dirty="0" err="1" smtClean="0"/>
+              <a:t>Imprimir</a:t>
+            </a:r>
+            <a:r>
+              <a:rPr lang="en-US" dirty="0" smtClean="0"/>
+              <a:t> (i </a:t>
+            </a:r>
+            <a:r>
+              <a:rPr lang="en-US" dirty="0" err="1" smtClean="0"/>
+              <a:t>es</a:t>
+            </a:r>
+            <a:r>
+              <a:rPr lang="en-US" dirty="0" smtClean="0"/>
+              <a:t> primo)</a:t>
+            </a:r>
+          </a:p>
+          <a:p>
+            <a:pPr lvl="1"/>
+            <a:r>
+              <a:rPr lang="en-US" dirty="0" smtClean="0"/>
+              <a:t>Fin </a:t>
+            </a:r>
+            <a:r>
+              <a:rPr lang="en-US" dirty="0" err="1" smtClean="0"/>
+              <a:t>si</a:t>
+            </a:r>
+            <a:endParaRPr lang="en-US" dirty="0" smtClean="0"/>
+          </a:p>
+          <a:p>
+            <a:r>
+              <a:rPr lang="en-US" dirty="0" smtClean="0"/>
+              <a:t>Fin </a:t>
+            </a:r>
+            <a:r>
+              <a:rPr lang="en-US" dirty="0" err="1" smtClean="0"/>
+              <a:t>ciclo</a:t>
+            </a:r>
+            <a:r>
+              <a:rPr lang="en-US" dirty="0" smtClean="0"/>
+              <a:t> for</a:t>
+            </a:r>
+          </a:p>
+          <a:p>
+            <a:r>
+              <a:rPr lang="en-US" dirty="0" smtClean="0"/>
+              <a:t>Fin</a:t>
+            </a:r>
+            <a:endParaRPr lang="en-US" dirty="0"/>
+          </a:p>
+          <a:p>
+            <a:pPr lvl="2"/>
+            <a:endParaRPr lang="en-US" dirty="0"/>
+          </a:p>
+        </p:txBody>
+      </p:sp>
+    </p:spTree>
+    <p:extLst>
+      <p:ext uri="{BB962C8B-B14F-4D97-AF65-F5344CB8AC3E}">
+        <p14:creationId xmlns:p14="http://schemas.microsoft.com/office/powerpoint/2010/main" val="3847839542"/>
+      </p:ext>
+    </p:extLst>
+  </p:cSld>
+  <p:clrMapOvr>
+    <a:masterClrMapping/>
+  </p:clrMapOvr>
+  <p:timing>
+    <p:tnLst>
+      <p:par>
+        <p:cTn id="1" dur="indefinite" restart="never" nodeType="tmRoot"/>
+      </p:par>
+    </p:tnLst>
+  </p:timing>
+</p:sld>
+</file>
+
+<file path=ppt/slides/slide13.xml><?xml version="1.0" encoding="utf-8"?>
+<p:sld xmlns:a="http://schemas.openxmlformats.org/drawingml/2006/main" xmlns:r="http://schemas.openxmlformats.org/officeDocument/2006/relationships" xmlns:p="http://schemas.openxmlformats.org/presentationml/2006/main">
+  <p:cSld>
+    <p:spTree>
+      <p:nvGrpSpPr>
+        <p:cNvPr id="1" name=""/>
+        <p:cNvGrpSpPr/>
+        <p:nvPr/>
+      </p:nvGrpSpPr>
+      <p:grpSpPr>
+        <a:xfrm>
+          <a:off x="0" y="0"/>
+          <a:ext cx="0" cy="0"/>
+          <a:chOff x="0" y="0"/>
+          <a:chExt cx="0" cy="0"/>
+        </a:xfrm>
+      </p:grpSpPr>
+      <p:sp>
+        <p:nvSpPr>
+          <p:cNvPr id="2" name="Title 1"/>
+          <p:cNvSpPr>
+            <a:spLocks noGrp="1"/>
+          </p:cNvSpPr>
+          <p:nvPr>
+            <p:ph type="title"/>
+          </p:nvPr>
+        </p:nvSpPr>
+        <p:spPr/>
+        <p:txBody>
+          <a:bodyPr/>
+          <a:lstStyle/>
+          <a:p>
+            <a:r>
+              <a:rPr lang="en-US" dirty="0" err="1" smtClean="0"/>
+              <a:t>Pseudocódigo</a:t>
+            </a:r>
+            <a:r>
+              <a:rPr lang="en-US" dirty="0" smtClean="0"/>
+              <a:t> – </a:t>
+            </a:r>
+            <a:r>
+              <a:rPr lang="en-US" dirty="0" err="1" smtClean="0"/>
+              <a:t>ejercicio</a:t>
+            </a:r>
+            <a:r>
+              <a:rPr lang="en-US" dirty="0" smtClean="0"/>
+              <a:t> 1</a:t>
+            </a:r>
+            <a:endParaRPr lang="en-US" dirty="0"/>
+          </a:p>
+        </p:txBody>
+      </p:sp>
+      <p:sp>
+        <p:nvSpPr>
+          <p:cNvPr id="3" name="Content Placeholder 2"/>
+          <p:cNvSpPr>
+            <a:spLocks noGrp="1"/>
+          </p:cNvSpPr>
+          <p:nvPr>
+            <p:ph idx="1"/>
+          </p:nvPr>
+        </p:nvSpPr>
+        <p:spPr/>
+        <p:txBody>
+          <a:bodyPr/>
+          <a:lstStyle/>
+          <a:p>
+            <a:r>
+              <a:rPr lang="en-US" dirty="0" err="1" smtClean="0"/>
+              <a:t>Construya</a:t>
             </a:r>
             <a:r>
               <a:rPr lang="en-US" dirty="0" smtClean="0"/>
@@ -3602,19 +5392,51 @@
             </a:r>
             <a:r>
               <a:rPr lang="en-US" dirty="0" smtClean="0"/>
-              <a:t> le de al </a:t>
-            </a:r>
-            <a:r>
-              <a:rPr lang="en-US" dirty="0" err="1" smtClean="0"/>
-              <a:t>usuario</a:t>
-            </a:r>
-            <a:r>
-              <a:rPr lang="en-US" dirty="0" smtClean="0"/>
-              <a:t> 2 </a:t>
-            </a:r>
-            <a:r>
-              <a:rPr lang="en-US" dirty="0" err="1" smtClean="0"/>
-              <a:t>opciones</a:t>
+              <a:t> </a:t>
+            </a:r>
+            <a:r>
+              <a:rPr lang="en-US" dirty="0" err="1" smtClean="0"/>
+              <a:t>imprima</a:t>
+            </a:r>
+            <a:r>
+              <a:rPr lang="en-US" dirty="0" smtClean="0"/>
+              <a:t> la </a:t>
+            </a:r>
+            <a:r>
+              <a:rPr lang="en-US" dirty="0" err="1" smtClean="0"/>
+              <a:t>tabla</a:t>
+            </a:r>
+            <a:r>
+              <a:rPr lang="en-US" dirty="0" smtClean="0"/>
+              <a:t> de </a:t>
+            </a:r>
+            <a:r>
+              <a:rPr lang="en-US" dirty="0" err="1" smtClean="0"/>
+              <a:t>multiplicar</a:t>
+            </a:r>
+            <a:r>
+              <a:rPr lang="en-US" dirty="0" smtClean="0"/>
+              <a:t> de un </a:t>
+            </a:r>
+            <a:r>
+              <a:rPr lang="en-US" dirty="0" err="1" smtClean="0"/>
+              <a:t>número</a:t>
+            </a:r>
+            <a:r>
+              <a:rPr lang="en-US" dirty="0" smtClean="0"/>
+              <a:t> </a:t>
+            </a:r>
+            <a:r>
+              <a:rPr lang="en-US" dirty="0" err="1" smtClean="0"/>
+              <a:t>ingresado</a:t>
+            </a:r>
+            <a:r>
+              <a:rPr lang="en-US" dirty="0" smtClean="0"/>
+              <a:t> en el </a:t>
+            </a:r>
+            <a:r>
+              <a:rPr lang="en-US" dirty="0" err="1" smtClean="0"/>
+              <a:t>teclado</a:t>
             </a:r>
             <a:r>
               <a:rPr lang="en-US" dirty="0" smtClean="0"/>
@@ -3622,7 +5444,21 @@
             </a:r>
             <a:r>
               <a:rPr lang="en-US" dirty="0" err="1" smtClean="0"/>
-              <a:t>agregar</a:t>
+              <a:t>empezando</a:t>
+            </a:r>
+            <a:r>
+              <a:rPr lang="en-US" dirty="0" smtClean="0"/>
+              <a:t> de 0.</a:t>
+            </a:r>
+          </a:p>
+          <a:p>
+            <a:r>
+              <a:rPr lang="en-US" dirty="0" smtClean="0"/>
+              <a:t>Para </a:t>
+            </a:r>
+            <a:r>
+              <a:rPr lang="en-US" dirty="0" err="1" smtClean="0"/>
+              <a:t>realizar</a:t>
             </a:r>
             <a:r>
               <a:rPr lang="en-US" dirty="0" smtClean="0"/>
@@ -3630,22 +5466,1031 @@
             </a:r>
             <a:r>
               <a:rPr lang="en-US" dirty="0" err="1" smtClean="0"/>
-              <a:t>estudiante</a:t>
-            </a:r>
-            <a:r>
-              <a:rPr lang="en-US" dirty="0" smtClean="0"/>
-              <a:t> o </a:t>
-            </a:r>
-            <a:r>
-              <a:rPr lang="en-US" dirty="0" err="1" smtClean="0"/>
-              <a:t>finalizar</a:t>
+              <a:t>este</a:t>
+            </a:r>
+            <a:r>
+              <a:rPr lang="en-US" dirty="0" smtClean="0"/>
+              <a:t> </a:t>
+            </a:r>
+            <a:r>
+              <a:rPr lang="en-US" dirty="0" err="1" smtClean="0"/>
+              <a:t>programa</a:t>
+            </a:r>
+            <a:r>
+              <a:rPr lang="en-US" dirty="0" smtClean="0"/>
+              <a:t>, </a:t>
+            </a:r>
+            <a:r>
+              <a:rPr lang="en-US" dirty="0" err="1" smtClean="0"/>
+              <a:t>empiece</a:t>
+            </a:r>
+            <a:r>
+              <a:rPr lang="en-US" dirty="0" smtClean="0"/>
+              <a:t> </a:t>
+            </a:r>
+            <a:r>
+              <a:rPr lang="en-US" dirty="0" err="1" smtClean="0"/>
+              <a:t>por</a:t>
+            </a:r>
+            <a:r>
+              <a:rPr lang="en-US" dirty="0" smtClean="0"/>
+              <a:t> </a:t>
+            </a:r>
+            <a:r>
+              <a:rPr lang="en-US" dirty="0" err="1" smtClean="0"/>
+              <a:t>crear</a:t>
+            </a:r>
+            <a:r>
+              <a:rPr lang="en-US" dirty="0" smtClean="0"/>
+              <a:t> un </a:t>
+            </a:r>
+            <a:r>
+              <a:rPr lang="en-US" dirty="0" err="1" smtClean="0"/>
+              <a:t>algoritmo</a:t>
+            </a:r>
+            <a:r>
+              <a:rPr lang="en-US" dirty="0" smtClean="0"/>
+              <a:t> o un </a:t>
+            </a:r>
+            <a:r>
+              <a:rPr lang="en-US" dirty="0" err="1" smtClean="0"/>
+              <a:t>diagrama</a:t>
+            </a:r>
+            <a:r>
+              <a:rPr lang="en-US" dirty="0" smtClean="0"/>
+              <a:t> de </a:t>
+            </a:r>
+            <a:r>
+              <a:rPr lang="en-US" dirty="0" err="1" smtClean="0"/>
+              <a:t>flujo</a:t>
+            </a:r>
+            <a:r>
+              <a:rPr lang="en-US" dirty="0" smtClean="0"/>
+              <a:t> y </a:t>
+            </a:r>
+            <a:r>
+              <a:rPr lang="en-US" dirty="0" err="1" smtClean="0"/>
+              <a:t>después</a:t>
+            </a:r>
+            <a:r>
+              <a:rPr lang="en-US" dirty="0" smtClean="0"/>
+              <a:t> </a:t>
+            </a:r>
+            <a:r>
+              <a:rPr lang="en-US" dirty="0" err="1" smtClean="0"/>
+              <a:t>escríbalo</a:t>
+            </a:r>
+            <a:r>
+              <a:rPr lang="en-US" dirty="0" smtClean="0"/>
+              <a:t> en </a:t>
+            </a:r>
+            <a:r>
+              <a:rPr lang="en-US" dirty="0" err="1" smtClean="0"/>
+              <a:t>pseudocódigo</a:t>
+            </a:r>
+            <a:endParaRPr lang="en-US" dirty="0"/>
+          </a:p>
+        </p:txBody>
+      </p:sp>
+    </p:spTree>
+    <p:extLst>
+      <p:ext uri="{BB962C8B-B14F-4D97-AF65-F5344CB8AC3E}">
+        <p14:creationId xmlns:p14="http://schemas.microsoft.com/office/powerpoint/2010/main" val="2797761187"/>
+      </p:ext>
+    </p:extLst>
+  </p:cSld>
+  <p:clrMapOvr>
+    <a:masterClrMapping/>
+  </p:clrMapOvr>
+  <p:timing>
+    <p:tnLst>
+      <p:par>
+        <p:cTn id="1" dur="indefinite" restart="never" nodeType="tmRoot"/>
+      </p:par>
+    </p:tnLst>
+  </p:timing>
+</p:sld>
+</file>
+
+<file path=ppt/slides/slide14.xml><?xml version="1.0" encoding="utf-8"?>
+<p:sld xmlns:a="http://schemas.openxmlformats.org/drawingml/2006/main" xmlns:r="http://schemas.openxmlformats.org/officeDocument/2006/relationships" xmlns:p="http://schemas.openxmlformats.org/presentationml/2006/main">
+  <p:cSld>
+    <p:spTree>
+      <p:nvGrpSpPr>
+        <p:cNvPr id="1" name=""/>
+        <p:cNvGrpSpPr/>
+        <p:nvPr/>
+      </p:nvGrpSpPr>
+      <p:grpSpPr>
+        <a:xfrm>
+          <a:off x="0" y="0"/>
+          <a:ext cx="0" cy="0"/>
+          <a:chOff x="0" y="0"/>
+          <a:chExt cx="0" cy="0"/>
+        </a:xfrm>
+      </p:grpSpPr>
+      <p:sp>
+        <p:nvSpPr>
+          <p:cNvPr id="2" name="Title 1"/>
+          <p:cNvSpPr>
+            <a:spLocks noGrp="1"/>
+          </p:cNvSpPr>
+          <p:nvPr>
+            <p:ph type="title"/>
+          </p:nvPr>
+        </p:nvSpPr>
+        <p:spPr/>
+        <p:txBody>
+          <a:bodyPr/>
+          <a:lstStyle/>
+          <a:p>
+            <a:r>
+              <a:rPr lang="en-US" dirty="0" err="1" smtClean="0"/>
+              <a:t>Pseudocódigo</a:t>
+            </a:r>
+            <a:r>
+              <a:rPr lang="en-US" dirty="0" smtClean="0"/>
+              <a:t> – </a:t>
+            </a:r>
+            <a:r>
+              <a:rPr lang="en-US" dirty="0" err="1" smtClean="0"/>
+              <a:t>ejercicio</a:t>
+            </a:r>
+            <a:r>
+              <a:rPr lang="en-US" dirty="0" smtClean="0"/>
+              <a:t> 2</a:t>
+            </a:r>
+            <a:endParaRPr lang="en-US" dirty="0"/>
+          </a:p>
+        </p:txBody>
+      </p:sp>
+      <p:sp>
+        <p:nvSpPr>
+          <p:cNvPr id="3" name="Content Placeholder 2"/>
+          <p:cNvSpPr>
+            <a:spLocks noGrp="1"/>
+          </p:cNvSpPr>
+          <p:nvPr>
+            <p:ph idx="1"/>
+          </p:nvPr>
+        </p:nvSpPr>
+        <p:spPr/>
+        <p:txBody>
+          <a:bodyPr/>
+          <a:lstStyle/>
+          <a:p>
+            <a:r>
+              <a:rPr lang="en-US" dirty="0" err="1" smtClean="0"/>
+              <a:t>Construya</a:t>
+            </a:r>
+            <a:r>
+              <a:rPr lang="en-US" dirty="0" smtClean="0"/>
+              <a:t> un </a:t>
+            </a:r>
+            <a:r>
+              <a:rPr lang="en-US" dirty="0" err="1" smtClean="0"/>
+              <a:t>programa</a:t>
+            </a:r>
+            <a:r>
+              <a:rPr lang="en-US" dirty="0" smtClean="0"/>
+              <a:t> </a:t>
+            </a:r>
+            <a:r>
+              <a:rPr lang="en-US" dirty="0" err="1" smtClean="0"/>
+              <a:t>que</a:t>
+            </a:r>
+            <a:r>
+              <a:rPr lang="en-US" dirty="0" smtClean="0"/>
+              <a:t> </a:t>
+            </a:r>
+            <a:r>
+              <a:rPr lang="en-US" dirty="0" err="1" smtClean="0"/>
+              <a:t>defina</a:t>
+            </a:r>
+            <a:r>
+              <a:rPr lang="en-US" dirty="0" smtClean="0"/>
+              <a:t> </a:t>
+            </a:r>
+            <a:r>
+              <a:rPr lang="en-US" dirty="0" err="1" smtClean="0"/>
+              <a:t>si</a:t>
+            </a:r>
+            <a:r>
+              <a:rPr lang="en-US" dirty="0" smtClean="0"/>
+              <a:t> un </a:t>
+            </a:r>
+            <a:r>
+              <a:rPr lang="en-US" dirty="0" err="1" smtClean="0"/>
+              <a:t>número</a:t>
+            </a:r>
+            <a:r>
+              <a:rPr lang="en-US" dirty="0" smtClean="0"/>
+              <a:t> dado </a:t>
+            </a:r>
+            <a:r>
+              <a:rPr lang="en-US" dirty="0" err="1" smtClean="0"/>
+              <a:t>es</a:t>
+            </a:r>
+            <a:r>
+              <a:rPr lang="en-US" dirty="0" smtClean="0"/>
+              <a:t> el </a:t>
+            </a:r>
+            <a:r>
+              <a:rPr lang="en-US" dirty="0" err="1" smtClean="0"/>
+              <a:t>resultado</a:t>
+            </a:r>
+            <a:r>
+              <a:rPr lang="en-US" dirty="0" smtClean="0"/>
+              <a:t> de </a:t>
+            </a:r>
+            <a:r>
+              <a:rPr lang="en-US" dirty="0" err="1" smtClean="0"/>
+              <a:t>multiplicar</a:t>
+            </a:r>
+            <a:r>
+              <a:rPr lang="en-US" dirty="0" smtClean="0"/>
+              <a:t> un </a:t>
+            </a:r>
+            <a:r>
+              <a:rPr lang="en-US" dirty="0" err="1" smtClean="0"/>
+              <a:t>numero</a:t>
+            </a:r>
+            <a:r>
+              <a:rPr lang="en-US" dirty="0" smtClean="0"/>
+              <a:t> </a:t>
+            </a:r>
+            <a:r>
+              <a:rPr lang="en-US" dirty="0" err="1" smtClean="0"/>
+              <a:t>impar</a:t>
+            </a:r>
+            <a:r>
+              <a:rPr lang="en-US" dirty="0" smtClean="0"/>
+              <a:t> </a:t>
+            </a:r>
+            <a:r>
+              <a:rPr lang="en-US" dirty="0" err="1" smtClean="0"/>
+              <a:t>por</a:t>
+            </a:r>
+            <a:r>
+              <a:rPr lang="en-US" dirty="0" smtClean="0"/>
+              <a:t> dos. </a:t>
+            </a:r>
+            <a:r>
+              <a:rPr lang="en-US" dirty="0" err="1" smtClean="0"/>
+              <a:t>Por</a:t>
+            </a:r>
+            <a:r>
+              <a:rPr lang="en-US" dirty="0" smtClean="0"/>
+              <a:t> </a:t>
+            </a:r>
+            <a:r>
+              <a:rPr lang="en-US" dirty="0" err="1" smtClean="0"/>
+              <a:t>ejemplo</a:t>
+            </a:r>
+            <a:r>
+              <a:rPr lang="en-US" dirty="0" smtClean="0"/>
+              <a:t> 14 </a:t>
+            </a:r>
+            <a:r>
+              <a:rPr lang="en-US" dirty="0" err="1" smtClean="0"/>
+              <a:t>es</a:t>
+            </a:r>
+            <a:r>
+              <a:rPr lang="en-US" dirty="0" smtClean="0"/>
+              <a:t> el </a:t>
+            </a:r>
+            <a:r>
+              <a:rPr lang="en-US" dirty="0" err="1" smtClean="0"/>
+              <a:t>resultado</a:t>
+            </a:r>
+            <a:r>
+              <a:rPr lang="en-US" dirty="0" smtClean="0"/>
+              <a:t> de </a:t>
+            </a:r>
+            <a:r>
+              <a:rPr lang="en-US" dirty="0" err="1" smtClean="0"/>
+              <a:t>multiplicar</a:t>
+            </a:r>
+            <a:r>
+              <a:rPr lang="en-US" dirty="0" smtClean="0"/>
+              <a:t> 7 * 2. En </a:t>
+            </a:r>
+            <a:r>
+              <a:rPr lang="en-US" dirty="0" err="1" smtClean="0"/>
+              <a:t>caso</a:t>
+            </a:r>
+            <a:r>
+              <a:rPr lang="en-US" dirty="0" smtClean="0"/>
+              <a:t> de </a:t>
+            </a:r>
+            <a:r>
+              <a:rPr lang="en-US" dirty="0" err="1" smtClean="0"/>
+              <a:t>que</a:t>
+            </a:r>
+            <a:r>
+              <a:rPr lang="en-US" dirty="0" smtClean="0"/>
+              <a:t> </a:t>
+            </a:r>
+            <a:r>
+              <a:rPr lang="en-US" dirty="0" err="1" smtClean="0"/>
+              <a:t>esta</a:t>
+            </a:r>
+            <a:r>
+              <a:rPr lang="en-US" dirty="0" smtClean="0"/>
+              <a:t> </a:t>
+            </a:r>
+            <a:r>
+              <a:rPr lang="en-US" dirty="0" err="1" smtClean="0"/>
+              <a:t>condición</a:t>
+            </a:r>
+            <a:r>
+              <a:rPr lang="en-US" dirty="0" smtClean="0"/>
+              <a:t> se </a:t>
+            </a:r>
+            <a:r>
+              <a:rPr lang="en-US" dirty="0" err="1" smtClean="0"/>
+              <a:t>cumpla</a:t>
+            </a:r>
+            <a:r>
+              <a:rPr lang="en-US" dirty="0" smtClean="0"/>
+              <a:t>, </a:t>
+            </a:r>
+            <a:r>
+              <a:rPr lang="en-US" dirty="0" err="1" smtClean="0"/>
+              <a:t>debe</a:t>
+            </a:r>
+            <a:r>
+              <a:rPr lang="en-US" dirty="0" smtClean="0"/>
+              <a:t> </a:t>
+            </a:r>
+            <a:r>
+              <a:rPr lang="en-US" dirty="0" err="1" smtClean="0"/>
+              <a:t>imprimirlo</a:t>
+            </a:r>
+            <a:r>
+              <a:rPr lang="en-US" dirty="0" smtClean="0"/>
+              <a:t>. </a:t>
+            </a:r>
+          </a:p>
+          <a:p>
+            <a:r>
+              <a:rPr lang="en-US" dirty="0" smtClean="0"/>
+              <a:t>Para </a:t>
+            </a:r>
+            <a:r>
+              <a:rPr lang="en-US" dirty="0" err="1" smtClean="0"/>
+              <a:t>realizar</a:t>
+            </a:r>
+            <a:r>
+              <a:rPr lang="en-US" dirty="0" smtClean="0"/>
+              <a:t> </a:t>
+            </a:r>
+            <a:r>
+              <a:rPr lang="en-US" dirty="0" err="1" smtClean="0"/>
+              <a:t>este</a:t>
+            </a:r>
+            <a:r>
+              <a:rPr lang="en-US" dirty="0" smtClean="0"/>
+              <a:t> </a:t>
+            </a:r>
+            <a:r>
+              <a:rPr lang="en-US" dirty="0" err="1" smtClean="0"/>
+              <a:t>programa</a:t>
+            </a:r>
+            <a:r>
+              <a:rPr lang="en-US" dirty="0" smtClean="0"/>
+              <a:t>, </a:t>
+            </a:r>
+            <a:r>
+              <a:rPr lang="en-US" dirty="0" err="1" smtClean="0"/>
+              <a:t>empiece</a:t>
+            </a:r>
+            <a:r>
+              <a:rPr lang="en-US" dirty="0" smtClean="0"/>
+              <a:t> </a:t>
+            </a:r>
+            <a:r>
+              <a:rPr lang="en-US" dirty="0" err="1" smtClean="0"/>
+              <a:t>por</a:t>
+            </a:r>
+            <a:r>
+              <a:rPr lang="en-US" dirty="0" smtClean="0"/>
+              <a:t> </a:t>
+            </a:r>
+            <a:r>
+              <a:rPr lang="en-US" dirty="0" err="1" smtClean="0"/>
+              <a:t>crear</a:t>
+            </a:r>
+            <a:r>
+              <a:rPr lang="en-US" dirty="0" smtClean="0"/>
+              <a:t> un </a:t>
+            </a:r>
+            <a:r>
+              <a:rPr lang="en-US" dirty="0" err="1" smtClean="0"/>
+              <a:t>algoritmo</a:t>
+            </a:r>
+            <a:r>
+              <a:rPr lang="en-US" dirty="0" smtClean="0"/>
+              <a:t> o un </a:t>
+            </a:r>
+            <a:r>
+              <a:rPr lang="en-US" dirty="0" err="1" smtClean="0"/>
+              <a:t>diagrama</a:t>
+            </a:r>
+            <a:r>
+              <a:rPr lang="en-US" dirty="0" smtClean="0"/>
+              <a:t> de </a:t>
+            </a:r>
+            <a:r>
+              <a:rPr lang="en-US" dirty="0" err="1" smtClean="0"/>
+              <a:t>flujo</a:t>
+            </a:r>
+            <a:r>
+              <a:rPr lang="en-US" dirty="0" smtClean="0"/>
+              <a:t> y </a:t>
+            </a:r>
+            <a:r>
+              <a:rPr lang="en-US" dirty="0" err="1" smtClean="0"/>
+              <a:t>después</a:t>
+            </a:r>
+            <a:r>
+              <a:rPr lang="en-US" dirty="0" smtClean="0"/>
+              <a:t> </a:t>
+            </a:r>
+            <a:r>
+              <a:rPr lang="en-US" dirty="0" err="1" smtClean="0"/>
+              <a:t>escríbalo</a:t>
+            </a:r>
+            <a:r>
+              <a:rPr lang="en-US" dirty="0" smtClean="0"/>
+              <a:t> en </a:t>
+            </a:r>
+            <a:r>
+              <a:rPr lang="en-US" dirty="0" err="1" smtClean="0"/>
+              <a:t>pseudocódigo</a:t>
+            </a:r>
+            <a:endParaRPr lang="en-US" dirty="0"/>
+          </a:p>
+        </p:txBody>
+      </p:sp>
+    </p:spTree>
+    <p:extLst>
+      <p:ext uri="{BB962C8B-B14F-4D97-AF65-F5344CB8AC3E}">
+        <p14:creationId xmlns:p14="http://schemas.microsoft.com/office/powerpoint/2010/main" val="2465724230"/>
+      </p:ext>
+    </p:extLst>
+  </p:cSld>
+  <p:clrMapOvr>
+    <a:masterClrMapping/>
+  </p:clrMapOvr>
+  <p:timing>
+    <p:tnLst>
+      <p:par>
+        <p:cTn id="1" dur="indefinite" restart="never" nodeType="tmRoot"/>
+      </p:par>
+    </p:tnLst>
+  </p:timing>
+</p:sld>
+</file>
+
+<file path=ppt/slides/slide2.xml><?xml version="1.0" encoding="utf-8"?>
+<p:sld xmlns:a="http://schemas.openxmlformats.org/drawingml/2006/main" xmlns:r="http://schemas.openxmlformats.org/officeDocument/2006/relationships" xmlns:p="http://schemas.openxmlformats.org/presentationml/2006/main">
+  <p:cSld>
+    <p:spTree>
+      <p:nvGrpSpPr>
+        <p:cNvPr id="1" name=""/>
+        <p:cNvGrpSpPr/>
+        <p:nvPr/>
+      </p:nvGrpSpPr>
+      <p:grpSpPr>
+        <a:xfrm>
+          <a:off x="0" y="0"/>
+          <a:ext cx="0" cy="0"/>
+          <a:chOff x="0" y="0"/>
+          <a:chExt cx="0" cy="0"/>
+        </a:xfrm>
+      </p:grpSpPr>
+      <p:sp>
+        <p:nvSpPr>
+          <p:cNvPr id="2" name="Title 1"/>
+          <p:cNvSpPr>
+            <a:spLocks noGrp="1"/>
+          </p:cNvSpPr>
+          <p:nvPr>
+            <p:ph type="title"/>
+          </p:nvPr>
+        </p:nvSpPr>
+        <p:spPr/>
+        <p:txBody>
+          <a:bodyPr/>
+          <a:lstStyle/>
+          <a:p>
+            <a:r>
+              <a:rPr lang="en-US" dirty="0" smtClean="0"/>
+              <a:t>Agenda</a:t>
+            </a:r>
+            <a:endParaRPr lang="en-US" dirty="0"/>
+          </a:p>
+        </p:txBody>
+      </p:sp>
+      <p:sp>
+        <p:nvSpPr>
+          <p:cNvPr id="3" name="Content Placeholder 2"/>
+          <p:cNvSpPr>
+            <a:spLocks noGrp="1"/>
+          </p:cNvSpPr>
+          <p:nvPr>
+            <p:ph idx="1"/>
+          </p:nvPr>
+        </p:nvSpPr>
+        <p:spPr/>
+        <p:txBody>
+          <a:bodyPr/>
+          <a:lstStyle/>
+          <a:p>
+            <a:r>
+              <a:rPr lang="en-US" dirty="0" err="1" smtClean="0"/>
+              <a:t>Repaso</a:t>
+            </a:r>
+            <a:r>
+              <a:rPr lang="en-US" dirty="0" smtClean="0"/>
+              <a:t> </a:t>
+            </a:r>
+            <a:r>
+              <a:rPr lang="en-US" dirty="0" err="1" smtClean="0"/>
+              <a:t>rápido</a:t>
+            </a:r>
+            <a:r>
+              <a:rPr lang="en-US" dirty="0" smtClean="0"/>
+              <a:t> y </a:t>
+            </a:r>
+            <a:r>
+              <a:rPr lang="en-US" dirty="0" err="1" smtClean="0"/>
+              <a:t>revisión</a:t>
+            </a:r>
+            <a:r>
+              <a:rPr lang="en-US" dirty="0" smtClean="0"/>
+              <a:t> de </a:t>
+            </a:r>
+            <a:r>
+              <a:rPr lang="en-US" dirty="0" err="1" smtClean="0"/>
+              <a:t>tareas</a:t>
             </a:r>
             <a:endParaRPr lang="en-US" dirty="0" smtClean="0"/>
           </a:p>
           <a:p>
             <a:r>
               <a:rPr lang="en-US" dirty="0" err="1" smtClean="0"/>
-              <a:t>Cuando</a:t>
+              <a:t>Pseudocódigo</a:t>
+            </a:r>
+            <a:endParaRPr lang="en-US" dirty="0" smtClean="0"/>
+          </a:p>
+          <a:p>
+            <a:r>
+              <a:rPr lang="en-US" dirty="0" err="1" smtClean="0"/>
+              <a:t>Estructuras</a:t>
+            </a:r>
+            <a:r>
+              <a:rPr lang="en-US" dirty="0" smtClean="0"/>
+              <a:t> if, if else y for</a:t>
+            </a:r>
+          </a:p>
+        </p:txBody>
+      </p:sp>
+      <p:pic>
+        <p:nvPicPr>
+          <p:cNvPr id="1028" name="Picture 4" descr="Image result for agenda"/>
+          <p:cNvPicPr>
+            <a:picLocks noChangeAspect="1" noChangeArrowheads="1"/>
+          </p:cNvPicPr>
+          <p:nvPr/>
+        </p:nvPicPr>
+        <p:blipFill>
+          <a:blip r:embed="rId2">
+            <a:extLst>
+              <a:ext uri="{28A0092B-C50C-407E-A947-70E740481C1C}">
+                <a14:useLocalDpi xmlns:a14="http://schemas.microsoft.com/office/drawing/2010/main" val="0"/>
+              </a:ext>
+            </a:extLst>
+          </a:blip>
+          <a:srcRect/>
+          <a:stretch>
+            <a:fillRect/>
+          </a:stretch>
+        </p:blipFill>
+        <p:spPr bwMode="auto">
+          <a:xfrm>
+            <a:off x="5068825" y="2819400"/>
+            <a:ext cx="3069772" cy="3581400"/>
+          </a:xfrm>
+          <a:prstGeom prst="rect">
+            <a:avLst/>
+          </a:prstGeom>
+          <a:noFill/>
+          <a:extLst>
+            <a:ext uri="{909E8E84-426E-40DD-AFC4-6F175D3DCCD1}">
+              <a14:hiddenFill xmlns:a14="http://schemas.microsoft.com/office/drawing/2010/main">
+                <a:solidFill>
+                  <a:srgbClr val="FFFFFF"/>
+                </a:solidFill>
+              </a14:hiddenFill>
+            </a:ext>
+          </a:extLst>
+        </p:spPr>
+      </p:pic>
+    </p:spTree>
+    <p:extLst>
+      <p:ext uri="{BB962C8B-B14F-4D97-AF65-F5344CB8AC3E}">
+        <p14:creationId xmlns:p14="http://schemas.microsoft.com/office/powerpoint/2010/main" val="3890655908"/>
+      </p:ext>
+    </p:extLst>
+  </p:cSld>
+  <p:clrMapOvr>
+    <a:masterClrMapping/>
+  </p:clrMapOvr>
+  <p:timing>
+    <p:tnLst>
+      <p:par>
+        <p:cTn id="1" dur="indefinite" restart="never" nodeType="tmRoot"/>
+      </p:par>
+    </p:tnLst>
+  </p:timing>
+</p:sld>
+</file>
+
+<file path=ppt/slides/slide3.xml><?xml version="1.0" encoding="utf-8"?>
+<p:sld xmlns:a="http://schemas.openxmlformats.org/drawingml/2006/main" xmlns:r="http://schemas.openxmlformats.org/officeDocument/2006/relationships" xmlns:p="http://schemas.openxmlformats.org/presentationml/2006/main">
+  <p:cSld>
+    <p:spTree>
+      <p:nvGrpSpPr>
+        <p:cNvPr id="1" name=""/>
+        <p:cNvGrpSpPr/>
+        <p:nvPr/>
+      </p:nvGrpSpPr>
+      <p:grpSpPr>
+        <a:xfrm>
+          <a:off x="0" y="0"/>
+          <a:ext cx="0" cy="0"/>
+          <a:chOff x="0" y="0"/>
+          <a:chExt cx="0" cy="0"/>
+        </a:xfrm>
+      </p:grpSpPr>
+      <p:sp>
+        <p:nvSpPr>
+          <p:cNvPr id="2" name="Title 1"/>
+          <p:cNvSpPr>
+            <a:spLocks noGrp="1"/>
+          </p:cNvSpPr>
+          <p:nvPr>
+            <p:ph type="title"/>
+          </p:nvPr>
+        </p:nvSpPr>
+        <p:spPr/>
+        <p:txBody>
+          <a:bodyPr/>
+          <a:lstStyle/>
+          <a:p>
+            <a:r>
+              <a:rPr lang="en-US" dirty="0" err="1"/>
+              <a:t>R</a:t>
+            </a:r>
+            <a:r>
+              <a:rPr lang="en-US" dirty="0" err="1" smtClean="0"/>
+              <a:t>epaso</a:t>
+            </a:r>
+            <a:endParaRPr lang="en-US" dirty="0"/>
+          </a:p>
+        </p:txBody>
+      </p:sp>
+      <p:sp>
+        <p:nvSpPr>
+          <p:cNvPr id="3" name="Content Placeholder 2"/>
+          <p:cNvSpPr>
+            <a:spLocks noGrp="1"/>
+          </p:cNvSpPr>
+          <p:nvPr>
+            <p:ph idx="1"/>
+          </p:nvPr>
+        </p:nvSpPr>
+        <p:spPr/>
+        <p:txBody>
+          <a:bodyPr/>
+          <a:lstStyle/>
+          <a:p>
+            <a:r>
+              <a:rPr lang="en-US" dirty="0" err="1" smtClean="0"/>
+              <a:t>Tareas</a:t>
+            </a:r>
+            <a:endParaRPr lang="en-US" dirty="0" smtClean="0"/>
+          </a:p>
+          <a:p>
+            <a:r>
+              <a:rPr lang="en-US" dirty="0" err="1" smtClean="0"/>
+              <a:t>Dudas</a:t>
+            </a:r>
+            <a:endParaRPr lang="en-US" dirty="0"/>
+          </a:p>
+        </p:txBody>
+      </p:sp>
+    </p:spTree>
+    <p:extLst>
+      <p:ext uri="{BB962C8B-B14F-4D97-AF65-F5344CB8AC3E}">
+        <p14:creationId xmlns:p14="http://schemas.microsoft.com/office/powerpoint/2010/main" val="678550203"/>
+      </p:ext>
+    </p:extLst>
+  </p:cSld>
+  <p:clrMapOvr>
+    <a:masterClrMapping/>
+  </p:clrMapOvr>
+  <p:timing>
+    <p:tnLst>
+      <p:par>
+        <p:cTn id="1" dur="indefinite" restart="never" nodeType="tmRoot">
+          <p:childTnLst>
+            <p:seq concurrent="1" nextAc="seek">
+              <p:cTn id="2" dur="indefinite" nodeType="mainSeq">
+                <p:childTnLst>
+                  <p:par>
+                    <p:cTn id="3" fill="hold">
+                      <p:stCondLst>
+                        <p:cond delay="indefinite"/>
+                      </p:stCondLst>
+                      <p:childTnLst>
+                        <p:par>
+                          <p:cTn id="4" fill="hold">
+                            <p:stCondLst>
+                              <p:cond delay="0"/>
+                            </p:stCondLst>
+                            <p:childTnLst>
+                              <p:par>
+                                <p:cTn id="5" presetID="1" presetClass="entr" presetSubtype="0" fill="hold" nodeType="clickEffect">
+                                  <p:stCondLst>
+                                    <p:cond delay="0"/>
+                                  </p:stCondLst>
+                                  <p:childTnLst>
+                                    <p:set>
+                                      <p:cBhvr>
+                                        <p:cTn id="6" dur="1" fill="hold">
+                                          <p:stCondLst>
+                                            <p:cond delay="0"/>
+                                          </p:stCondLst>
+                                        </p:cTn>
+                                        <p:tgtEl>
+                                          <p:spTgt spid="3">
+                                            <p:txEl>
+                                              <p:pRg st="0" end="0"/>
+                                            </p:txEl>
+                                          </p:spTgt>
+                                        </p:tgtEl>
+                                        <p:attrNameLst>
+                                          <p:attrName>style.visibility</p:attrName>
+                                        </p:attrNameLst>
+                                      </p:cBhvr>
+                                      <p:to>
+                                        <p:strVal val="visible"/>
+                                      </p:to>
+                                    </p:set>
+                                  </p:childTnLst>
+                                </p:cTn>
+                              </p:par>
+                            </p:childTnLst>
+                          </p:cTn>
+                        </p:par>
+                      </p:childTnLst>
+                    </p:cTn>
+                  </p:par>
+                  <p:par>
+                    <p:cTn id="7" fill="hold">
+                      <p:stCondLst>
+                        <p:cond delay="indefinite"/>
+                      </p:stCondLst>
+                      <p:childTnLst>
+                        <p:par>
+                          <p:cTn id="8" fill="hold">
+                            <p:stCondLst>
+                              <p:cond delay="0"/>
+                            </p:stCondLst>
+                            <p:childTnLst>
+                              <p:par>
+                                <p:cTn id="9" presetID="1" presetClass="entr" presetSubtype="0" fill="hold" nodeType="clickEffect">
+                                  <p:stCondLst>
+                                    <p:cond delay="0"/>
+                                  </p:stCondLst>
+                                  <p:childTnLst>
+                                    <p:set>
+                                      <p:cBhvr>
+                                        <p:cTn id="10" dur="1" fill="hold">
+                                          <p:stCondLst>
+                                            <p:cond delay="0"/>
+                                          </p:stCondLst>
+                                        </p:cTn>
+                                        <p:tgtEl>
+                                          <p:spTgt spid="3">
+                                            <p:txEl>
+                                              <p:pRg st="1" end="1"/>
+                                            </p:txEl>
+                                          </p:spTgt>
+                                        </p:tgtEl>
+                                        <p:attrNameLst>
+                                          <p:attrName>style.visibility</p:attrName>
+                                        </p:attrNameLst>
+                                      </p:cBhvr>
+                                      <p:to>
+                                        <p:strVal val="visible"/>
+                                      </p:to>
+                                    </p:set>
+                                  </p:childTnLst>
+                                </p:cTn>
+                              </p:par>
+                            </p:childTnLst>
+                          </p:cTn>
+                        </p:par>
+                      </p:childTnLst>
+                    </p:cTn>
+                  </p:par>
+                </p:childTnLst>
+              </p:cTn>
+              <p:prevCondLst>
+                <p:cond evt="onPrev" delay="0">
+                  <p:tgtEl>
+                    <p:sldTgt/>
+                  </p:tgtEl>
+                </p:cond>
+              </p:prevCondLst>
+              <p:nextCondLst>
+                <p:cond evt="onNext" delay="0">
+                  <p:tgtEl>
+                    <p:sldTgt/>
+                  </p:tgtEl>
+                </p:cond>
+              </p:nextCondLst>
+            </p:seq>
+          </p:childTnLst>
+        </p:cTn>
+      </p:par>
+    </p:tnLst>
+  </p:timing>
+</p:sld>
+</file>
+
+<file path=ppt/slides/slide4.xml><?xml version="1.0" encoding="utf-8"?>
+<p:sld xmlns:a="http://schemas.openxmlformats.org/drawingml/2006/main" xmlns:r="http://schemas.openxmlformats.org/officeDocument/2006/relationships" xmlns:p="http://schemas.openxmlformats.org/presentationml/2006/main">
+  <p:cSld>
+    <p:spTree>
+      <p:nvGrpSpPr>
+        <p:cNvPr id="1" name=""/>
+        <p:cNvGrpSpPr/>
+        <p:nvPr/>
+      </p:nvGrpSpPr>
+      <p:grpSpPr>
+        <a:xfrm>
+          <a:off x="0" y="0"/>
+          <a:ext cx="0" cy="0"/>
+          <a:chOff x="0" y="0"/>
+          <a:chExt cx="0" cy="0"/>
+        </a:xfrm>
+      </p:grpSpPr>
+      <p:sp>
+        <p:nvSpPr>
+          <p:cNvPr id="2" name="Title 1"/>
+          <p:cNvSpPr>
+            <a:spLocks noGrp="1"/>
+          </p:cNvSpPr>
+          <p:nvPr>
+            <p:ph type="title"/>
+          </p:nvPr>
+        </p:nvSpPr>
+        <p:spPr/>
+        <p:txBody>
+          <a:bodyPr>
+            <a:normAutofit/>
+          </a:bodyPr>
+          <a:lstStyle/>
+          <a:p>
+            <a:r>
+              <a:rPr lang="en-US" dirty="0" err="1" smtClean="0"/>
+              <a:t>Pseudocódigo</a:t>
+            </a:r>
+            <a:endParaRPr lang="en-US" dirty="0"/>
+          </a:p>
+        </p:txBody>
+      </p:sp>
+      <p:sp>
+        <p:nvSpPr>
+          <p:cNvPr id="3" name="Content Placeholder 2"/>
+          <p:cNvSpPr>
+            <a:spLocks noGrp="1"/>
+          </p:cNvSpPr>
+          <p:nvPr>
+            <p:ph idx="1"/>
+          </p:nvPr>
+        </p:nvSpPr>
+        <p:spPr/>
+        <p:txBody>
+          <a:bodyPr/>
+          <a:lstStyle/>
+          <a:p>
+            <a:r>
+              <a:rPr lang="en-US" dirty="0" smtClean="0"/>
+              <a:t>El </a:t>
+            </a:r>
+            <a:r>
+              <a:rPr lang="en-US" dirty="0" err="1" smtClean="0"/>
+              <a:t>pseudocódigo</a:t>
+            </a:r>
+            <a:r>
+              <a:rPr lang="en-US" dirty="0" smtClean="0"/>
+              <a:t> </a:t>
+            </a:r>
+            <a:r>
+              <a:rPr lang="en-US" dirty="0" err="1" smtClean="0"/>
+              <a:t>es</a:t>
+            </a:r>
+            <a:r>
+              <a:rPr lang="en-US" dirty="0" smtClean="0"/>
+              <a:t> </a:t>
+            </a:r>
+            <a:r>
+              <a:rPr lang="en-US" dirty="0" err="1" smtClean="0"/>
+              <a:t>una</a:t>
+            </a:r>
+            <a:r>
+              <a:rPr lang="en-US" dirty="0" smtClean="0"/>
+              <a:t> forma simple e informal de </a:t>
+            </a:r>
+            <a:r>
+              <a:rPr lang="en-US" dirty="0" err="1" smtClean="0"/>
+              <a:t>escribir</a:t>
+            </a:r>
+            <a:r>
+              <a:rPr lang="en-US" dirty="0" smtClean="0"/>
+              <a:t> </a:t>
+            </a:r>
+            <a:r>
+              <a:rPr lang="en-US" dirty="0" err="1" smtClean="0"/>
+              <a:t>algoritmos</a:t>
+            </a:r>
+            <a:r>
+              <a:rPr lang="en-US" dirty="0" smtClean="0"/>
+              <a:t> </a:t>
+            </a:r>
+            <a:r>
+              <a:rPr lang="en-US" dirty="0" err="1" smtClean="0"/>
+              <a:t>que</a:t>
+            </a:r>
+            <a:r>
+              <a:rPr lang="en-US" dirty="0" smtClean="0"/>
+              <a:t> </a:t>
+            </a:r>
+            <a:r>
+              <a:rPr lang="en-US" dirty="0" err="1" smtClean="0"/>
+              <a:t>imita</a:t>
+            </a:r>
+            <a:r>
+              <a:rPr lang="en-US" dirty="0" smtClean="0"/>
+              <a:t> un </a:t>
+            </a:r>
+            <a:r>
+              <a:rPr lang="en-US" dirty="0" err="1" smtClean="0"/>
+              <a:t>lenguaje</a:t>
+            </a:r>
+            <a:r>
+              <a:rPr lang="en-US" dirty="0" smtClean="0"/>
+              <a:t> de </a:t>
+            </a:r>
+            <a:r>
+              <a:rPr lang="en-US" dirty="0" err="1" smtClean="0"/>
+              <a:t>programación</a:t>
+            </a:r>
+            <a:r>
+              <a:rPr lang="en-US" dirty="0" smtClean="0"/>
+              <a:t> formal.</a:t>
+            </a:r>
+          </a:p>
+          <a:p>
+            <a:r>
+              <a:rPr lang="en-US" dirty="0" smtClean="0"/>
+              <a:t>Se </a:t>
+            </a:r>
+            <a:r>
+              <a:rPr lang="en-US" dirty="0" err="1" smtClean="0"/>
+              <a:t>usa</a:t>
+            </a:r>
+            <a:r>
+              <a:rPr lang="en-US" dirty="0" smtClean="0"/>
+              <a:t> </a:t>
+            </a:r>
+            <a:r>
+              <a:rPr lang="en-US" dirty="0" err="1" smtClean="0"/>
+              <a:t>para</a:t>
+            </a:r>
+            <a:r>
+              <a:rPr lang="en-US" dirty="0" smtClean="0"/>
+              <a:t> </a:t>
+            </a:r>
+            <a:r>
+              <a:rPr lang="en-US" dirty="0" err="1" smtClean="0"/>
+              <a:t>enseñar</a:t>
             </a:r>
             <a:r>
               <a:rPr lang="en-US" dirty="0" smtClean="0"/>
@@ -3653,7 +6498,45 @@
             </a:r>
             <a:r>
               <a:rPr lang="en-US" dirty="0" err="1" smtClean="0"/>
-              <a:t>usuario</a:t>
+              <a:t>paradigma</a:t>
+            </a:r>
+            <a:r>
+              <a:rPr lang="en-US" dirty="0" smtClean="0"/>
+              <a:t> de </a:t>
+            </a:r>
+            <a:r>
+              <a:rPr lang="en-US" dirty="0" err="1" smtClean="0"/>
+              <a:t>programación</a:t>
+            </a:r>
+            <a:endParaRPr lang="en-US" dirty="0" smtClean="0"/>
+          </a:p>
+          <a:p>
+            <a:r>
+              <a:rPr lang="en-US" dirty="0" err="1" smtClean="0"/>
+              <a:t>Diferencias</a:t>
+            </a:r>
+            <a:endParaRPr lang="en-US" dirty="0" smtClean="0"/>
+          </a:p>
+          <a:p>
+            <a:pPr lvl="1"/>
+            <a:r>
+              <a:rPr lang="en-US" dirty="0" err="1" smtClean="0"/>
+              <a:t>Es</a:t>
+            </a:r>
+            <a:r>
+              <a:rPr lang="en-US" dirty="0" smtClean="0"/>
+              <a:t> informal</a:t>
+            </a:r>
+          </a:p>
+          <a:p>
+            <a:pPr lvl="1"/>
+            <a:r>
+              <a:rPr lang="en-US" dirty="0" smtClean="0"/>
+              <a:t>Se </a:t>
+            </a:r>
+            <a:r>
+              <a:rPr lang="en-US" dirty="0" err="1" smtClean="0"/>
+              <a:t>omiten</a:t>
             </a:r>
             <a:r>
               <a:rPr lang="en-US" dirty="0" smtClean="0"/>
@@ -3661,7 +6544,7 @@
             </a:r>
             <a:r>
               <a:rPr lang="en-US" dirty="0" err="1" smtClean="0"/>
-              <a:t>escoja</a:t>
+              <a:t>las</a:t>
             </a:r>
             <a:r>
               <a:rPr lang="en-US" dirty="0" smtClean="0"/>
@@ -3669,7 +6552,15 @@
             </a:r>
             <a:r>
               <a:rPr lang="en-US" dirty="0" err="1" smtClean="0"/>
-              <a:t>agregar</a:t>
+              <a:t>declaraciones</a:t>
+            </a:r>
+            <a:r>
+              <a:rPr lang="en-US" dirty="0" smtClean="0"/>
+              <a:t> de variables (</a:t>
+            </a:r>
+            <a:r>
+              <a:rPr lang="en-US" dirty="0" err="1" smtClean="0"/>
+              <a:t>por</a:t>
             </a:r>
             <a:r>
               <a:rPr lang="en-US" dirty="0" smtClean="0"/>
@@ -3677,15 +6568,30 @@
             </a:r>
             <a:r>
               <a:rPr lang="en-US" dirty="0" err="1" smtClean="0"/>
-              <a:t>estudiante</a:t>
-            </a:r>
-            <a:r>
-              <a:rPr lang="en-US" dirty="0" smtClean="0"/>
-              <a:t>, le </a:t>
-            </a:r>
-            <a:r>
-              <a:rPr lang="en-US" dirty="0" err="1" smtClean="0"/>
-              <a:t>pide</a:t>
+              <a:t>ahora</a:t>
+            </a:r>
+            <a:r>
+              <a:rPr lang="en-US" dirty="0" smtClean="0"/>
+              <a:t>**)</a:t>
+            </a:r>
+          </a:p>
+          <a:p>
+            <a:pPr lvl="1"/>
+            <a:r>
+              <a:rPr lang="en-US" dirty="0" smtClean="0"/>
+              <a:t>Las </a:t>
+            </a:r>
+            <a:r>
+              <a:rPr lang="en-US" dirty="0" err="1" smtClean="0"/>
+              <a:t>líneas</a:t>
+            </a:r>
+            <a:r>
+              <a:rPr lang="en-US" dirty="0" smtClean="0"/>
+              <a:t> se </a:t>
+            </a:r>
+            <a:r>
+              <a:rPr lang="en-US" dirty="0" err="1" smtClean="0"/>
+              <a:t>separan</a:t>
             </a:r>
             <a:r>
               <a:rPr lang="en-US" dirty="0" smtClean="0"/>
@@ -3693,7 +6599,7 @@
             </a:r>
             <a:r>
               <a:rPr lang="en-US" dirty="0" err="1" smtClean="0"/>
-              <a:t>que</a:t>
+              <a:t>por</a:t>
             </a:r>
             <a:r>
               <a:rPr lang="en-US" dirty="0" smtClean="0"/>
@@ -3701,22 +6607,19 @@
             </a:r>
             <a:r>
               <a:rPr lang="en-US" dirty="0" err="1" smtClean="0"/>
-              <a:t>escriba</a:t>
-            </a:r>
-            <a:r>
-              <a:rPr lang="en-US" dirty="0" smtClean="0"/>
-              <a:t> un </a:t>
-            </a:r>
-            <a:r>
-              <a:rPr lang="en-US" dirty="0" err="1" smtClean="0"/>
-              <a:t>nombre</a:t>
+              <a:t>identación</a:t>
             </a:r>
             <a:endParaRPr lang="en-US" dirty="0" smtClean="0"/>
           </a:p>
           <a:p>
-            <a:r>
-              <a:rPr lang="en-US" dirty="0" err="1" smtClean="0"/>
-              <a:t>Ese</a:t>
+            <a:pPr lvl="1"/>
+            <a:r>
+              <a:rPr lang="en-US" dirty="0" smtClean="0"/>
+              <a:t>No hay </a:t>
+            </a:r>
+            <a:r>
+              <a:rPr lang="en-US" dirty="0" err="1" smtClean="0"/>
+              <a:t>símbolos</a:t>
             </a:r>
             <a:r>
               <a:rPr lang="en-US" dirty="0" smtClean="0"/>
@@ -3724,7 +6627,7 @@
             </a:r>
             <a:r>
               <a:rPr lang="en-US" dirty="0" err="1" smtClean="0"/>
-              <a:t>nombre</a:t>
+              <a:t>para</a:t>
             </a:r>
             <a:r>
               <a:rPr lang="en-US" dirty="0" smtClean="0"/>
@@ -3732,7 +6635,7 @@
             </a:r>
             <a:r>
               <a:rPr lang="en-US" dirty="0" err="1" smtClean="0"/>
-              <a:t>es</a:t>
+              <a:t>determinar</a:t>
             </a:r>
             <a:r>
               <a:rPr lang="en-US" dirty="0" smtClean="0"/>
@@ -3740,177 +6643,15 @@
             </a:r>
             <a:r>
               <a:rPr lang="en-US" dirty="0" err="1" smtClean="0"/>
-              <a:t>agregado</a:t>
-            </a:r>
-            <a:r>
-              <a:rPr lang="en-US" dirty="0" smtClean="0"/>
-              <a:t> a un </a:t>
-            </a:r>
-            <a:r>
-              <a:rPr lang="en-US" dirty="0" err="1" smtClean="0"/>
-              <a:t>arreglo</a:t>
-            </a:r>
-            <a:r>
-              <a:rPr lang="en-US" dirty="0" smtClean="0"/>
-              <a:t> </a:t>
-            </a:r>
-            <a:r>
-              <a:rPr lang="en-US" dirty="0" err="1" smtClean="0"/>
-              <a:t>llamado</a:t>
-            </a:r>
-            <a:r>
-              <a:rPr lang="en-US" dirty="0" smtClean="0"/>
-              <a:t> </a:t>
-            </a:r>
-            <a:r>
-              <a:rPr lang="en-US" dirty="0" err="1" smtClean="0"/>
-              <a:t>estudiantes</a:t>
-            </a:r>
-            <a:endParaRPr lang="en-US" dirty="0" smtClean="0"/>
-          </a:p>
-          <a:p>
-            <a:r>
-              <a:rPr lang="en-US" dirty="0" smtClean="0"/>
-              <a:t>El </a:t>
-            </a:r>
-            <a:r>
-              <a:rPr lang="en-US" dirty="0" err="1" smtClean="0"/>
-              <a:t>programa</a:t>
-            </a:r>
-            <a:r>
-              <a:rPr lang="en-US" dirty="0" smtClean="0"/>
-              <a:t> </a:t>
-            </a:r>
-            <a:r>
-              <a:rPr lang="en-US" dirty="0" err="1" smtClean="0"/>
-              <a:t>vuelve</a:t>
-            </a:r>
-            <a:r>
-              <a:rPr lang="en-US" dirty="0" smtClean="0"/>
-              <a:t> a </a:t>
-            </a:r>
-            <a:r>
-              <a:rPr lang="en-US" dirty="0" err="1" smtClean="0"/>
-              <a:t>preguntar</a:t>
-            </a:r>
-            <a:r>
-              <a:rPr lang="en-US" dirty="0" smtClean="0"/>
-              <a:t> </a:t>
-            </a:r>
-            <a:r>
-              <a:rPr lang="en-US" dirty="0" err="1" smtClean="0"/>
-              <a:t>si</a:t>
-            </a:r>
-            <a:r>
-              <a:rPr lang="en-US" dirty="0" smtClean="0"/>
-              <a:t> </a:t>
-            </a:r>
-            <a:r>
-              <a:rPr lang="en-US" dirty="0" err="1" smtClean="0"/>
-              <a:t>desea</a:t>
-            </a:r>
-            <a:r>
-              <a:rPr lang="en-US" dirty="0" smtClean="0"/>
-              <a:t> </a:t>
-            </a:r>
-            <a:r>
-              <a:rPr lang="en-US" dirty="0" err="1" smtClean="0"/>
-              <a:t>agregar</a:t>
-            </a:r>
-            <a:r>
-              <a:rPr lang="en-US" dirty="0" smtClean="0"/>
-              <a:t> o </a:t>
-            </a:r>
-            <a:r>
-              <a:rPr lang="en-US" dirty="0" err="1" smtClean="0"/>
-              <a:t>finalizar</a:t>
-            </a:r>
-            <a:r>
-              <a:rPr lang="en-US" dirty="0" smtClean="0"/>
-              <a:t> y se </a:t>
-            </a:r>
-            <a:r>
-              <a:rPr lang="en-US" dirty="0" err="1" smtClean="0"/>
-              <a:t>repite</a:t>
-            </a:r>
-            <a:r>
-              <a:rPr lang="en-US" dirty="0" smtClean="0"/>
-              <a:t> el </a:t>
-            </a:r>
-            <a:r>
-              <a:rPr lang="en-US" dirty="0" err="1" smtClean="0"/>
-              <a:t>ciclo</a:t>
-            </a:r>
-            <a:endParaRPr lang="en-US" dirty="0" smtClean="0"/>
-          </a:p>
-          <a:p>
-            <a:r>
-              <a:rPr lang="en-US" dirty="0" err="1" smtClean="0"/>
-              <a:t>Cuando</a:t>
-            </a:r>
-            <a:r>
-              <a:rPr lang="en-US" dirty="0" smtClean="0"/>
-              <a:t> el </a:t>
-            </a:r>
-            <a:r>
-              <a:rPr lang="en-US" dirty="0" err="1" smtClean="0"/>
-              <a:t>usuario</a:t>
-            </a:r>
-            <a:r>
-              <a:rPr lang="en-US" dirty="0" smtClean="0"/>
-              <a:t> </a:t>
-            </a:r>
-            <a:r>
-              <a:rPr lang="en-US" dirty="0" err="1" smtClean="0"/>
-              <a:t>escoja</a:t>
-            </a:r>
-            <a:r>
-              <a:rPr lang="en-US" dirty="0" smtClean="0"/>
-              <a:t> </a:t>
-            </a:r>
-            <a:r>
-              <a:rPr lang="en-US" dirty="0" err="1" smtClean="0"/>
-              <a:t>finalizar</a:t>
-            </a:r>
-            <a:r>
-              <a:rPr lang="en-US" dirty="0" smtClean="0"/>
-              <a:t>, se </a:t>
-            </a:r>
-            <a:r>
-              <a:rPr lang="en-US" dirty="0" err="1" smtClean="0"/>
-              <a:t>imprime</a:t>
-            </a:r>
-            <a:r>
-              <a:rPr lang="en-US" dirty="0" smtClean="0"/>
-              <a:t> la </a:t>
-            </a:r>
-            <a:r>
-              <a:rPr lang="en-US" dirty="0" err="1" smtClean="0"/>
-              <a:t>cantidad</a:t>
-            </a:r>
-            <a:r>
-              <a:rPr lang="en-US" dirty="0" smtClean="0"/>
-              <a:t> total de </a:t>
-            </a:r>
-            <a:r>
-              <a:rPr lang="en-US" dirty="0" err="1" smtClean="0"/>
-              <a:t>estudiantes</a:t>
-            </a:r>
-            <a:r>
-              <a:rPr lang="en-US" dirty="0" smtClean="0"/>
-              <a:t> y el </a:t>
-            </a:r>
-            <a:r>
-              <a:rPr lang="en-US" dirty="0" err="1" smtClean="0"/>
-              <a:t>contenido</a:t>
-            </a:r>
-            <a:r>
-              <a:rPr lang="en-US" dirty="0" smtClean="0"/>
-              <a:t> del </a:t>
-            </a:r>
-            <a:r>
-              <a:rPr lang="en-US" dirty="0" err="1" smtClean="0"/>
-              <a:t>arreglo</a:t>
+              <a:t>principios</a:t>
+            </a:r>
+            <a:r>
+              <a:rPr lang="en-US" dirty="0" smtClean="0"/>
+              <a:t> o finales de </a:t>
+            </a:r>
+            <a:r>
+              <a:rPr lang="en-US" dirty="0" err="1" smtClean="0"/>
+              <a:t>expresiones</a:t>
             </a:r>
             <a:endParaRPr lang="en-US" dirty="0" smtClean="0"/>
           </a:p>
@@ -4179,6 +6920,104 @@
                       </p:childTnLst>
                     </p:cTn>
                   </p:par>
+                  <p:par>
+                    <p:cTn id="23" fill="hold">
+                      <p:stCondLst>
+                        <p:cond delay="indefinite"/>
+                      </p:stCondLst>
+                      <p:childTnLst>
+                        <p:par>
+                          <p:cTn id="24" fill="hold">
+                            <p:stCondLst>
+                              <p:cond delay="0"/>
+                            </p:stCondLst>
+                            <p:childTnLst>
+                              <p:par>
+                                <p:cTn id="25" presetID="1" presetClass="entr" presetSubtype="0" fill="hold" nodeType="clickEffect">
+                                  <p:stCondLst>
+                                    <p:cond delay="0"/>
+                                  </p:stCondLst>
+                                  <p:childTnLst>
+                                    <p:set>
+                                      <p:cBhvr>
+                                        <p:cTn id="26" dur="1" fill="hold">
+                                          <p:stCondLst>
+                                            <p:cond delay="0"/>
+                                          </p:stCondLst>
+                                        </p:cTn>
+                                        <p:tgtEl>
+                                          <p:spTgt spid="3">
+                                            <p:txEl>
+                                              <p:pRg st="5" end="5"/>
+                                            </p:txEl>
+                                          </p:spTgt>
+                                        </p:tgtEl>
+                                        <p:attrNameLst>
+                                          <p:attrName>style.visibility</p:attrName>
+                                        </p:attrNameLst>
+                                      </p:cBhvr>
+                                      <p:to>
+                                        <p:strVal val="visible"/>
+                                      </p:to>
+                                    </p:set>
+                                  </p:childTnLst>
+                                </p:cTn>
+                              </p:par>
+                            </p:childTnLst>
+                          </p:cTn>
+                        </p:par>
+                      </p:childTnLst>
+                    </p:cTn>
+                  </p:par>
+                  <p:par>
+                    <p:cTn id="27" fill="hold">
+                      <p:stCondLst>
+                        <p:cond delay="indefinite"/>
+                      </p:stCondLst>
+                      <p:childTnLst>
+                        <p:par>
+                          <p:cTn id="28" fill="hold">
+                            <p:stCondLst>
+                              <p:cond delay="0"/>
+                            </p:stCondLst>
+                            <p:childTnLst>
+                              <p:par>
+                                <p:cTn id="29" presetID="1" presetClass="entr" presetSubtype="0" fill="hold" nodeType="clickEffect">
+                                  <p:stCondLst>
+                                    <p:cond delay="0"/>
+                                  </p:stCondLst>
+                                  <p:childTnLst>
+                                    <p:set>
+                                      <p:cBhvr>
+                                        <p:cTn id="30" dur="1" fill="hold">
+                                          <p:stCondLst>
+                                            <p:cond delay="0"/>
+                                          </p:stCondLst>
+                                        </p:cTn>
+                                        <p:tgtEl>
+                                          <p:spTgt spid="3">
+                                            <p:txEl>
+                                              <p:pRg st="6" end="6"/>
+                                            </p:txEl>
+                                          </p:spTgt>
+                                        </p:tgtEl>
+                                        <p:attrNameLst>
+                                          <p:attrName>style.visibility</p:attrName>
+                                        </p:attrNameLst>
+                                      </p:cBhvr>
+                                      <p:to>
+                                        <p:strVal val="visible"/>
+                                      </p:to>
+                                    </p:set>
+                                  </p:childTnLst>
+                                </p:cTn>
+                              </p:par>
+                            </p:childTnLst>
+                          </p:cTn>
+                        </p:par>
+                      </p:childTnLst>
+                    </p:cTn>
+                  </p:par>
                 </p:childTnLst>
               </p:cTn>
               <p:prevCondLst>
@@ -4204,7 +7043,7 @@
 </p:sld>
 </file>
 
-<file path=ppt/slides/slide11.xml><?xml version="1.0" encoding="utf-8"?>
+<file path=ppt/slides/slide5.xml><?xml version="1.0" encoding="utf-8"?>
 <p:sld xmlns:a="http://schemas.openxmlformats.org/drawingml/2006/main" xmlns:r="http://schemas.openxmlformats.org/officeDocument/2006/relationships" xmlns:p="http://schemas.openxmlformats.org/presentationml/2006/main">
   <p:cSld>
     <p:spTree>
@@ -4233,26 +7072,24 @@
         </p:nvSpPr>
         <p:spPr/>
         <p:txBody>
-          <a:bodyPr>
-            <a:normAutofit/>
-          </a:bodyPr>
+          <a:bodyPr/>
           <a:lstStyle/>
           <a:p>
             <a:r>
               <a:rPr lang="en-US" dirty="0" err="1" smtClean="0"/>
-              <a:t>Práctica</a:t>
-            </a:r>
-            <a:r>
-              <a:rPr lang="en-US" dirty="0" smtClean="0"/>
-              <a:t> </a:t>
-            </a:r>
-            <a:r>
-              <a:rPr lang="en-US" dirty="0" err="1" smtClean="0"/>
-              <a:t>ejercicio</a:t>
-            </a:r>
-            <a:r>
-              <a:rPr lang="en-US" dirty="0" smtClean="0"/>
-              <a:t> 2</a:t>
+              <a:t>Pseudocódigo</a:t>
+            </a:r>
+            <a:r>
+              <a:rPr lang="en-US" dirty="0" smtClean="0"/>
+              <a:t> – </a:t>
+            </a:r>
+            <a:r>
+              <a:rPr lang="en-US" dirty="0" err="1" smtClean="0"/>
+              <a:t>Ejemplo</a:t>
+            </a:r>
+            <a:r>
+              <a:rPr lang="en-US" dirty="0" smtClean="0"/>
+              <a:t> 1</a:t>
             </a:r>
             <a:endParaRPr lang="en-US" dirty="0"/>
           </a:p>
@@ -4268,262 +7105,122 @@
             <p:ph idx="1"/>
           </p:nvPr>
         </p:nvSpPr>
-        <p:spPr/>
+        <p:spPr>
+          <a:xfrm>
+            <a:off x="457200" y="1600200"/>
+            <a:ext cx="5105400" cy="4876800"/>
+          </a:xfrm>
+        </p:spPr>
         <p:txBody>
           <a:bodyPr/>
           <a:lstStyle/>
           <a:p>
             <a:r>
               <a:rPr lang="en-US" dirty="0" err="1" smtClean="0"/>
-              <a:t>Solucionemos</a:t>
-            </a:r>
-            <a:r>
-              <a:rPr lang="en-US" dirty="0" smtClean="0"/>
-              <a:t> el </a:t>
-            </a:r>
-            <a:r>
-              <a:rPr lang="en-US" dirty="0" err="1" smtClean="0"/>
-              <a:t>ejercicio</a:t>
-            </a:r>
-            <a:r>
-              <a:rPr lang="en-US" dirty="0" smtClean="0"/>
-              <a:t> 4 de la </a:t>
-            </a:r>
-            <a:r>
-              <a:rPr lang="en-US" dirty="0" err="1" smtClean="0"/>
-              <a:t>tarea</a:t>
+              <a:t>Programa</a:t>
+            </a:r>
+            <a:r>
+              <a:rPr lang="en-US" dirty="0" smtClean="0"/>
+              <a:t> </a:t>
+            </a:r>
+            <a:r>
+              <a:rPr lang="en-US" dirty="0" err="1" smtClean="0"/>
+              <a:t>sumar</a:t>
+            </a:r>
+            <a:r>
+              <a:rPr lang="en-US" dirty="0" smtClean="0"/>
+              <a:t> dos </a:t>
+            </a:r>
+            <a:r>
+              <a:rPr lang="en-US" dirty="0" err="1" smtClean="0"/>
+              <a:t>valores</a:t>
             </a:r>
             <a:endParaRPr lang="en-US" dirty="0" smtClean="0"/>
           </a:p>
           <a:p>
             <a:r>
-              <a:rPr lang="en-US" dirty="0" err="1" smtClean="0"/>
-              <a:t>Construir</a:t>
-            </a:r>
-            <a:r>
-              <a:rPr lang="en-US" dirty="0" smtClean="0"/>
-              <a:t> un </a:t>
-            </a:r>
-            <a:r>
-              <a:rPr lang="en-US" dirty="0" err="1" smtClean="0"/>
-              <a:t>programa</a:t>
-            </a:r>
-            <a:r>
-              <a:rPr lang="en-US" dirty="0" smtClean="0"/>
-              <a:t> </a:t>
-            </a:r>
-            <a:r>
-              <a:rPr lang="en-US" dirty="0" err="1" smtClean="0"/>
-              <a:t>que</a:t>
-            </a:r>
-            <a:r>
-              <a:rPr lang="en-US" dirty="0" smtClean="0"/>
-              <a:t> </a:t>
-            </a:r>
-            <a:r>
-              <a:rPr lang="en-US" dirty="0" err="1" smtClean="0"/>
-              <a:t>ordene</a:t>
-            </a:r>
-            <a:r>
-              <a:rPr lang="en-US" dirty="0" smtClean="0"/>
-              <a:t> de forma </a:t>
-            </a:r>
-            <a:r>
-              <a:rPr lang="en-US" dirty="0" err="1" smtClean="0"/>
-              <a:t>ascendente</a:t>
-            </a:r>
-            <a:r>
-              <a:rPr lang="en-US" dirty="0" smtClean="0"/>
-              <a:t> los </a:t>
-            </a:r>
-            <a:r>
-              <a:rPr lang="en-US" dirty="0" err="1" smtClean="0"/>
-              <a:t>números</a:t>
-            </a:r>
-            <a:r>
-              <a:rPr lang="en-US" dirty="0" smtClean="0"/>
-              <a:t> de un </a:t>
-            </a:r>
-            <a:r>
-              <a:rPr lang="en-US" dirty="0" err="1" smtClean="0"/>
-              <a:t>conjunto</a:t>
-            </a:r>
-            <a:r>
-              <a:rPr lang="en-US" dirty="0" smtClean="0"/>
-              <a:t> dado.</a:t>
-            </a:r>
-          </a:p>
-          <a:p>
-            <a:r>
-              <a:rPr lang="en-US" dirty="0" smtClean="0"/>
-              <a:t>Se le </a:t>
-            </a:r>
-            <a:r>
-              <a:rPr lang="en-US" dirty="0" err="1" smtClean="0"/>
-              <a:t>pide</a:t>
-            </a:r>
-            <a:r>
-              <a:rPr lang="en-US" dirty="0" smtClean="0"/>
-              <a:t> al </a:t>
-            </a:r>
-            <a:r>
-              <a:rPr lang="en-US" dirty="0" err="1" smtClean="0"/>
-              <a:t>usuario</a:t>
-            </a:r>
-            <a:r>
-              <a:rPr lang="en-US" dirty="0" smtClean="0"/>
-              <a:t> </a:t>
-            </a:r>
-            <a:r>
-              <a:rPr lang="en-US" dirty="0" err="1" smtClean="0"/>
-              <a:t>primero</a:t>
-            </a:r>
-            <a:r>
-              <a:rPr lang="en-US" dirty="0" smtClean="0"/>
-              <a:t> </a:t>
-            </a:r>
-            <a:r>
-              <a:rPr lang="en-US" dirty="0" err="1" smtClean="0"/>
-              <a:t>que</a:t>
-            </a:r>
-            <a:r>
-              <a:rPr lang="en-US" dirty="0" smtClean="0"/>
-              <a:t> </a:t>
-            </a:r>
-            <a:r>
-              <a:rPr lang="en-US" dirty="0" err="1" smtClean="0"/>
-              <a:t>escriba</a:t>
-            </a:r>
-            <a:r>
-              <a:rPr lang="en-US" dirty="0" smtClean="0"/>
-              <a:t> el </a:t>
-            </a:r>
-            <a:r>
-              <a:rPr lang="en-US" dirty="0" err="1" smtClean="0"/>
-              <a:t>número</a:t>
-            </a:r>
-            <a:r>
-              <a:rPr lang="en-US" dirty="0" smtClean="0"/>
-              <a:t> de </a:t>
-            </a:r>
-            <a:r>
-              <a:rPr lang="en-US" dirty="0" err="1" smtClean="0"/>
-              <a:t>elementos</a:t>
-            </a:r>
-            <a:r>
-              <a:rPr lang="en-US" dirty="0" smtClean="0"/>
-              <a:t> en el </a:t>
-            </a:r>
-            <a:r>
-              <a:rPr lang="en-US" dirty="0" err="1" smtClean="0"/>
-              <a:t>conjunto</a:t>
-            </a:r>
-            <a:endParaRPr lang="en-US" dirty="0" smtClean="0"/>
-          </a:p>
-          <a:p>
-            <a:r>
-              <a:rPr lang="en-US" dirty="0" smtClean="0"/>
-              <a:t>Se le </a:t>
-            </a:r>
-            <a:r>
-              <a:rPr lang="en-US" dirty="0" err="1" smtClean="0"/>
-              <a:t>pide</a:t>
-            </a:r>
-            <a:r>
-              <a:rPr lang="en-US" dirty="0" smtClean="0"/>
-              <a:t> al </a:t>
-            </a:r>
-            <a:r>
-              <a:rPr lang="en-US" dirty="0" err="1" smtClean="0"/>
-              <a:t>usuario</a:t>
-            </a:r>
-            <a:r>
-              <a:rPr lang="en-US" dirty="0" smtClean="0"/>
-              <a:t> </a:t>
-            </a:r>
-            <a:r>
-              <a:rPr lang="en-US" dirty="0" err="1" smtClean="0"/>
-              <a:t>que</a:t>
-            </a:r>
-            <a:r>
-              <a:rPr lang="en-US" dirty="0" smtClean="0"/>
-              <a:t> </a:t>
-            </a:r>
-            <a:r>
-              <a:rPr lang="en-US" dirty="0" err="1" smtClean="0"/>
-              <a:t>digite</a:t>
-            </a:r>
-            <a:r>
-              <a:rPr lang="en-US" dirty="0" smtClean="0"/>
-              <a:t> los </a:t>
-            </a:r>
-            <a:r>
-              <a:rPr lang="en-US" dirty="0" err="1" smtClean="0"/>
-              <a:t>números</a:t>
-            </a:r>
-            <a:r>
-              <a:rPr lang="en-US" dirty="0" smtClean="0"/>
-              <a:t> del </a:t>
-            </a:r>
-            <a:r>
-              <a:rPr lang="en-US" dirty="0" err="1" smtClean="0"/>
-              <a:t>conjunto</a:t>
-            </a:r>
-            <a:endParaRPr lang="en-US" dirty="0" smtClean="0"/>
-          </a:p>
-          <a:p>
-            <a:r>
-              <a:rPr lang="en-US" dirty="0" err="1" smtClean="0"/>
-              <a:t>Depues</a:t>
-            </a:r>
-            <a:r>
-              <a:rPr lang="en-US" dirty="0" smtClean="0"/>
-              <a:t> se </a:t>
-            </a:r>
-            <a:r>
-              <a:rPr lang="en-US" dirty="0" err="1" smtClean="0"/>
-              <a:t>ordena</a:t>
-            </a:r>
-            <a:r>
-              <a:rPr lang="en-US" dirty="0" smtClean="0"/>
-              <a:t> el </a:t>
-            </a:r>
-            <a:r>
-              <a:rPr lang="en-US" dirty="0" err="1" smtClean="0"/>
-              <a:t>conjunto</a:t>
-            </a:r>
-            <a:r>
-              <a:rPr lang="en-US" dirty="0" smtClean="0"/>
-              <a:t> y se </a:t>
-            </a:r>
-            <a:r>
-              <a:rPr lang="en-US" dirty="0" err="1" smtClean="0"/>
-              <a:t>imprime</a:t>
-            </a:r>
-            <a:r>
-              <a:rPr lang="en-US" dirty="0" smtClean="0"/>
-              <a:t> el </a:t>
-            </a:r>
-            <a:r>
-              <a:rPr lang="en-US" dirty="0" err="1" smtClean="0"/>
-              <a:t>conjunto</a:t>
-            </a:r>
-            <a:r>
-              <a:rPr lang="en-US" dirty="0" smtClean="0"/>
-              <a:t> </a:t>
-            </a:r>
-            <a:r>
-              <a:rPr lang="en-US" dirty="0" err="1" smtClean="0"/>
-              <a:t>ordenado</a:t>
-            </a:r>
-            <a:endParaRPr lang="en-US" dirty="0" smtClean="0"/>
+              <a:rPr lang="en-US" dirty="0" smtClean="0"/>
+              <a:t>Leer(A)</a:t>
+            </a:r>
+          </a:p>
+          <a:p>
+            <a:r>
+              <a:rPr lang="en-US" dirty="0" smtClean="0"/>
+              <a:t>Leer(B)</a:t>
+            </a:r>
+          </a:p>
+          <a:p>
+            <a:r>
+              <a:rPr lang="en-US" dirty="0" smtClean="0"/>
+              <a:t>C = A + B</a:t>
+            </a:r>
+          </a:p>
+          <a:p>
+            <a:r>
+              <a:rPr lang="en-US" dirty="0" err="1" smtClean="0"/>
+              <a:t>Imprimir</a:t>
+            </a:r>
+            <a:r>
+              <a:rPr lang="en-US" dirty="0" smtClean="0"/>
+              <a:t>(C)</a:t>
+            </a:r>
+          </a:p>
+          <a:p>
+            <a:r>
+              <a:rPr lang="en-US" dirty="0" smtClean="0"/>
+              <a:t>Fin</a:t>
+            </a:r>
+          </a:p>
+          <a:p>
+            <a:endParaRPr lang="en-US" dirty="0"/>
           </a:p>
         </p:txBody>
       </p:sp>
+      <p:pic>
+        <p:nvPicPr>
+          <p:cNvPr id="1026" name="Picture 2" descr="C:\Users\Esteban\Desktop\FlowchartDiagram1.jpg"/>
+          <p:cNvPicPr>
+            <a:picLocks noChangeAspect="1" noChangeArrowheads="1"/>
+          </p:cNvPicPr>
+          <p:nvPr/>
+        </p:nvPicPr>
+        <p:blipFill>
+          <a:blip r:embed="rId2">
+            <a:extLst>
+              <a:ext uri="{28A0092B-C50C-407E-A947-70E740481C1C}">
+                <a14:useLocalDpi xmlns:a14="http://schemas.microsoft.com/office/drawing/2010/main" val="0"/>
+              </a:ext>
+            </a:extLst>
+          </a:blip>
+          <a:srcRect/>
+          <a:stretch>
+            <a:fillRect/>
+          </a:stretch>
+        </p:blipFill>
+        <p:spPr bwMode="auto">
+          <a:xfrm>
+            <a:off x="6019800" y="1569720"/>
+            <a:ext cx="2305050" cy="4667250"/>
+          </a:xfrm>
+          <a:prstGeom prst="rect">
+            <a:avLst/>
+          </a:prstGeom>
+          <a:noFill/>
+          <a:extLst>
+            <a:ext uri="{909E8E84-426E-40DD-AFC4-6F175D3DCCD1}">
+              <a14:hiddenFill xmlns:a14="http://schemas.microsoft.com/office/drawing/2010/main">
+                <a:solidFill>
+                  <a:srgbClr val="FFFFFF"/>
+                </a:solidFill>
+              </a14:hiddenFill>
+            </a:ext>
+          </a:extLst>
+        </p:spPr>
+      </p:pic>
     </p:spTree>
     <p:extLst>
       <p:ext uri="{BB962C8B-B14F-4D97-AF65-F5344CB8AC3E}">
-        <p14:creationId xmlns:p14="http://schemas.microsoft.com/office/powerpoint/2010/main" val="3595366802"/>
+        <p14:creationId xmlns:p14="http://schemas.microsoft.com/office/powerpoint/2010/main" val="622624837"/>
       </p:ext>
     </p:extLst>
   </p:cSld>
@@ -4783,6 +7480,55 @@
                       </p:childTnLst>
                     </p:cTn>
                   </p:par>
+                  <p:par>
+                    <p:cTn id="23" fill="hold">
+                      <p:stCondLst>
+                        <p:cond delay="indefinite"/>
+                      </p:stCondLst>
+                      <p:childTnLst>
+                        <p:par>
+                          <p:cTn id="24" fill="hold">
+                            <p:stCondLst>
+                              <p:cond delay="0"/>
+                            </p:stCondLst>
+                            <p:childTnLst>
+                              <p:par>
+                                <p:cTn id="25" presetID="1" presetClass="entr" presetSubtype="0" fill="hold" nodeType="clickEffect">
+                                  <p:stCondLst>
+                                    <p:cond delay="0"/>
+                                  </p:stCondLst>
+                                  <p:childTnLst>
+                                    <p:set>
+                                      <p:cBhvr>
+                                        <p:cTn id="26" dur="1" fill="hold">
+                                          <p:stCondLst>
+                                            <p:cond delay="0"/>
+                                          </p:stCondLst>
+                                        </p:cTn>
+                                        <p:tgtEl>
+                                          <p:spTgt spid="3">
+                                            <p:txEl>
+                                              <p:pRg st="5" end="5"/>
+                                            </p:txEl>
+                                          </p:spTgt>
+                                        </p:tgtEl>
+                                        <p:attrNameLst>
+                                          <p:attrName>style.visibility</p:attrName>
+                                        </p:attrNameLst>
+                                      </p:cBhvr>
+                                      <p:to>
+                                        <p:strVal val="visible"/>
+                                      </p:to>
+                                    </p:set>
+                                  </p:childTnLst>
+                                </p:cTn>
+                              </p:par>
+                            </p:childTnLst>
+                          </p:cTn>
+                        </p:par>
+                      </p:childTnLst>
+                    </p:cTn>
+                  </p:par>
                 </p:childTnLst>
               </p:cTn>
               <p:prevCondLst>
@@ -4808,7 +7554,7 @@
 </p:sld>
 </file>
 
-<file path=ppt/slides/slide2.xml><?xml version="1.0" encoding="utf-8"?>
+<file path=ppt/slides/slide6.xml><?xml version="1.0" encoding="utf-8"?>
 <p:sld xmlns:a="http://schemas.openxmlformats.org/drawingml/2006/main" xmlns:r="http://schemas.openxmlformats.org/officeDocument/2006/relationships" xmlns:p="http://schemas.openxmlformats.org/presentationml/2006/main">
   <p:cSld>
     <p:spTree>
@@ -4841,8 +7587,12 @@
           <a:lstStyle/>
           <a:p>
             <a:r>
-              <a:rPr lang="en-US" dirty="0" smtClean="0"/>
-              <a:t>Agenda</a:t>
+              <a:rPr lang="en-US" dirty="0" err="1" smtClean="0"/>
+              <a:t>Estructuras</a:t>
+            </a:r>
+            <a:r>
+              <a:rPr lang="en-US" dirty="0" smtClean="0"/>
+              <a:t> If </a:t>
             </a:r>
             <a:endParaRPr lang="en-US" dirty="0"/>
           </a:p>
@@ -4864,83 +7614,307 @@
           <a:lstStyle/>
           <a:p>
             <a:r>
-              <a:rPr lang="en-US" dirty="0" err="1" smtClean="0"/>
-              <a:t>Continuación</a:t>
-            </a:r>
-            <a:r>
-              <a:rPr lang="en-US" dirty="0" smtClean="0"/>
-              <a:t> de </a:t>
+              <a:rPr lang="en-US" dirty="0" smtClean="0"/>
+              <a:t>Son </a:t>
+            </a:r>
+            <a:r>
+              <a:rPr lang="en-US" dirty="0" err="1" smtClean="0"/>
+              <a:t>las</a:t>
+            </a:r>
+            <a:r>
+              <a:rPr lang="en-US" dirty="0" smtClean="0"/>
+              <a:t> </a:t>
+            </a:r>
+            <a:r>
+              <a:rPr lang="en-US" dirty="0" err="1" smtClean="0"/>
+              <a:t>desiciones</a:t>
+            </a:r>
+            <a:r>
+              <a:rPr lang="en-US" dirty="0" smtClean="0"/>
+              <a:t> </a:t>
+            </a:r>
+            <a:r>
+              <a:rPr lang="en-US" dirty="0" err="1" smtClean="0"/>
+              <a:t>que</a:t>
+            </a:r>
+            <a:r>
+              <a:rPr lang="en-US" dirty="0" smtClean="0"/>
+              <a:t> </a:t>
+            </a:r>
+            <a:r>
+              <a:rPr lang="en-US" dirty="0" err="1" smtClean="0"/>
+              <a:t>hemos</a:t>
+            </a:r>
+            <a:r>
+              <a:rPr lang="en-US" dirty="0" smtClean="0"/>
+              <a:t> </a:t>
+            </a:r>
+            <a:r>
+              <a:rPr lang="en-US" dirty="0" err="1" smtClean="0"/>
+              <a:t>visto</a:t>
+            </a:r>
+            <a:r>
+              <a:rPr lang="en-US" dirty="0" smtClean="0"/>
+              <a:t> en </a:t>
+            </a:r>
+            <a:r>
+              <a:rPr lang="en-US" dirty="0" err="1" smtClean="0"/>
+              <a:t>algoritmos</a:t>
+            </a:r>
+            <a:r>
+              <a:rPr lang="en-US" dirty="0" smtClean="0"/>
+              <a:t> o </a:t>
+            </a:r>
+            <a:r>
+              <a:rPr lang="en-US" dirty="0" err="1" smtClean="0"/>
+              <a:t>diagramas</a:t>
+            </a:r>
+            <a:r>
+              <a:rPr lang="en-US" dirty="0" smtClean="0"/>
+              <a:t>.</a:t>
+            </a:r>
+          </a:p>
+          <a:p>
+            <a:r>
+              <a:rPr lang="en-US" dirty="0" err="1" smtClean="0"/>
+              <a:t>Consta</a:t>
+            </a:r>
+            <a:r>
+              <a:rPr lang="en-US" dirty="0" smtClean="0"/>
+              <a:t> de dos </a:t>
+            </a:r>
+            <a:r>
+              <a:rPr lang="en-US" dirty="0" err="1" smtClean="0"/>
+              <a:t>partes</a:t>
+            </a:r>
+            <a:r>
+              <a:rPr lang="en-US" dirty="0" smtClean="0"/>
+              <a:t>, la </a:t>
+            </a:r>
+            <a:r>
+              <a:rPr lang="en-US" dirty="0" err="1" smtClean="0"/>
+              <a:t>primera</a:t>
+            </a:r>
+            <a:r>
+              <a:rPr lang="en-US" dirty="0" smtClean="0"/>
+              <a:t> </a:t>
+            </a:r>
+            <a:r>
+              <a:rPr lang="en-US" dirty="0" err="1" smtClean="0"/>
+              <a:t>es</a:t>
+            </a:r>
+            <a:r>
+              <a:rPr lang="en-US" dirty="0" smtClean="0"/>
+              <a:t> la </a:t>
+            </a:r>
+            <a:r>
+              <a:rPr lang="en-US" dirty="0" err="1" smtClean="0"/>
+              <a:t>pregunta</a:t>
+            </a:r>
+            <a:r>
+              <a:rPr lang="en-US" dirty="0" smtClean="0"/>
+              <a:t>, la </a:t>
+            </a:r>
+            <a:r>
+              <a:rPr lang="en-US" dirty="0" err="1" smtClean="0"/>
+              <a:t>segunda</a:t>
+            </a:r>
+            <a:r>
+              <a:rPr lang="en-US" dirty="0" smtClean="0"/>
+              <a:t> </a:t>
+            </a:r>
+            <a:r>
+              <a:rPr lang="en-US" dirty="0" err="1" smtClean="0"/>
+              <a:t>es</a:t>
+            </a:r>
+            <a:r>
+              <a:rPr lang="en-US" dirty="0" smtClean="0"/>
+              <a:t> lo </a:t>
+            </a:r>
+            <a:r>
+              <a:rPr lang="en-US" dirty="0" err="1" smtClean="0"/>
+              <a:t>que</a:t>
+            </a:r>
+            <a:r>
+              <a:rPr lang="en-US" dirty="0" smtClean="0"/>
+              <a:t> </a:t>
+            </a:r>
+            <a:r>
+              <a:rPr lang="en-US" dirty="0" err="1" smtClean="0"/>
+              <a:t>hace</a:t>
+            </a:r>
+            <a:r>
+              <a:rPr lang="en-US" dirty="0" smtClean="0"/>
+              <a:t> </a:t>
+            </a:r>
+            <a:r>
+              <a:rPr lang="en-US" dirty="0" err="1" smtClean="0"/>
+              <a:t>si</a:t>
+            </a:r>
+            <a:r>
+              <a:rPr lang="en-US" dirty="0" smtClean="0"/>
+              <a:t> la </a:t>
+            </a:r>
+            <a:r>
+              <a:rPr lang="en-US" dirty="0" err="1" smtClean="0"/>
+              <a:t>respueta</a:t>
+            </a:r>
+            <a:r>
+              <a:rPr lang="en-US" dirty="0" smtClean="0"/>
+              <a:t> </a:t>
+            </a:r>
+            <a:r>
+              <a:rPr lang="en-US" dirty="0" err="1" smtClean="0"/>
+              <a:t>es</a:t>
+            </a:r>
+            <a:r>
+              <a:rPr lang="en-US" dirty="0" smtClean="0"/>
+              <a:t> </a:t>
+            </a:r>
+            <a:r>
+              <a:rPr lang="en-US" dirty="0" err="1" smtClean="0"/>
+              <a:t>verdadera</a:t>
+            </a:r>
+            <a:endParaRPr lang="en-US" dirty="0" smtClean="0"/>
+          </a:p>
+          <a:p>
+            <a:r>
+              <a:rPr lang="en-US" dirty="0" smtClean="0"/>
+              <a:t>En </a:t>
+            </a:r>
+            <a:r>
+              <a:rPr lang="en-US" dirty="0" err="1" smtClean="0"/>
+              <a:t>programación</a:t>
+            </a:r>
+            <a:r>
+              <a:rPr lang="en-US" dirty="0" smtClean="0"/>
+              <a:t> se </a:t>
+            </a:r>
+            <a:r>
+              <a:rPr lang="en-US" dirty="0" err="1" smtClean="0"/>
+              <a:t>escribe</a:t>
+            </a:r>
+            <a:r>
+              <a:rPr lang="en-US" dirty="0" smtClean="0"/>
+              <a:t> en </a:t>
+            </a:r>
+            <a:r>
+              <a:rPr lang="en-US" dirty="0" err="1" smtClean="0"/>
+              <a:t>inglés</a:t>
+            </a:r>
+            <a:r>
+              <a:rPr lang="en-US" dirty="0" smtClean="0"/>
+              <a:t> con la </a:t>
+            </a:r>
+            <a:r>
+              <a:rPr lang="en-US" dirty="0" err="1" smtClean="0"/>
+              <a:t>palabra</a:t>
+            </a:r>
+            <a:r>
+              <a:rPr lang="en-US" dirty="0" smtClean="0"/>
+              <a:t> IF, </a:t>
+            </a:r>
+            <a:r>
+              <a:rPr lang="en-US" dirty="0" err="1" smtClean="0"/>
+              <a:t>pero</a:t>
+            </a:r>
+            <a:r>
+              <a:rPr lang="en-US" dirty="0" smtClean="0"/>
+              <a:t> </a:t>
+            </a:r>
+            <a:r>
+              <a:rPr lang="en-US" dirty="0" err="1" smtClean="0"/>
+              <a:t>es</a:t>
+            </a:r>
+            <a:r>
+              <a:rPr lang="en-US" dirty="0" smtClean="0"/>
+              <a:t> </a:t>
             </a:r>
             <a:r>
               <a:rPr lang="en-US" dirty="0" err="1" smtClean="0"/>
               <a:t>pseudocódigo</a:t>
             </a:r>
+            <a:r>
+              <a:rPr lang="en-US" dirty="0" smtClean="0"/>
+              <a:t> </a:t>
+            </a:r>
+            <a:r>
+              <a:rPr lang="en-US" dirty="0" err="1" smtClean="0"/>
+              <a:t>vamos</a:t>
+            </a:r>
+            <a:r>
+              <a:rPr lang="en-US" dirty="0" smtClean="0"/>
+              <a:t> a </a:t>
+            </a:r>
+            <a:r>
+              <a:rPr lang="en-US" dirty="0" err="1" smtClean="0"/>
+              <a:t>escribir</a:t>
+            </a:r>
+            <a:r>
+              <a:rPr lang="en-US" dirty="0" smtClean="0"/>
+              <a:t> en </a:t>
+            </a:r>
+            <a:r>
+              <a:rPr lang="en-US" dirty="0" err="1" smtClean="0"/>
+              <a:t>español</a:t>
+            </a:r>
             <a:endParaRPr lang="en-US" dirty="0" smtClean="0"/>
           </a:p>
           <a:p>
             <a:r>
               <a:rPr lang="en-US" dirty="0" err="1" smtClean="0"/>
-              <a:t>Estructuras</a:t>
-            </a:r>
-            <a:r>
-              <a:rPr lang="en-US" dirty="0" smtClean="0"/>
-              <a:t> while</a:t>
-            </a:r>
-          </a:p>
-          <a:p>
-            <a:r>
-              <a:rPr lang="en-US" dirty="0" err="1" smtClean="0"/>
-              <a:t>Práctica</a:t>
+              <a:t>Ejemplo</a:t>
+            </a:r>
+            <a:r>
+              <a:rPr lang="en-US" dirty="0" smtClean="0"/>
+              <a:t>:</a:t>
+            </a:r>
+          </a:p>
+          <a:p>
+            <a:pPr lvl="1"/>
+            <a:r>
+              <a:rPr lang="en-US" dirty="0" smtClean="0"/>
+              <a:t>Si A &gt; B </a:t>
+            </a:r>
+            <a:r>
+              <a:rPr lang="en-US" dirty="0" err="1" smtClean="0"/>
+              <a:t>entonces</a:t>
             </a:r>
             <a:endParaRPr lang="en-US" dirty="0" smtClean="0"/>
+          </a:p>
+          <a:p>
+            <a:pPr lvl="2"/>
+            <a:r>
+              <a:rPr lang="en-US" dirty="0" err="1" smtClean="0"/>
+              <a:t>Imprimir</a:t>
+            </a:r>
+            <a:r>
+              <a:rPr lang="en-US" dirty="0" smtClean="0"/>
+              <a:t>(A </a:t>
+            </a:r>
+            <a:r>
+              <a:rPr lang="en-US" dirty="0" err="1" smtClean="0"/>
+              <a:t>es</a:t>
+            </a:r>
+            <a:r>
+              <a:rPr lang="en-US" dirty="0" smtClean="0"/>
+              <a:t> mayor a B)</a:t>
+            </a:r>
+          </a:p>
+          <a:p>
+            <a:pPr lvl="1"/>
+            <a:r>
+              <a:rPr lang="en-US" dirty="0" smtClean="0"/>
+              <a:t>Fin Si</a:t>
+            </a:r>
+            <a:endParaRPr lang="en-US" dirty="0"/>
           </a:p>
         </p:txBody>
       </p:sp>
-      <p:pic>
-        <p:nvPicPr>
-          <p:cNvPr id="1028" name="Picture 4" descr="Image result for agenda"/>
-          <p:cNvPicPr>
-            <a:picLocks noChangeAspect="1" noChangeArrowheads="1"/>
-          </p:cNvPicPr>
-          <p:nvPr/>
-        </p:nvPicPr>
-        <p:blipFill>
-          <a:blip r:embed="rId2">
-            <a:extLst>
-              <a:ext uri="{28A0092B-C50C-407E-A947-70E740481C1C}">
-                <a14:useLocalDpi xmlns:a14="http://schemas.microsoft.com/office/drawing/2010/main" val="0"/>
-              </a:ext>
-            </a:extLst>
-          </a:blip>
-          <a:srcRect/>
-          <a:stretch>
-            <a:fillRect/>
-          </a:stretch>
-        </p:blipFill>
-        <p:spPr bwMode="auto">
-          <a:xfrm>
-            <a:off x="5068825" y="2819400"/>
-            <a:ext cx="3069772" cy="3581400"/>
-          </a:xfrm>
-          <a:prstGeom prst="rect">
-            <a:avLst/>
-          </a:prstGeom>
-          <a:noFill/>
-          <a:extLst>
-            <a:ext uri="{909E8E84-426E-40DD-AFC4-6F175D3DCCD1}">
-              <a14:hiddenFill xmlns:a14="http://schemas.microsoft.com/office/drawing/2010/main">
-                <a:solidFill>
-                  <a:srgbClr val="FFFFFF"/>
-                </a:solidFill>
-              </a14:hiddenFill>
-            </a:ext>
-          </a:extLst>
-        </p:spPr>
-      </p:pic>
     </p:spTree>
     <p:extLst>
       <p:ext uri="{BB962C8B-B14F-4D97-AF65-F5344CB8AC3E}">
-        <p14:creationId xmlns:p14="http://schemas.microsoft.com/office/powerpoint/2010/main" val="3890655908"/>
+        <p14:creationId xmlns:p14="http://schemas.microsoft.com/office/powerpoint/2010/main" val="3391973075"/>
       </p:ext>
     </p:extLst>
   </p:cSld>
@@ -4950,14 +7924,326 @@
   <p:timing>
     <p:tnLst>
       <p:par>
-        <p:cTn id="1" dur="indefinite" restart="never" nodeType="tmRoot"/>
+        <p:cTn id="1" dur="indefinite" restart="never" nodeType="tmRoot">
+          <p:childTnLst>
+            <p:seq concurrent="1" nextAc="seek">
+              <p:cTn id="2" dur="indefinite" nodeType="mainSeq">
+                <p:childTnLst>
+                  <p:par>
+                    <p:cTn id="3" fill="hold">
+                      <p:stCondLst>
+                        <p:cond delay="indefinite"/>
+                      </p:stCondLst>
+                      <p:childTnLst>
+                        <p:par>
+                          <p:cTn id="4" fill="hold">
+                            <p:stCondLst>
+                              <p:cond delay="0"/>
+                            </p:stCondLst>
+                            <p:childTnLst>
+                              <p:par>
+                                <p:cTn id="5" presetID="1" presetClass="entr" presetSubtype="0" fill="hold" nodeType="clickEffect">
+                                  <p:stCondLst>
+                                    <p:cond delay="0"/>
+                                  </p:stCondLst>
+                                  <p:childTnLst>
+                                    <p:set>
+                                      <p:cBhvr>
+                                        <p:cTn id="6" dur="1" fill="hold">
+                                          <p:stCondLst>
+                                            <p:cond delay="0"/>
+                                          </p:stCondLst>
+                                        </p:cTn>
+                                        <p:tgtEl>
+                                          <p:spTgt spid="3">
+                                            <p:txEl>
+                                              <p:pRg st="0" end="0"/>
+                                            </p:txEl>
+                                          </p:spTgt>
+                                        </p:tgtEl>
+                                        <p:attrNameLst>
+                                          <p:attrName>style.visibility</p:attrName>
+                                        </p:attrNameLst>
+                                      </p:cBhvr>
+                                      <p:to>
+                                        <p:strVal val="visible"/>
+                                      </p:to>
+                                    </p:set>
+                                  </p:childTnLst>
+                                </p:cTn>
+                              </p:par>
+                            </p:childTnLst>
+                          </p:cTn>
+                        </p:par>
+                      </p:childTnLst>
+                    </p:cTn>
+                  </p:par>
+                  <p:par>
+                    <p:cTn id="7" fill="hold">
+                      <p:stCondLst>
+                        <p:cond delay="indefinite"/>
+                      </p:stCondLst>
+                      <p:childTnLst>
+                        <p:par>
+                          <p:cTn id="8" fill="hold">
+                            <p:stCondLst>
+                              <p:cond delay="0"/>
+                            </p:stCondLst>
+                            <p:childTnLst>
+                              <p:par>
+                                <p:cTn id="9" presetID="1" presetClass="entr" presetSubtype="0" fill="hold" nodeType="clickEffect">
+                                  <p:stCondLst>
+                                    <p:cond delay="0"/>
+                                  </p:stCondLst>
+                                  <p:childTnLst>
+                                    <p:set>
+                                      <p:cBhvr>
+                                        <p:cTn id="10" dur="1" fill="hold">
+                                          <p:stCondLst>
+                                            <p:cond delay="0"/>
+                                          </p:stCondLst>
+                                        </p:cTn>
+                                        <p:tgtEl>
+                                          <p:spTgt spid="3">
+                                            <p:txEl>
+                                              <p:pRg st="1" end="1"/>
+                                            </p:txEl>
+                                          </p:spTgt>
+                                        </p:tgtEl>
+                                        <p:attrNameLst>
+                                          <p:attrName>style.visibility</p:attrName>
+                                        </p:attrNameLst>
+                                      </p:cBhvr>
+                                      <p:to>
+                                        <p:strVal val="visible"/>
+                                      </p:to>
+                                    </p:set>
+                                  </p:childTnLst>
+                                </p:cTn>
+                              </p:par>
+                            </p:childTnLst>
+                          </p:cTn>
+                        </p:par>
+                      </p:childTnLst>
+                    </p:cTn>
+                  </p:par>
+                  <p:par>
+                    <p:cTn id="11" fill="hold">
+                      <p:stCondLst>
+                        <p:cond delay="indefinite"/>
+                      </p:stCondLst>
+                      <p:childTnLst>
+                        <p:par>
+                          <p:cTn id="12" fill="hold">
+                            <p:stCondLst>
+                              <p:cond delay="0"/>
+                            </p:stCondLst>
+                            <p:childTnLst>
+                              <p:par>
+                                <p:cTn id="13" presetID="1" presetClass="entr" presetSubtype="0" fill="hold" nodeType="clickEffect">
+                                  <p:stCondLst>
+                                    <p:cond delay="0"/>
+                                  </p:stCondLst>
+                                  <p:childTnLst>
+                                    <p:set>
+                                      <p:cBhvr>
+                                        <p:cTn id="14" dur="1" fill="hold">
+                                          <p:stCondLst>
+                                            <p:cond delay="0"/>
+                                          </p:stCondLst>
+                                        </p:cTn>
+                                        <p:tgtEl>
+                                          <p:spTgt spid="3">
+                                            <p:txEl>
+                                              <p:pRg st="2" end="2"/>
+                                            </p:txEl>
+                                          </p:spTgt>
+                                        </p:tgtEl>
+                                        <p:attrNameLst>
+                                          <p:attrName>style.visibility</p:attrName>
+                                        </p:attrNameLst>
+                                      </p:cBhvr>
+                                      <p:to>
+                                        <p:strVal val="visible"/>
+                                      </p:to>
+                                    </p:set>
+                                  </p:childTnLst>
+                                </p:cTn>
+                              </p:par>
+                            </p:childTnLst>
+                          </p:cTn>
+                        </p:par>
+                      </p:childTnLst>
+                    </p:cTn>
+                  </p:par>
+                  <p:par>
+                    <p:cTn id="15" fill="hold">
+                      <p:stCondLst>
+                        <p:cond delay="indefinite"/>
+                      </p:stCondLst>
+                      <p:childTnLst>
+                        <p:par>
+                          <p:cTn id="16" fill="hold">
+                            <p:stCondLst>
+                              <p:cond delay="0"/>
+                            </p:stCondLst>
+                            <p:childTnLst>
+                              <p:par>
+                                <p:cTn id="17" presetID="1" presetClass="entr" presetSubtype="0" fill="hold" nodeType="clickEffect">
+                                  <p:stCondLst>
+                                    <p:cond delay="0"/>
+                                  </p:stCondLst>
+                                  <p:childTnLst>
+                                    <p:set>
+                                      <p:cBhvr>
+                                        <p:cTn id="18" dur="1" fill="hold">
+                                          <p:stCondLst>
+                                            <p:cond delay="0"/>
+                                          </p:stCondLst>
+                                        </p:cTn>
+                                        <p:tgtEl>
+                                          <p:spTgt spid="3">
+                                            <p:txEl>
+                                              <p:pRg st="3" end="3"/>
+                                            </p:txEl>
+                                          </p:spTgt>
+                                        </p:tgtEl>
+                                        <p:attrNameLst>
+                                          <p:attrName>style.visibility</p:attrName>
+                                        </p:attrNameLst>
+                                      </p:cBhvr>
+                                      <p:to>
+                                        <p:strVal val="visible"/>
+                                      </p:to>
+                                    </p:set>
+                                  </p:childTnLst>
+                                </p:cTn>
+                              </p:par>
+                              <p:par>
+                                <p:cTn id="19" presetID="1" presetClass="entr" presetSubtype="0" fill="hold" nodeType="withEffect">
+                                  <p:stCondLst>
+                                    <p:cond delay="0"/>
+                                  </p:stCondLst>
+                                  <p:childTnLst>
+                                    <p:set>
+                                      <p:cBhvr>
+                                        <p:cTn id="20" dur="1" fill="hold">
+                                          <p:stCondLst>
+                                            <p:cond delay="0"/>
+                                          </p:stCondLst>
+                                        </p:cTn>
+                                        <p:tgtEl>
+                                          <p:spTgt spid="3">
+                                            <p:txEl>
+                                              <p:pRg st="4" end="4"/>
+                                            </p:txEl>
+                                          </p:spTgt>
+                                        </p:tgtEl>
+                                        <p:attrNameLst>
+                                          <p:attrName>style.visibility</p:attrName>
+                                        </p:attrNameLst>
+                                      </p:cBhvr>
+                                      <p:to>
+                                        <p:strVal val="visible"/>
+                                      </p:to>
+                                    </p:set>
+                                  </p:childTnLst>
+                                </p:cTn>
+                              </p:par>
+                              <p:par>
+                                <p:cTn id="21" presetID="1" presetClass="entr" presetSubtype="0" fill="hold" nodeType="withEffect">
+                                  <p:stCondLst>
+                                    <p:cond delay="0"/>
+                                  </p:stCondLst>
+                                  <p:childTnLst>
+                                    <p:set>
+                                      <p:cBhvr>
+                                        <p:cTn id="22" dur="1" fill="hold">
+                                          <p:stCondLst>
+                                            <p:cond delay="0"/>
+                                          </p:stCondLst>
+                                        </p:cTn>
+                                        <p:tgtEl>
+                                          <p:spTgt spid="3">
+                                            <p:txEl>
+                                              <p:pRg st="5" end="5"/>
+                                            </p:txEl>
+                                          </p:spTgt>
+                                        </p:tgtEl>
+                                        <p:attrNameLst>
+                                          <p:attrName>style.visibility</p:attrName>
+                                        </p:attrNameLst>
+                                      </p:cBhvr>
+                                      <p:to>
+                                        <p:strVal val="visible"/>
+                                      </p:to>
+                                    </p:set>
+                                  </p:childTnLst>
+                                </p:cTn>
+                              </p:par>
+                              <p:par>
+                                <p:cTn id="23" presetID="1" presetClass="entr" presetSubtype="0" fill="hold" nodeType="withEffect">
+                                  <p:stCondLst>
+                                    <p:cond delay="0"/>
+                                  </p:stCondLst>
+                                  <p:childTnLst>
+                                    <p:set>
+                                      <p:cBhvr>
+                                        <p:cTn id="24" dur="1" fill="hold">
+                                          <p:stCondLst>
+                                            <p:cond delay="0"/>
+                                          </p:stCondLst>
+                                        </p:cTn>
+                                        <p:tgtEl>
+                                          <p:spTgt spid="3">
+                                            <p:txEl>
+                                              <p:pRg st="6" end="6"/>
+                                            </p:txEl>
+                                          </p:spTgt>
+                                        </p:tgtEl>
+                                        <p:attrNameLst>
+                                          <p:attrName>style.visibility</p:attrName>
+                                        </p:attrNameLst>
+                                      </p:cBhvr>
+                                      <p:to>
+                                        <p:strVal val="visible"/>
+                                      </p:to>
+                                    </p:set>
+                                  </p:childTnLst>
+                                </p:cTn>
+                              </p:par>
+                            </p:childTnLst>
+                          </p:cTn>
+                        </p:par>
+                      </p:childTnLst>
+                    </p:cTn>
+                  </p:par>
+                </p:childTnLst>
+              </p:cTn>
+              <p:prevCondLst>
+                <p:cond evt="onPrev" delay="0">
+                  <p:tgtEl>
+                    <p:sldTgt/>
+                  </p:tgtEl>
+                </p:cond>
+              </p:prevCondLst>
+              <p:nextCondLst>
+                <p:cond evt="onNext" delay="0">
+                  <p:tgtEl>
+                    <p:sldTgt/>
+                  </p:tgtEl>
+                </p:cond>
+              </p:nextCondLst>
+            </p:seq>
+          </p:childTnLst>
+        </p:cTn>
       </p:par>
     </p:tnLst>
   </p:timing>
 </p:sld>
 </file>
 
-<file path=ppt/slides/slide3.xml><?xml version="1.0" encoding="utf-8"?>
+<file path=ppt/slides/slide7.xml><?xml version="1.0" encoding="utf-8"?>
 <p:sld xmlns:a="http://schemas.openxmlformats.org/drawingml/2006/main" xmlns:r="http://schemas.openxmlformats.org/officeDocument/2006/relationships" xmlns:p="http://schemas.openxmlformats.org/presentationml/2006/main">
   <p:cSld>
     <p:spTree>
@@ -4995,7 +8281,7 @@
             </a:r>
             <a:r>
               <a:rPr lang="en-US" dirty="0" smtClean="0"/>
-              <a:t> While</a:t>
+              <a:t> if else</a:t>
             </a:r>
             <a:endParaRPr lang="en-US" dirty="0"/>
           </a:p>
@@ -5013,14 +8299,12 @@
         </p:nvSpPr>
         <p:spPr/>
         <p:txBody>
-          <a:bodyPr>
-            <a:normAutofit fontScale="92500" lnSpcReduction="20000"/>
-          </a:bodyPr>
+          <a:bodyPr/>
           <a:lstStyle/>
           <a:p>
             <a:r>
               <a:rPr lang="en-US" dirty="0" err="1" smtClean="0"/>
-              <a:t>Una</a:t>
+              <a:t>Es</a:t>
             </a:r>
             <a:r>
               <a:rPr lang="en-US" dirty="0" smtClean="0"/>
@@ -5028,11 +8312,91 @@
             </a:r>
             <a:r>
               <a:rPr lang="en-US" dirty="0" err="1" smtClean="0"/>
-              <a:t>estructura</a:t>
-            </a:r>
-            <a:r>
-              <a:rPr lang="en-US" dirty="0" smtClean="0"/>
-              <a:t> while </a:t>
+              <a:t>cuando</a:t>
+            </a:r>
+            <a:r>
+              <a:rPr lang="en-US" dirty="0" smtClean="0"/>
+              <a:t> en </a:t>
+            </a:r>
+            <a:r>
+              <a:rPr lang="en-US" dirty="0" err="1" smtClean="0"/>
+              <a:t>una</a:t>
+            </a:r>
+            <a:r>
+              <a:rPr lang="en-US" dirty="0" smtClean="0"/>
+              <a:t> </a:t>
+            </a:r>
+            <a:r>
+              <a:rPr lang="en-US" dirty="0" err="1" smtClean="0"/>
+              <a:t>decisión</a:t>
+            </a:r>
+            <a:r>
+              <a:rPr lang="en-US" dirty="0" smtClean="0"/>
+              <a:t> </a:t>
+            </a:r>
+            <a:r>
+              <a:rPr lang="en-US" dirty="0" err="1" smtClean="0"/>
+              <a:t>vamos</a:t>
+            </a:r>
+            <a:r>
+              <a:rPr lang="en-US" dirty="0" smtClean="0"/>
+              <a:t> a </a:t>
+            </a:r>
+            <a:r>
+              <a:rPr lang="en-US" dirty="0" err="1" smtClean="0"/>
+              <a:t>determinar</a:t>
+            </a:r>
+            <a:r>
+              <a:rPr lang="en-US" dirty="0" smtClean="0"/>
+              <a:t> </a:t>
+            </a:r>
+            <a:r>
+              <a:rPr lang="en-US" dirty="0" err="1" smtClean="0"/>
+              <a:t>procesos</a:t>
+            </a:r>
+            <a:r>
+              <a:rPr lang="en-US" dirty="0" smtClean="0"/>
+              <a:t> </a:t>
+            </a:r>
+            <a:r>
+              <a:rPr lang="en-US" dirty="0" err="1" smtClean="0"/>
+              <a:t>que</a:t>
+            </a:r>
+            <a:r>
+              <a:rPr lang="en-US" dirty="0" smtClean="0"/>
+              <a:t> se </a:t>
+            </a:r>
+            <a:r>
+              <a:rPr lang="en-US" dirty="0" err="1" smtClean="0"/>
+              <a:t>ejecuten</a:t>
+            </a:r>
+            <a:r>
+              <a:rPr lang="en-US" dirty="0" smtClean="0"/>
+              <a:t> </a:t>
+            </a:r>
+            <a:r>
+              <a:rPr lang="en-US" dirty="0" err="1" smtClean="0"/>
+              <a:t>tanto</a:t>
+            </a:r>
+            <a:r>
+              <a:rPr lang="en-US" dirty="0" smtClean="0"/>
+              <a:t> </a:t>
+            </a:r>
+            <a:r>
+              <a:rPr lang="en-US" dirty="0" err="1" smtClean="0"/>
+              <a:t>si</a:t>
+            </a:r>
+            <a:r>
+              <a:rPr lang="en-US" dirty="0" smtClean="0"/>
+              <a:t> la </a:t>
+            </a:r>
+            <a:r>
+              <a:rPr lang="en-US" dirty="0" err="1" smtClean="0"/>
+              <a:t>respuesta</a:t>
+            </a:r>
+            <a:r>
+              <a:rPr lang="en-US" dirty="0" smtClean="0"/>
+              <a:t> </a:t>
             </a:r>
             <a:r>
               <a:rPr lang="en-US" dirty="0" err="1" smtClean="0"/>
@@ -5044,7 +8408,7 @@
             </a:r>
             <a:r>
               <a:rPr lang="en-US" dirty="0" err="1" smtClean="0"/>
-              <a:t>aquella</a:t>
+              <a:t>verdadera</a:t>
             </a:r>
             <a:r>
               <a:rPr lang="en-US" dirty="0" smtClean="0"/>
@@ -5052,15 +8416,7 @@
             </a:r>
             <a:r>
               <a:rPr lang="en-US" dirty="0" err="1" smtClean="0"/>
-              <a:t>que</a:t>
-            </a:r>
-            <a:r>
-              <a:rPr lang="en-US" dirty="0" smtClean="0"/>
-              <a:t> se </a:t>
-            </a:r>
-            <a:r>
-              <a:rPr lang="en-US" dirty="0" err="1" smtClean="0"/>
-              <a:t>usa</a:t>
+              <a:t>como</a:t>
             </a:r>
             <a:r>
               <a:rPr lang="en-US" dirty="0" smtClean="0"/>
@@ -5068,7 +8424,53 @@
             </a:r>
             <a:r>
               <a:rPr lang="en-US" dirty="0" err="1" smtClean="0"/>
-              <a:t>para</a:t>
+              <a:t>falsa</a:t>
+            </a:r>
+            <a:r>
+              <a:rPr lang="en-US" dirty="0" smtClean="0"/>
+              <a:t>.</a:t>
+            </a:r>
+          </a:p>
+          <a:p>
+            <a:r>
+              <a:rPr lang="en-US" dirty="0" err="1" smtClean="0"/>
+              <a:t>Ejemplo</a:t>
+            </a:r>
+            <a:endParaRPr lang="en-US" dirty="0" smtClean="0"/>
+          </a:p>
+          <a:p>
+            <a:pPr lvl="1"/>
+            <a:r>
+              <a:rPr lang="en-US" dirty="0" smtClean="0"/>
+              <a:t>Si A % 2 </a:t>
+            </a:r>
+            <a:r>
+              <a:rPr lang="en-US" dirty="0" smtClean="0"/>
+              <a:t>== </a:t>
+            </a:r>
+            <a:r>
+              <a:rPr lang="en-US" dirty="0" smtClean="0"/>
+              <a:t>0 </a:t>
+            </a:r>
+            <a:r>
+              <a:rPr lang="en-US" dirty="0" err="1" smtClean="0"/>
+              <a:t>entonces</a:t>
+            </a:r>
+            <a:endParaRPr lang="en-US" dirty="0" smtClean="0"/>
+          </a:p>
+          <a:p>
+            <a:pPr lvl="2"/>
+            <a:r>
+              <a:rPr lang="en-US" dirty="0" err="1" smtClean="0"/>
+              <a:t>Imprimir</a:t>
+            </a:r>
+            <a:r>
+              <a:rPr lang="en-US" dirty="0" smtClean="0"/>
+              <a:t>(A </a:t>
+            </a:r>
+            <a:r>
+              <a:rPr lang="en-US" dirty="0" err="1" smtClean="0"/>
+              <a:t>es</a:t>
             </a:r>
             <a:r>
               <a:rPr lang="en-US" dirty="0" smtClean="0"/>
@@ -5076,23 +8478,38 @@
             </a:r>
             <a:r>
               <a:rPr lang="en-US" dirty="0" err="1" smtClean="0"/>
-              <a:t>que</a:t>
-            </a:r>
-            <a:r>
-              <a:rPr lang="en-US" dirty="0" smtClean="0"/>
-              <a:t> se </a:t>
-            </a:r>
-            <a:r>
-              <a:rPr lang="en-US" dirty="0" err="1" smtClean="0"/>
-              <a:t>repita</a:t>
-            </a:r>
-            <a:r>
-              <a:rPr lang="en-US" dirty="0" smtClean="0"/>
-              <a:t> en forma de </a:t>
-            </a:r>
-            <a:r>
-              <a:rPr lang="en-US" dirty="0" err="1" smtClean="0"/>
-              <a:t>ciclo</a:t>
+              <a:t>número</a:t>
+            </a:r>
+            <a:r>
+              <a:rPr lang="en-US" dirty="0" smtClean="0"/>
+              <a:t> par)</a:t>
+            </a:r>
+          </a:p>
+          <a:p>
+            <a:pPr lvl="1"/>
+            <a:r>
+              <a:rPr lang="en-US" dirty="0" smtClean="0"/>
+              <a:t>De lo </a:t>
+            </a:r>
+            <a:r>
+              <a:rPr lang="en-US" dirty="0" err="1" smtClean="0"/>
+              <a:t>contrario</a:t>
+            </a:r>
+            <a:endParaRPr lang="en-US" dirty="0" smtClean="0"/>
+          </a:p>
+          <a:p>
+            <a:pPr lvl="2"/>
+            <a:r>
+              <a:rPr lang="en-US" dirty="0" err="1" smtClean="0"/>
+              <a:t>Imprimir</a:t>
+            </a:r>
+            <a:r>
+              <a:rPr lang="en-US" dirty="0" smtClean="0"/>
+              <a:t> (A </a:t>
+            </a:r>
+            <a:r>
+              <a:rPr lang="en-US" dirty="0" err="1" smtClean="0"/>
+              <a:t>es</a:t>
             </a:r>
             <a:r>
               <a:rPr lang="en-US" dirty="0" smtClean="0"/>
@@ -5100,7 +8517,7 @@
             </a:r>
             <a:r>
               <a:rPr lang="en-US" dirty="0" err="1" smtClean="0"/>
-              <a:t>las</a:t>
+              <a:t>número</a:t>
             </a:r>
             <a:r>
               <a:rPr lang="en-US" dirty="0" smtClean="0"/>
@@ -5108,149 +8525,7 @@
             </a:r>
             <a:r>
               <a:rPr lang="en-US" dirty="0" err="1" smtClean="0"/>
-              <a:t>operaciones</a:t>
-            </a:r>
-            <a:r>
-              <a:rPr lang="en-US" dirty="0" smtClean="0"/>
-              <a:t> </a:t>
-            </a:r>
-            <a:r>
-              <a:rPr lang="en-US" dirty="0" err="1" smtClean="0"/>
-              <a:t>espeficicadas</a:t>
-            </a:r>
-            <a:r>
-              <a:rPr lang="en-US" dirty="0" smtClean="0"/>
-              <a:t>, </a:t>
-            </a:r>
-            <a:r>
-              <a:rPr lang="en-US" dirty="0" err="1" smtClean="0"/>
-              <a:t>siempre</a:t>
-            </a:r>
-            <a:r>
-              <a:rPr lang="en-US" dirty="0" smtClean="0"/>
-              <a:t> y </a:t>
-            </a:r>
-            <a:r>
-              <a:rPr lang="en-US" dirty="0" err="1" smtClean="0"/>
-              <a:t>cuando</a:t>
-            </a:r>
-            <a:r>
-              <a:rPr lang="en-US" dirty="0" smtClean="0"/>
-              <a:t> </a:t>
-            </a:r>
-            <a:r>
-              <a:rPr lang="en-US" dirty="0" err="1" smtClean="0"/>
-              <a:t>una</a:t>
-            </a:r>
-            <a:r>
-              <a:rPr lang="en-US" dirty="0" smtClean="0"/>
-              <a:t> </a:t>
-            </a:r>
-            <a:r>
-              <a:rPr lang="en-US" dirty="0" err="1" smtClean="0"/>
-              <a:t>sentencia</a:t>
-            </a:r>
-            <a:r>
-              <a:rPr lang="en-US" dirty="0" smtClean="0"/>
-              <a:t> sea </a:t>
-            </a:r>
-            <a:r>
-              <a:rPr lang="en-US" dirty="0" err="1" smtClean="0"/>
-              <a:t>verdadera</a:t>
-            </a:r>
-            <a:r>
-              <a:rPr lang="en-US" dirty="0" smtClean="0"/>
-              <a:t>. </a:t>
-            </a:r>
-          </a:p>
-          <a:p>
-            <a:r>
-              <a:rPr lang="en-US" dirty="0" err="1" smtClean="0"/>
-              <a:t>Consta</a:t>
-            </a:r>
-            <a:r>
-              <a:rPr lang="en-US" dirty="0" smtClean="0"/>
-              <a:t> de 2 </a:t>
-            </a:r>
-            <a:r>
-              <a:rPr lang="en-US" dirty="0" err="1" smtClean="0"/>
-              <a:t>partes</a:t>
-            </a:r>
-            <a:r>
-              <a:rPr lang="en-US" dirty="0" smtClean="0"/>
-              <a:t>, la </a:t>
-            </a:r>
-            <a:r>
-              <a:rPr lang="en-US" dirty="0" err="1" smtClean="0"/>
-              <a:t>sentencia</a:t>
-            </a:r>
-            <a:r>
-              <a:rPr lang="en-US" dirty="0" smtClean="0"/>
-              <a:t> y </a:t>
-            </a:r>
-            <a:r>
-              <a:rPr lang="en-US" dirty="0" err="1" smtClean="0"/>
-              <a:t>las</a:t>
-            </a:r>
-            <a:r>
-              <a:rPr lang="en-US" dirty="0" smtClean="0"/>
-              <a:t> </a:t>
-            </a:r>
-            <a:r>
-              <a:rPr lang="en-US" dirty="0" err="1" smtClean="0"/>
-              <a:t>acciones</a:t>
-            </a:r>
-            <a:r>
-              <a:rPr lang="en-US" dirty="0" smtClean="0"/>
-              <a:t> </a:t>
-            </a:r>
-            <a:r>
-              <a:rPr lang="en-US" dirty="0" err="1" smtClean="0"/>
-              <a:t>que</a:t>
-            </a:r>
-            <a:r>
-              <a:rPr lang="en-US" dirty="0" smtClean="0"/>
-              <a:t> se van a </a:t>
-            </a:r>
-            <a:r>
-              <a:rPr lang="en-US" dirty="0" err="1" smtClean="0"/>
-              <a:t>repetir</a:t>
-            </a:r>
-            <a:r>
-              <a:rPr lang="en-US" dirty="0" smtClean="0"/>
-              <a:t>.</a:t>
-            </a:r>
-          </a:p>
-          <a:p>
-            <a:r>
-              <a:rPr lang="en-US" dirty="0" err="1" smtClean="0"/>
-              <a:t>Ejemplo</a:t>
-            </a:r>
-            <a:r>
-              <a:rPr lang="en-US" dirty="0" smtClean="0"/>
-              <a:t> en </a:t>
-            </a:r>
-            <a:r>
-              <a:rPr lang="en-US" dirty="0" err="1" smtClean="0"/>
-              <a:t>pseudocódigo</a:t>
-            </a:r>
-            <a:endParaRPr lang="en-US" dirty="0" smtClean="0"/>
-          </a:p>
-          <a:p>
-            <a:r>
-              <a:rPr lang="en-US" dirty="0" err="1" smtClean="0"/>
-              <a:t>inicio</a:t>
-            </a:r>
-            <a:endParaRPr lang="en-US" dirty="0" smtClean="0"/>
-          </a:p>
-          <a:p>
-            <a:r>
-              <a:rPr lang="en-US" dirty="0" smtClean="0"/>
-              <a:t>Leer(</a:t>
-            </a:r>
-            <a:r>
-              <a:rPr lang="en-US" dirty="0" err="1" smtClean="0"/>
-              <a:t>numero</a:t>
+              <a:t>impar</a:t>
             </a:r>
             <a:r>
               <a:rPr lang="en-US" dirty="0" smtClean="0"/>
@@ -5258,95 +8533,10 @@
             </a:r>
           </a:p>
           <a:p>
-            <a:r>
-              <a:rPr lang="en-US" dirty="0" err="1" smtClean="0"/>
-              <a:t>Mientas</a:t>
-            </a:r>
-            <a:r>
-              <a:rPr lang="en-US" dirty="0" smtClean="0"/>
-              <a:t> </a:t>
-            </a:r>
-            <a:r>
-              <a:rPr lang="en-US" dirty="0" err="1" smtClean="0"/>
-              <a:t>numero</a:t>
-            </a:r>
-            <a:r>
-              <a:rPr lang="en-US" dirty="0" smtClean="0"/>
-              <a:t> % 2 == 0</a:t>
-            </a:r>
-          </a:p>
-          <a:p>
             <a:pPr lvl="1"/>
             <a:r>
-              <a:rPr lang="en-US" dirty="0" err="1" smtClean="0"/>
-              <a:t>Imprima</a:t>
-            </a:r>
-            <a:r>
-              <a:rPr lang="en-US" dirty="0" smtClean="0"/>
-              <a:t>(“</a:t>
-            </a:r>
-            <a:r>
-              <a:rPr lang="en-US" dirty="0" err="1" smtClean="0"/>
-              <a:t>Es</a:t>
-            </a:r>
-            <a:r>
-              <a:rPr lang="en-US" dirty="0" smtClean="0"/>
-              <a:t> par”)</a:t>
-            </a:r>
-          </a:p>
-          <a:p>
-            <a:pPr lvl="1"/>
-            <a:r>
-              <a:rPr lang="en-US" dirty="0" smtClean="0"/>
-              <a:t>Leer </a:t>
-            </a:r>
-            <a:r>
-              <a:rPr lang="en-US" dirty="0" err="1" smtClean="0"/>
-              <a:t>numero</a:t>
-            </a:r>
-            <a:endParaRPr lang="en-US" dirty="0" smtClean="0"/>
-          </a:p>
-          <a:p>
-            <a:r>
-              <a:rPr lang="en-US" dirty="0" smtClean="0"/>
-              <a:t>Fin </a:t>
-            </a:r>
-            <a:r>
-              <a:rPr lang="en-US" dirty="0" err="1" smtClean="0"/>
-              <a:t>mientras</a:t>
-            </a:r>
-            <a:endParaRPr lang="en-US" dirty="0" smtClean="0"/>
-          </a:p>
-          <a:p>
-            <a:r>
-              <a:rPr lang="en-US" dirty="0" err="1" smtClean="0"/>
-              <a:t>Imprimir</a:t>
-            </a:r>
-            <a:r>
-              <a:rPr lang="en-US" dirty="0" smtClean="0"/>
-              <a:t>(“</a:t>
-            </a:r>
-            <a:r>
-              <a:rPr lang="en-US" dirty="0" err="1" smtClean="0"/>
-              <a:t>es</a:t>
-            </a:r>
-            <a:r>
-              <a:rPr lang="en-US" dirty="0" smtClean="0"/>
-              <a:t> </a:t>
-            </a:r>
-            <a:r>
-              <a:rPr lang="en-US" dirty="0" err="1" smtClean="0"/>
-              <a:t>impar</a:t>
-            </a:r>
-            <a:r>
-              <a:rPr lang="en-US" dirty="0" smtClean="0"/>
-              <a:t>”)</a:t>
-            </a:r>
-          </a:p>
-          <a:p>
-            <a:r>
-              <a:rPr lang="en-US" dirty="0" smtClean="0"/>
-              <a:t>fin</a:t>
+              <a:rPr lang="en-US" dirty="0" smtClean="0"/>
+              <a:t>Fin Si</a:t>
             </a:r>
             <a:endParaRPr lang="en-US" dirty="0"/>
           </a:p>
@@ -5355,7 +8545,699 @@
     </p:spTree>
     <p:extLst>
       <p:ext uri="{BB962C8B-B14F-4D97-AF65-F5344CB8AC3E}">
-        <p14:creationId xmlns:p14="http://schemas.microsoft.com/office/powerpoint/2010/main" val="678550203"/>
+        <p14:creationId xmlns:p14="http://schemas.microsoft.com/office/powerpoint/2010/main" val="3486330827"/>
+      </p:ext>
+    </p:extLst>
+  </p:cSld>
+  <p:clrMapOvr>
+    <a:masterClrMapping/>
+  </p:clrMapOvr>
+  <p:timing>
+    <p:tnLst>
+      <p:par>
+        <p:cTn id="1" dur="indefinite" restart="never" nodeType="tmRoot">
+          <p:childTnLst>
+            <p:seq concurrent="1" nextAc="seek">
+              <p:cTn id="2" dur="indefinite" nodeType="mainSeq">
+                <p:childTnLst>
+                  <p:par>
+                    <p:cTn id="3" fill="hold">
+                      <p:stCondLst>
+                        <p:cond delay="indefinite"/>
+                      </p:stCondLst>
+                      <p:childTnLst>
+                        <p:par>
+                          <p:cTn id="4" fill="hold">
+                            <p:stCondLst>
+                              <p:cond delay="0"/>
+                            </p:stCondLst>
+                            <p:childTnLst>
+                              <p:par>
+                                <p:cTn id="5" presetID="1" presetClass="entr" presetSubtype="0" fill="hold" nodeType="clickEffect">
+                                  <p:stCondLst>
+                                    <p:cond delay="0"/>
+                                  </p:stCondLst>
+                                  <p:childTnLst>
+                                    <p:set>
+                                      <p:cBhvr>
+                                        <p:cTn id="6" dur="1" fill="hold">
+                                          <p:stCondLst>
+                                            <p:cond delay="0"/>
+                                          </p:stCondLst>
+                                        </p:cTn>
+                                        <p:tgtEl>
+                                          <p:spTgt spid="3">
+                                            <p:txEl>
+                                              <p:pRg st="0" end="0"/>
+                                            </p:txEl>
+                                          </p:spTgt>
+                                        </p:tgtEl>
+                                        <p:attrNameLst>
+                                          <p:attrName>style.visibility</p:attrName>
+                                        </p:attrNameLst>
+                                      </p:cBhvr>
+                                      <p:to>
+                                        <p:strVal val="visible"/>
+                                      </p:to>
+                                    </p:set>
+                                  </p:childTnLst>
+                                </p:cTn>
+                              </p:par>
+                            </p:childTnLst>
+                          </p:cTn>
+                        </p:par>
+                      </p:childTnLst>
+                    </p:cTn>
+                  </p:par>
+                  <p:par>
+                    <p:cTn id="7" fill="hold">
+                      <p:stCondLst>
+                        <p:cond delay="indefinite"/>
+                      </p:stCondLst>
+                      <p:childTnLst>
+                        <p:par>
+                          <p:cTn id="8" fill="hold">
+                            <p:stCondLst>
+                              <p:cond delay="0"/>
+                            </p:stCondLst>
+                            <p:childTnLst>
+                              <p:par>
+                                <p:cTn id="9" presetID="1" presetClass="entr" presetSubtype="0" fill="hold" nodeType="clickEffect">
+                                  <p:stCondLst>
+                                    <p:cond delay="0"/>
+                                  </p:stCondLst>
+                                  <p:childTnLst>
+                                    <p:set>
+                                      <p:cBhvr>
+                                        <p:cTn id="10" dur="1" fill="hold">
+                                          <p:stCondLst>
+                                            <p:cond delay="0"/>
+                                          </p:stCondLst>
+                                        </p:cTn>
+                                        <p:tgtEl>
+                                          <p:spTgt spid="3">
+                                            <p:txEl>
+                                              <p:pRg st="1" end="1"/>
+                                            </p:txEl>
+                                          </p:spTgt>
+                                        </p:tgtEl>
+                                        <p:attrNameLst>
+                                          <p:attrName>style.visibility</p:attrName>
+                                        </p:attrNameLst>
+                                      </p:cBhvr>
+                                      <p:to>
+                                        <p:strVal val="visible"/>
+                                      </p:to>
+                                    </p:set>
+                                  </p:childTnLst>
+                                </p:cTn>
+                              </p:par>
+                            </p:childTnLst>
+                          </p:cTn>
+                        </p:par>
+                      </p:childTnLst>
+                    </p:cTn>
+                  </p:par>
+                  <p:par>
+                    <p:cTn id="11" fill="hold">
+                      <p:stCondLst>
+                        <p:cond delay="indefinite"/>
+                      </p:stCondLst>
+                      <p:childTnLst>
+                        <p:par>
+                          <p:cTn id="12" fill="hold">
+                            <p:stCondLst>
+                              <p:cond delay="0"/>
+                            </p:stCondLst>
+                            <p:childTnLst>
+                              <p:par>
+                                <p:cTn id="13" presetID="1" presetClass="entr" presetSubtype="0" fill="hold" nodeType="clickEffect">
+                                  <p:stCondLst>
+                                    <p:cond delay="0"/>
+                                  </p:stCondLst>
+                                  <p:childTnLst>
+                                    <p:set>
+                                      <p:cBhvr>
+                                        <p:cTn id="14" dur="1" fill="hold">
+                                          <p:stCondLst>
+                                            <p:cond delay="0"/>
+                                          </p:stCondLst>
+                                        </p:cTn>
+                                        <p:tgtEl>
+                                          <p:spTgt spid="3">
+                                            <p:txEl>
+                                              <p:pRg st="2" end="2"/>
+                                            </p:txEl>
+                                          </p:spTgt>
+                                        </p:tgtEl>
+                                        <p:attrNameLst>
+                                          <p:attrName>style.visibility</p:attrName>
+                                        </p:attrNameLst>
+                                      </p:cBhvr>
+                                      <p:to>
+                                        <p:strVal val="visible"/>
+                                      </p:to>
+                                    </p:set>
+                                  </p:childTnLst>
+                                </p:cTn>
+                              </p:par>
+                            </p:childTnLst>
+                          </p:cTn>
+                        </p:par>
+                      </p:childTnLst>
+                    </p:cTn>
+                  </p:par>
+                  <p:par>
+                    <p:cTn id="15" fill="hold">
+                      <p:stCondLst>
+                        <p:cond delay="indefinite"/>
+                      </p:stCondLst>
+                      <p:childTnLst>
+                        <p:par>
+                          <p:cTn id="16" fill="hold">
+                            <p:stCondLst>
+                              <p:cond delay="0"/>
+                            </p:stCondLst>
+                            <p:childTnLst>
+                              <p:par>
+                                <p:cTn id="17" presetID="1" presetClass="entr" presetSubtype="0" fill="hold" nodeType="clickEffect">
+                                  <p:stCondLst>
+                                    <p:cond delay="0"/>
+                                  </p:stCondLst>
+                                  <p:childTnLst>
+                                    <p:set>
+                                      <p:cBhvr>
+                                        <p:cTn id="18" dur="1" fill="hold">
+                                          <p:stCondLst>
+                                            <p:cond delay="0"/>
+                                          </p:stCondLst>
+                                        </p:cTn>
+                                        <p:tgtEl>
+                                          <p:spTgt spid="3">
+                                            <p:txEl>
+                                              <p:pRg st="3" end="3"/>
+                                            </p:txEl>
+                                          </p:spTgt>
+                                        </p:tgtEl>
+                                        <p:attrNameLst>
+                                          <p:attrName>style.visibility</p:attrName>
+                                        </p:attrNameLst>
+                                      </p:cBhvr>
+                                      <p:to>
+                                        <p:strVal val="visible"/>
+                                      </p:to>
+                                    </p:set>
+                                  </p:childTnLst>
+                                </p:cTn>
+                              </p:par>
+                            </p:childTnLst>
+                          </p:cTn>
+                        </p:par>
+                      </p:childTnLst>
+                    </p:cTn>
+                  </p:par>
+                  <p:par>
+                    <p:cTn id="19" fill="hold">
+                      <p:stCondLst>
+                        <p:cond delay="indefinite"/>
+                      </p:stCondLst>
+                      <p:childTnLst>
+                        <p:par>
+                          <p:cTn id="20" fill="hold">
+                            <p:stCondLst>
+                              <p:cond delay="0"/>
+                            </p:stCondLst>
+                            <p:childTnLst>
+                              <p:par>
+                                <p:cTn id="21" presetID="1" presetClass="entr" presetSubtype="0" fill="hold" nodeType="clickEffect">
+                                  <p:stCondLst>
+                                    <p:cond delay="0"/>
+                                  </p:stCondLst>
+                                  <p:childTnLst>
+                                    <p:set>
+                                      <p:cBhvr>
+                                        <p:cTn id="22" dur="1" fill="hold">
+                                          <p:stCondLst>
+                                            <p:cond delay="0"/>
+                                          </p:stCondLst>
+                                        </p:cTn>
+                                        <p:tgtEl>
+                                          <p:spTgt spid="3">
+                                            <p:txEl>
+                                              <p:pRg st="4" end="4"/>
+                                            </p:txEl>
+                                          </p:spTgt>
+                                        </p:tgtEl>
+                                        <p:attrNameLst>
+                                          <p:attrName>style.visibility</p:attrName>
+                                        </p:attrNameLst>
+                                      </p:cBhvr>
+                                      <p:to>
+                                        <p:strVal val="visible"/>
+                                      </p:to>
+                                    </p:set>
+                                  </p:childTnLst>
+                                </p:cTn>
+                              </p:par>
+                            </p:childTnLst>
+                          </p:cTn>
+                        </p:par>
+                      </p:childTnLst>
+                    </p:cTn>
+                  </p:par>
+                  <p:par>
+                    <p:cTn id="23" fill="hold">
+                      <p:stCondLst>
+                        <p:cond delay="indefinite"/>
+                      </p:stCondLst>
+                      <p:childTnLst>
+                        <p:par>
+                          <p:cTn id="24" fill="hold">
+                            <p:stCondLst>
+                              <p:cond delay="0"/>
+                            </p:stCondLst>
+                            <p:childTnLst>
+                              <p:par>
+                                <p:cTn id="25" presetID="1" presetClass="entr" presetSubtype="0" fill="hold" nodeType="clickEffect">
+                                  <p:stCondLst>
+                                    <p:cond delay="0"/>
+                                  </p:stCondLst>
+                                  <p:childTnLst>
+                                    <p:set>
+                                      <p:cBhvr>
+                                        <p:cTn id="26" dur="1" fill="hold">
+                                          <p:stCondLst>
+                                            <p:cond delay="0"/>
+                                          </p:stCondLst>
+                                        </p:cTn>
+                                        <p:tgtEl>
+                                          <p:spTgt spid="3">
+                                            <p:txEl>
+                                              <p:pRg st="5" end="5"/>
+                                            </p:txEl>
+                                          </p:spTgt>
+                                        </p:tgtEl>
+                                        <p:attrNameLst>
+                                          <p:attrName>style.visibility</p:attrName>
+                                        </p:attrNameLst>
+                                      </p:cBhvr>
+                                      <p:to>
+                                        <p:strVal val="visible"/>
+                                      </p:to>
+                                    </p:set>
+                                  </p:childTnLst>
+                                </p:cTn>
+                              </p:par>
+                            </p:childTnLst>
+                          </p:cTn>
+                        </p:par>
+                      </p:childTnLst>
+                    </p:cTn>
+                  </p:par>
+                  <p:par>
+                    <p:cTn id="27" fill="hold">
+                      <p:stCondLst>
+                        <p:cond delay="indefinite"/>
+                      </p:stCondLst>
+                      <p:childTnLst>
+                        <p:par>
+                          <p:cTn id="28" fill="hold">
+                            <p:stCondLst>
+                              <p:cond delay="0"/>
+                            </p:stCondLst>
+                            <p:childTnLst>
+                              <p:par>
+                                <p:cTn id="29" presetID="1" presetClass="entr" presetSubtype="0" fill="hold" nodeType="clickEffect">
+                                  <p:stCondLst>
+                                    <p:cond delay="0"/>
+                                  </p:stCondLst>
+                                  <p:childTnLst>
+                                    <p:set>
+                                      <p:cBhvr>
+                                        <p:cTn id="30" dur="1" fill="hold">
+                                          <p:stCondLst>
+                                            <p:cond delay="0"/>
+                                          </p:stCondLst>
+                                        </p:cTn>
+                                        <p:tgtEl>
+                                          <p:spTgt spid="3">
+                                            <p:txEl>
+                                              <p:pRg st="6" end="6"/>
+                                            </p:txEl>
+                                          </p:spTgt>
+                                        </p:tgtEl>
+                                        <p:attrNameLst>
+                                          <p:attrName>style.visibility</p:attrName>
+                                        </p:attrNameLst>
+                                      </p:cBhvr>
+                                      <p:to>
+                                        <p:strVal val="visible"/>
+                                      </p:to>
+                                    </p:set>
+                                  </p:childTnLst>
+                                </p:cTn>
+                              </p:par>
+                            </p:childTnLst>
+                          </p:cTn>
+                        </p:par>
+                      </p:childTnLst>
+                    </p:cTn>
+                  </p:par>
+                </p:childTnLst>
+              </p:cTn>
+              <p:prevCondLst>
+                <p:cond evt="onPrev" delay="0">
+                  <p:tgtEl>
+                    <p:sldTgt/>
+                  </p:tgtEl>
+                </p:cond>
+              </p:prevCondLst>
+              <p:nextCondLst>
+                <p:cond evt="onNext" delay="0">
+                  <p:tgtEl>
+                    <p:sldTgt/>
+                  </p:tgtEl>
+                </p:cond>
+              </p:nextCondLst>
+            </p:seq>
+          </p:childTnLst>
+        </p:cTn>
+      </p:par>
+    </p:tnLst>
+  </p:timing>
+</p:sld>
+</file>
+
+<file path=ppt/slides/slide8.xml><?xml version="1.0" encoding="utf-8"?>
+<p:sld xmlns:a="http://schemas.openxmlformats.org/drawingml/2006/main" xmlns:r="http://schemas.openxmlformats.org/officeDocument/2006/relationships" xmlns:p="http://schemas.openxmlformats.org/presentationml/2006/main">
+  <p:cSld>
+    <p:spTree>
+      <p:nvGrpSpPr>
+        <p:cNvPr id="1" name=""/>
+        <p:cNvGrpSpPr/>
+        <p:nvPr/>
+      </p:nvGrpSpPr>
+      <p:grpSpPr>
+        <a:xfrm>
+          <a:off x="0" y="0"/>
+          <a:ext cx="0" cy="0"/>
+          <a:chOff x="0" y="0"/>
+          <a:chExt cx="0" cy="0"/>
+        </a:xfrm>
+      </p:grpSpPr>
+      <p:sp>
+        <p:nvSpPr>
+          <p:cNvPr id="2" name="Title 1"/>
+          <p:cNvSpPr>
+            <a:spLocks noGrp="1"/>
+          </p:cNvSpPr>
+          <p:nvPr>
+            <p:ph type="title"/>
+          </p:nvPr>
+        </p:nvSpPr>
+        <p:spPr/>
+        <p:txBody>
+          <a:bodyPr/>
+          <a:lstStyle/>
+          <a:p>
+            <a:r>
+              <a:rPr lang="en-US" dirty="0" err="1" smtClean="0"/>
+              <a:t>Pseudocódigo</a:t>
+            </a:r>
+            <a:r>
+              <a:rPr lang="en-US" dirty="0" smtClean="0"/>
+              <a:t> – </a:t>
+            </a:r>
+            <a:r>
+              <a:rPr lang="en-US" dirty="0" err="1" smtClean="0"/>
+              <a:t>Ejemplo</a:t>
+            </a:r>
+            <a:r>
+              <a:rPr lang="en-US" dirty="0" smtClean="0"/>
+              <a:t> 2</a:t>
+            </a:r>
+            <a:endParaRPr lang="en-US" dirty="0"/>
+          </a:p>
+        </p:txBody>
+      </p:sp>
+      <p:sp>
+        <p:nvSpPr>
+          <p:cNvPr id="3" name="Content Placeholder 2"/>
+          <p:cNvSpPr>
+            <a:spLocks noGrp="1"/>
+          </p:cNvSpPr>
+          <p:nvPr>
+            <p:ph idx="1"/>
+          </p:nvPr>
+        </p:nvSpPr>
+        <p:spPr>
+          <a:xfrm>
+            <a:off x="457200" y="1600200"/>
+            <a:ext cx="8458200" cy="4876800"/>
+          </a:xfrm>
+        </p:spPr>
+        <p:txBody>
+          <a:bodyPr>
+            <a:normAutofit fontScale="92500" lnSpcReduction="20000"/>
+          </a:bodyPr>
+          <a:lstStyle/>
+          <a:p>
+            <a:r>
+              <a:rPr lang="en-US" dirty="0" err="1" smtClean="0"/>
+              <a:t>Programa</a:t>
+            </a:r>
+            <a:r>
+              <a:rPr lang="en-US" dirty="0" smtClean="0"/>
+              <a:t> </a:t>
+            </a:r>
+            <a:r>
+              <a:rPr lang="en-US" dirty="0" err="1" smtClean="0"/>
+              <a:t>convertir</a:t>
+            </a:r>
+            <a:r>
+              <a:rPr lang="en-US" dirty="0" smtClean="0"/>
+              <a:t> </a:t>
+            </a:r>
+            <a:r>
+              <a:rPr lang="en-US" dirty="0" err="1" smtClean="0"/>
+              <a:t>grados</a:t>
+            </a:r>
+            <a:r>
+              <a:rPr lang="en-US" dirty="0" smtClean="0"/>
+              <a:t> Celsius a Fahrenheit o Kelvin</a:t>
+            </a:r>
+          </a:p>
+          <a:p>
+            <a:r>
+              <a:rPr lang="en-US" dirty="0" err="1"/>
+              <a:t>I</a:t>
+            </a:r>
+            <a:r>
+              <a:rPr lang="en-US" dirty="0" err="1" smtClean="0"/>
+              <a:t>nicio</a:t>
+            </a:r>
+            <a:endParaRPr lang="en-US" dirty="0" smtClean="0"/>
+          </a:p>
+          <a:p>
+            <a:r>
+              <a:rPr lang="en-US" dirty="0" err="1" smtClean="0"/>
+              <a:t>constanteFahrenheit</a:t>
+            </a:r>
+            <a:r>
+              <a:rPr lang="en-US" dirty="0" smtClean="0"/>
+              <a:t> = 32</a:t>
+            </a:r>
+          </a:p>
+          <a:p>
+            <a:r>
+              <a:rPr lang="en-US" dirty="0" err="1" smtClean="0"/>
+              <a:t>constanteKelvin</a:t>
+            </a:r>
+            <a:r>
+              <a:rPr lang="en-US" dirty="0" smtClean="0"/>
+              <a:t> = 273.15</a:t>
+            </a:r>
+          </a:p>
+          <a:p>
+            <a:r>
+              <a:rPr lang="en-US" dirty="0" smtClean="0"/>
+              <a:t>Leer(</a:t>
+            </a:r>
+            <a:r>
+              <a:rPr lang="en-US" dirty="0" err="1" smtClean="0"/>
+              <a:t>temperatura</a:t>
+            </a:r>
+            <a:r>
+              <a:rPr lang="en-US" dirty="0" smtClean="0"/>
+              <a:t>)</a:t>
+            </a:r>
+          </a:p>
+          <a:p>
+            <a:r>
+              <a:rPr lang="en-US" dirty="0" err="1" smtClean="0"/>
+              <a:t>Imprimir</a:t>
+            </a:r>
+            <a:r>
+              <a:rPr lang="en-US" dirty="0" smtClean="0"/>
+              <a:t>(</a:t>
+            </a:r>
+            <a:r>
+              <a:rPr lang="en-US" dirty="0" err="1" smtClean="0"/>
+              <a:t>Opcion</a:t>
+            </a:r>
+            <a:r>
+              <a:rPr lang="en-US" dirty="0" smtClean="0"/>
+              <a:t> 1. Kelvin, </a:t>
+            </a:r>
+            <a:r>
+              <a:rPr lang="en-US" dirty="0" err="1" smtClean="0"/>
+              <a:t>Opcion</a:t>
+            </a:r>
+            <a:r>
+              <a:rPr lang="en-US" dirty="0" smtClean="0"/>
+              <a:t> 2. Fahrenheit)</a:t>
+            </a:r>
+          </a:p>
+          <a:p>
+            <a:r>
+              <a:rPr lang="en-US" dirty="0" smtClean="0"/>
+              <a:t>Leer(</a:t>
+            </a:r>
+            <a:r>
+              <a:rPr lang="en-US" dirty="0" err="1" smtClean="0"/>
+              <a:t>opcion</a:t>
+            </a:r>
+            <a:r>
+              <a:rPr lang="en-US" dirty="0" smtClean="0"/>
+              <a:t>)</a:t>
+            </a:r>
+          </a:p>
+          <a:p>
+            <a:r>
+              <a:rPr lang="en-US" dirty="0" smtClean="0"/>
+              <a:t>Si </a:t>
+            </a:r>
+            <a:r>
+              <a:rPr lang="en-US" dirty="0" err="1" smtClean="0"/>
+              <a:t>opcion</a:t>
+            </a:r>
+            <a:r>
+              <a:rPr lang="en-US" dirty="0" smtClean="0"/>
+              <a:t> == 1 </a:t>
+            </a:r>
+            <a:r>
+              <a:rPr lang="en-US" dirty="0" err="1" smtClean="0"/>
+              <a:t>entonces</a:t>
+            </a:r>
+            <a:endParaRPr lang="en-US" dirty="0" smtClean="0"/>
+          </a:p>
+          <a:p>
+            <a:pPr lvl="1"/>
+            <a:r>
+              <a:rPr lang="en-US" dirty="0" err="1" smtClean="0"/>
+              <a:t>temperaturaFinal</a:t>
+            </a:r>
+            <a:r>
+              <a:rPr lang="en-US" dirty="0" smtClean="0"/>
+              <a:t> = </a:t>
+            </a:r>
+            <a:r>
+              <a:rPr lang="en-US" dirty="0" err="1" smtClean="0"/>
+              <a:t>temperatura</a:t>
+            </a:r>
+            <a:r>
+              <a:rPr lang="en-US" dirty="0" smtClean="0"/>
+              <a:t> + </a:t>
+            </a:r>
+            <a:r>
+              <a:rPr lang="en-US" dirty="0" err="1" smtClean="0"/>
+              <a:t>constanteKelvin</a:t>
+            </a:r>
+            <a:endParaRPr lang="en-US" dirty="0" smtClean="0"/>
+          </a:p>
+          <a:p>
+            <a:r>
+              <a:rPr lang="en-US" dirty="0" smtClean="0"/>
+              <a:t>De lo </a:t>
+            </a:r>
+            <a:r>
+              <a:rPr lang="en-US" dirty="0" err="1" smtClean="0"/>
+              <a:t>contrario</a:t>
+            </a:r>
+            <a:endParaRPr lang="en-US" dirty="0" smtClean="0"/>
+          </a:p>
+          <a:p>
+            <a:pPr lvl="1"/>
+            <a:r>
+              <a:rPr lang="en-US" dirty="0" err="1" smtClean="0"/>
+              <a:t>temperaturaFinal</a:t>
+            </a:r>
+            <a:r>
+              <a:rPr lang="en-US" dirty="0"/>
+              <a:t> </a:t>
+            </a:r>
+            <a:r>
+              <a:rPr lang="en-US" dirty="0" smtClean="0"/>
+              <a:t>= (9/5 * </a:t>
+            </a:r>
+            <a:r>
+              <a:rPr lang="en-US" dirty="0" err="1" smtClean="0"/>
+              <a:t>temperatura</a:t>
+            </a:r>
+            <a:r>
+              <a:rPr lang="en-US" dirty="0" smtClean="0"/>
+              <a:t>) + </a:t>
+            </a:r>
+            <a:r>
+              <a:rPr lang="en-US" dirty="0" err="1" smtClean="0"/>
+              <a:t>constanteFahrenheit</a:t>
+            </a:r>
+            <a:endParaRPr lang="en-US" dirty="0" smtClean="0"/>
+          </a:p>
+          <a:p>
+            <a:r>
+              <a:rPr lang="en-US" dirty="0" smtClean="0"/>
+              <a:t>Fin </a:t>
+            </a:r>
+            <a:r>
+              <a:rPr lang="en-US" dirty="0" err="1" smtClean="0"/>
+              <a:t>si</a:t>
+            </a:r>
+            <a:endParaRPr lang="en-US" dirty="0" smtClean="0"/>
+          </a:p>
+          <a:p>
+            <a:r>
+              <a:rPr lang="en-US" dirty="0" err="1" smtClean="0"/>
+              <a:t>Imprimir</a:t>
+            </a:r>
+            <a:r>
+              <a:rPr lang="en-US" dirty="0" smtClean="0"/>
+              <a:t>(</a:t>
+            </a:r>
+            <a:r>
+              <a:rPr lang="en-US" dirty="0" err="1" smtClean="0"/>
+              <a:t>temperaturaFinal</a:t>
+            </a:r>
+            <a:r>
+              <a:rPr lang="en-US" dirty="0" smtClean="0"/>
+              <a:t>)</a:t>
+            </a:r>
+          </a:p>
+          <a:p>
+            <a:r>
+              <a:rPr lang="en-US" dirty="0" smtClean="0"/>
+              <a:t>Fin</a:t>
+            </a:r>
+          </a:p>
+          <a:p>
+            <a:endParaRPr lang="en-US" dirty="0"/>
+          </a:p>
+        </p:txBody>
+      </p:sp>
+    </p:spTree>
+    <p:extLst>
+      <p:ext uri="{BB962C8B-B14F-4D97-AF65-F5344CB8AC3E}">
+        <p14:creationId xmlns:p14="http://schemas.microsoft.com/office/powerpoint/2010/main" val="2338497942"/>
       </p:ext>
     </p:extLst>
   </p:cSld>
@@ -5909,6 +9791,153 @@
                       </p:childTnLst>
                     </p:cTn>
                   </p:par>
+                  <p:par>
+                    <p:cTn id="47" fill="hold">
+                      <p:stCondLst>
+                        <p:cond delay="indefinite"/>
+                      </p:stCondLst>
+                      <p:childTnLst>
+                        <p:par>
+                          <p:cTn id="48" fill="hold">
+                            <p:stCondLst>
+                              <p:cond delay="0"/>
+                            </p:stCondLst>
+                            <p:childTnLst>
+                              <p:par>
+                                <p:cTn id="49" presetID="1" presetClass="entr" presetSubtype="0" fill="hold" nodeType="clickEffect">
+                                  <p:stCondLst>
+                                    <p:cond delay="0"/>
+                                  </p:stCondLst>
+                                  <p:childTnLst>
+                                    <p:set>
+                                      <p:cBhvr>
+                                        <p:cTn id="50" dur="1" fill="hold">
+                                          <p:stCondLst>
+                                            <p:cond delay="0"/>
+                                          </p:stCondLst>
+                                        </p:cTn>
+                                        <p:tgtEl>
+                                          <p:spTgt spid="3">
+                                            <p:txEl>
+                                              <p:pRg st="11" end="11"/>
+                                            </p:txEl>
+                                          </p:spTgt>
+                                        </p:tgtEl>
+                                        <p:attrNameLst>
+                                          <p:attrName>style.visibility</p:attrName>
+                                        </p:attrNameLst>
+                                      </p:cBhvr>
+                                      <p:to>
+                                        <p:strVal val="visible"/>
+                                      </p:to>
+                                    </p:set>
+                                  </p:childTnLst>
+                                </p:cTn>
+                              </p:par>
+                            </p:childTnLst>
+                          </p:cTn>
+                        </p:par>
+                      </p:childTnLst>
+                    </p:cTn>
+                  </p:par>
+                  <p:par>
+                    <p:cTn id="51" fill="hold">
+                      <p:stCondLst>
+                        <p:cond delay="indefinite"/>
+                      </p:stCondLst>
+                      <p:childTnLst>
+                        <p:par>
+                          <p:cTn id="52" fill="hold">
+                            <p:stCondLst>
+                              <p:cond delay="0"/>
+                            </p:stCondLst>
+                            <p:childTnLst>
+                              <p:par>
+                                <p:cTn id="53" presetID="1" presetClass="entr" presetSubtype="0" fill="hold" nodeType="clickEffect">
+                                  <p:stCondLst>
+                                    <p:cond delay="0"/>
+                                  </p:stCondLst>
+                                  <p:childTnLst>
+                                    <p:set>
+                                      <p:cBhvr>
+                                        <p:cTn id="54" dur="1" fill="hold">
+                                          <p:stCondLst>
+                                            <p:cond delay="0"/>
+                                          </p:stCondLst>
+                                        </p:cTn>
+                                        <p:tgtEl>
+                                          <p:spTgt spid="3">
+                                            <p:txEl>
+                                              <p:pRg st="12" end="12"/>
+                                            </p:txEl>
+                                          </p:spTgt>
+                                        </p:tgtEl>
+                                        <p:attrNameLst>
+                                          <p:attrName>style.visibility</p:attrName>
+                                        </p:attrNameLst>
+                                      </p:cBhvr>
+                                      <p:to>
+                                        <p:strVal val="visible"/>
+                                      </p:to>
+                                    </p:set>
+                                  </p:childTnLst>
+                                </p:cTn>
+                              </p:par>
+                            </p:childTnLst>
+                          </p:cTn>
+                        </p:par>
+                      </p:childTnLst>
+                    </p:cTn>
+                  </p:par>
+                  <p:par>
+                    <p:cTn id="55" fill="hold">
+                      <p:stCondLst>
+                        <p:cond delay="indefinite"/>
+                      </p:stCondLst>
+                      <p:childTnLst>
+                        <p:par>
+                          <p:cTn id="56" fill="hold">
+                            <p:stCondLst>
+                              <p:cond delay="0"/>
+                            </p:stCondLst>
+                            <p:childTnLst>
+                              <p:par>
+                                <p:cTn id="57" presetID="1" presetClass="entr" presetSubtype="0" fill="hold" nodeType="clickEffect">
+                                  <p:stCondLst>
+                                    <p:cond delay="0"/>
+                                  </p:stCondLst>
+                                  <p:childTnLst>
+                                    <p:set>
+                                      <p:cBhvr>
+                                        <p:cTn id="58" dur="1" fill="hold">
+                                          <p:stCondLst>
+                                            <p:cond delay="0"/>
+                                          </p:stCondLst>
+                                        </p:cTn>
+                                        <p:tgtEl>
+                                          <p:spTgt spid="3">
+                                            <p:txEl>
+                                              <p:pRg st="13" end="13"/>
+                                            </p:txEl>
+                                          </p:spTgt>
+                                        </p:tgtEl>
+                                        <p:attrNameLst>
+                                          <p:attrName>style.visibility</p:attrName>
+                                        </p:attrNameLst>
+                                      </p:cBhvr>
+                                      <p:to>
+                                        <p:strVal val="visible"/>
+                                      </p:to>
+                                    </p:set>
+                                  </p:childTnLst>
+                                </p:cTn>
+                              </p:par>
+                            </p:childTnLst>
+                          </p:cTn>
+                        </p:par>
+                      </p:childTnLst>
+                    </p:cTn>
+                  </p:par>
                 </p:childTnLst>
               </p:cTn>
               <p:prevCondLst>
@@ -5931,1897 +9960,6 @@
       </p:par>
     </p:tnLst>
   </p:timing>
-</p:sld>
-</file>
-
-<file path=ppt/slides/slide4.xml><?xml version="1.0" encoding="utf-8"?>
-<p:sld xmlns:a="http://schemas.openxmlformats.org/drawingml/2006/main" xmlns:r="http://schemas.openxmlformats.org/officeDocument/2006/relationships" xmlns:p="http://schemas.openxmlformats.org/presentationml/2006/main">
-  <p:cSld>
-    <p:spTree>
-      <p:nvGrpSpPr>
-        <p:cNvPr id="1" name=""/>
-        <p:cNvGrpSpPr/>
-        <p:nvPr/>
-      </p:nvGrpSpPr>
-      <p:grpSpPr>
-        <a:xfrm>
-          <a:off x="0" y="0"/>
-          <a:ext cx="0" cy="0"/>
-          <a:chOff x="0" y="0"/>
-          <a:chExt cx="0" cy="0"/>
-        </a:xfrm>
-      </p:grpSpPr>
-      <p:sp>
-        <p:nvSpPr>
-          <p:cNvPr id="2" name="Title 1"/>
-          <p:cNvSpPr>
-            <a:spLocks noGrp="1"/>
-          </p:cNvSpPr>
-          <p:nvPr>
-            <p:ph type="title"/>
-          </p:nvPr>
-        </p:nvSpPr>
-        <p:spPr/>
-        <p:txBody>
-          <a:bodyPr>
-            <a:normAutofit fontScale="90000"/>
-          </a:bodyPr>
-          <a:lstStyle/>
-          <a:p>
-            <a:r>
-              <a:rPr lang="en-US" dirty="0" err="1" smtClean="0"/>
-              <a:t>Estructura</a:t>
-            </a:r>
-            <a:r>
-              <a:rPr lang="en-US" dirty="0" smtClean="0"/>
-              <a:t> de </a:t>
-            </a:r>
-            <a:r>
-              <a:rPr lang="en-US" dirty="0" err="1" smtClean="0"/>
-              <a:t>datos</a:t>
-            </a:r>
-            <a:r>
-              <a:rPr lang="en-US" dirty="0" smtClean="0"/>
-              <a:t> </a:t>
-            </a:r>
-            <a:r>
-              <a:rPr lang="en-US" dirty="0" err="1" smtClean="0"/>
-              <a:t>arreglo</a:t>
-            </a:r>
-            <a:r>
-              <a:rPr lang="en-US" dirty="0" smtClean="0"/>
-              <a:t> o </a:t>
-            </a:r>
-            <a:r>
-              <a:rPr lang="en-US" dirty="0" err="1" smtClean="0"/>
-              <a:t>conjunto</a:t>
-            </a:r>
-            <a:endParaRPr lang="en-US" dirty="0"/>
-          </a:p>
-        </p:txBody>
-      </p:sp>
-      <p:sp>
-        <p:nvSpPr>
-          <p:cNvPr id="3" name="Content Placeholder 2"/>
-          <p:cNvSpPr>
-            <a:spLocks noGrp="1"/>
-          </p:cNvSpPr>
-          <p:nvPr>
-            <p:ph idx="1"/>
-          </p:nvPr>
-        </p:nvSpPr>
-        <p:spPr/>
-        <p:txBody>
-          <a:bodyPr/>
-          <a:lstStyle/>
-          <a:p>
-            <a:r>
-              <a:rPr lang="en-US" dirty="0" smtClean="0"/>
-              <a:t>Un </a:t>
-            </a:r>
-            <a:r>
-              <a:rPr lang="en-US" dirty="0" err="1" smtClean="0"/>
-              <a:t>arreglo</a:t>
-            </a:r>
-            <a:r>
-              <a:rPr lang="en-US" dirty="0" smtClean="0"/>
-              <a:t> </a:t>
-            </a:r>
-            <a:r>
-              <a:rPr lang="en-US" dirty="0" err="1" smtClean="0"/>
-              <a:t>es</a:t>
-            </a:r>
-            <a:r>
-              <a:rPr lang="en-US" dirty="0" smtClean="0"/>
-              <a:t> un </a:t>
-            </a:r>
-            <a:r>
-              <a:rPr lang="en-US" dirty="0" err="1" smtClean="0"/>
-              <a:t>conjunto</a:t>
-            </a:r>
-            <a:r>
-              <a:rPr lang="en-US" dirty="0" smtClean="0"/>
-              <a:t> de </a:t>
-            </a:r>
-            <a:r>
-              <a:rPr lang="en-US" dirty="0" err="1" smtClean="0"/>
-              <a:t>elementos</a:t>
-            </a:r>
-            <a:r>
-              <a:rPr lang="en-US" dirty="0" smtClean="0"/>
-              <a:t>. </a:t>
-            </a:r>
-            <a:r>
-              <a:rPr lang="en-US" dirty="0" err="1" smtClean="0"/>
-              <a:t>Cada</a:t>
-            </a:r>
-            <a:r>
-              <a:rPr lang="en-US" dirty="0" smtClean="0"/>
-              <a:t> </a:t>
-            </a:r>
-            <a:r>
-              <a:rPr lang="en-US" dirty="0" err="1" smtClean="0"/>
-              <a:t>elemento</a:t>
-            </a:r>
-            <a:r>
-              <a:rPr lang="en-US" dirty="0" smtClean="0"/>
-              <a:t> del </a:t>
-            </a:r>
-            <a:r>
-              <a:rPr lang="en-US" dirty="0" err="1" smtClean="0"/>
-              <a:t>conjunto</a:t>
-            </a:r>
-            <a:r>
-              <a:rPr lang="en-US" dirty="0" smtClean="0"/>
-              <a:t> </a:t>
-            </a:r>
-            <a:r>
-              <a:rPr lang="en-US" dirty="0" err="1" smtClean="0"/>
-              <a:t>tiene</a:t>
-            </a:r>
-            <a:r>
-              <a:rPr lang="en-US" dirty="0" smtClean="0"/>
-              <a:t> un </a:t>
-            </a:r>
-            <a:r>
-              <a:rPr lang="en-US" dirty="0" err="1" smtClean="0"/>
-              <a:t>índice</a:t>
-            </a:r>
-            <a:r>
-              <a:rPr lang="en-US" dirty="0" smtClean="0"/>
-              <a:t> </a:t>
-            </a:r>
-            <a:r>
-              <a:rPr lang="en-US" dirty="0" err="1" smtClean="0"/>
-              <a:t>que</a:t>
-            </a:r>
-            <a:r>
-              <a:rPr lang="en-US" dirty="0" smtClean="0"/>
-              <a:t> </a:t>
-            </a:r>
-            <a:r>
-              <a:rPr lang="en-US" dirty="0" err="1" smtClean="0"/>
-              <a:t>determina</a:t>
-            </a:r>
-            <a:r>
-              <a:rPr lang="en-US" dirty="0" smtClean="0"/>
-              <a:t> </a:t>
-            </a:r>
-            <a:r>
-              <a:rPr lang="en-US" dirty="0" err="1" smtClean="0"/>
-              <a:t>su</a:t>
-            </a:r>
-            <a:r>
-              <a:rPr lang="en-US" dirty="0" smtClean="0"/>
-              <a:t> </a:t>
-            </a:r>
-            <a:r>
-              <a:rPr lang="en-US" dirty="0" err="1" smtClean="0"/>
-              <a:t>lugar</a:t>
-            </a:r>
-            <a:r>
-              <a:rPr lang="en-US" dirty="0" smtClean="0"/>
-              <a:t> en el </a:t>
-            </a:r>
-            <a:r>
-              <a:rPr lang="en-US" dirty="0" err="1" smtClean="0"/>
-              <a:t>conjunto</a:t>
-            </a:r>
-            <a:r>
-              <a:rPr lang="en-US" dirty="0" smtClean="0"/>
-              <a:t>. </a:t>
-            </a:r>
-            <a:r>
-              <a:rPr lang="en-US" dirty="0" err="1" smtClean="0"/>
-              <a:t>Siempre</a:t>
-            </a:r>
-            <a:r>
-              <a:rPr lang="en-US" dirty="0" smtClean="0"/>
-              <a:t> los </a:t>
-            </a:r>
-            <a:r>
-              <a:rPr lang="en-US" dirty="0" err="1" smtClean="0"/>
-              <a:t>índices</a:t>
-            </a:r>
-            <a:r>
-              <a:rPr lang="en-US" dirty="0" smtClean="0"/>
-              <a:t> </a:t>
-            </a:r>
-            <a:r>
-              <a:rPr lang="en-US" dirty="0" err="1" smtClean="0"/>
-              <a:t>empiezan</a:t>
-            </a:r>
-            <a:r>
-              <a:rPr lang="en-US" dirty="0" smtClean="0"/>
-              <a:t> en cero.</a:t>
-            </a:r>
-          </a:p>
-          <a:p>
-            <a:r>
-              <a:rPr lang="en-US" dirty="0" smtClean="0"/>
-              <a:t>Los </a:t>
-            </a:r>
-            <a:r>
-              <a:rPr lang="en-US" dirty="0" err="1" smtClean="0"/>
-              <a:t>arreglos</a:t>
-            </a:r>
-            <a:r>
-              <a:rPr lang="en-US" dirty="0" smtClean="0"/>
-              <a:t> se </a:t>
-            </a:r>
-            <a:r>
-              <a:rPr lang="en-US" dirty="0" err="1" smtClean="0"/>
-              <a:t>distinguen</a:t>
-            </a:r>
-            <a:r>
-              <a:rPr lang="en-US" dirty="0" smtClean="0"/>
-              <a:t> </a:t>
-            </a:r>
-            <a:r>
-              <a:rPr lang="en-US" dirty="0" err="1" smtClean="0"/>
-              <a:t>por</a:t>
-            </a:r>
-            <a:r>
-              <a:rPr lang="en-US" dirty="0" smtClean="0"/>
-              <a:t> </a:t>
-            </a:r>
-            <a:r>
-              <a:rPr lang="en-US" dirty="0" err="1" smtClean="0"/>
-              <a:t>estar</a:t>
-            </a:r>
-            <a:r>
-              <a:rPr lang="en-US" dirty="0" smtClean="0"/>
-              <a:t> </a:t>
-            </a:r>
-            <a:r>
-              <a:rPr lang="en-US" dirty="0" err="1" smtClean="0"/>
-              <a:t>delimitados</a:t>
-            </a:r>
-            <a:r>
-              <a:rPr lang="en-US" dirty="0" smtClean="0"/>
-              <a:t> </a:t>
-            </a:r>
-            <a:r>
-              <a:rPr lang="en-US" dirty="0" err="1" smtClean="0"/>
-              <a:t>por</a:t>
-            </a:r>
-            <a:r>
-              <a:rPr lang="en-US" dirty="0" smtClean="0"/>
-              <a:t> </a:t>
-            </a:r>
-            <a:r>
-              <a:rPr lang="en-US" dirty="0" err="1" smtClean="0"/>
-              <a:t>paréntesis</a:t>
-            </a:r>
-            <a:r>
-              <a:rPr lang="en-US" dirty="0" smtClean="0"/>
-              <a:t> </a:t>
-            </a:r>
-            <a:r>
-              <a:rPr lang="en-US" dirty="0" err="1" smtClean="0"/>
-              <a:t>cuadrados</a:t>
-            </a:r>
-            <a:r>
-              <a:rPr lang="en-US" dirty="0"/>
-              <a:t> </a:t>
-            </a:r>
-            <a:r>
-              <a:rPr lang="en-US" dirty="0" smtClean="0"/>
-              <a:t>y los </a:t>
-            </a:r>
-            <a:r>
-              <a:rPr lang="en-US" dirty="0" err="1" smtClean="0"/>
-              <a:t>elementos</a:t>
-            </a:r>
-            <a:r>
-              <a:rPr lang="en-US" dirty="0" smtClean="0"/>
-              <a:t> se </a:t>
-            </a:r>
-            <a:r>
-              <a:rPr lang="en-US" dirty="0" err="1" smtClean="0"/>
-              <a:t>separan</a:t>
-            </a:r>
-            <a:r>
-              <a:rPr lang="en-US" dirty="0" smtClean="0"/>
-              <a:t> </a:t>
-            </a:r>
-            <a:r>
-              <a:rPr lang="en-US" dirty="0" err="1" smtClean="0"/>
-              <a:t>por</a:t>
-            </a:r>
-            <a:r>
-              <a:rPr lang="en-US" dirty="0" smtClean="0"/>
-              <a:t> comas.</a:t>
-            </a:r>
-          </a:p>
-          <a:p>
-            <a:r>
-              <a:rPr lang="en-US" dirty="0" smtClean="0"/>
-              <a:t>Los </a:t>
-            </a:r>
-            <a:r>
-              <a:rPr lang="en-US" dirty="0" err="1" smtClean="0"/>
-              <a:t>arreglos</a:t>
-            </a:r>
-            <a:r>
-              <a:rPr lang="en-US" dirty="0" smtClean="0"/>
-              <a:t> se </a:t>
-            </a:r>
-            <a:r>
-              <a:rPr lang="en-US" dirty="0" err="1" smtClean="0"/>
-              <a:t>usan</a:t>
-            </a:r>
-            <a:r>
-              <a:rPr lang="en-US" dirty="0" smtClean="0"/>
-              <a:t> mucho en </a:t>
-            </a:r>
-            <a:r>
-              <a:rPr lang="en-US" dirty="0" err="1" smtClean="0"/>
-              <a:t>programación</a:t>
-            </a:r>
-            <a:r>
-              <a:rPr lang="en-US" dirty="0" smtClean="0"/>
-              <a:t> </a:t>
-            </a:r>
-            <a:r>
-              <a:rPr lang="en-US" dirty="0" err="1" smtClean="0"/>
-              <a:t>para</a:t>
-            </a:r>
-            <a:r>
-              <a:rPr lang="en-US" dirty="0" smtClean="0"/>
-              <a:t> </a:t>
-            </a:r>
-            <a:r>
-              <a:rPr lang="en-US" dirty="0" err="1" smtClean="0"/>
-              <a:t>trabajar</a:t>
-            </a:r>
-            <a:r>
-              <a:rPr lang="en-US" dirty="0" smtClean="0"/>
-              <a:t> </a:t>
-            </a:r>
-            <a:r>
-              <a:rPr lang="en-US" dirty="0" err="1" smtClean="0"/>
-              <a:t>listas</a:t>
-            </a:r>
-            <a:r>
-              <a:rPr lang="en-US" dirty="0"/>
-              <a:t> </a:t>
-            </a:r>
-            <a:r>
-              <a:rPr lang="en-US" dirty="0" smtClean="0"/>
-              <a:t>y </a:t>
-            </a:r>
-            <a:r>
-              <a:rPr lang="en-US" dirty="0" err="1" smtClean="0"/>
-              <a:t>tener</a:t>
-            </a:r>
-            <a:r>
-              <a:rPr lang="en-US" dirty="0" smtClean="0"/>
-              <a:t> </a:t>
-            </a:r>
-            <a:r>
-              <a:rPr lang="en-US" dirty="0" err="1" smtClean="0"/>
-              <a:t>muchos</a:t>
-            </a:r>
-            <a:r>
-              <a:rPr lang="en-US" dirty="0" smtClean="0"/>
-              <a:t> </a:t>
-            </a:r>
-            <a:r>
-              <a:rPr lang="en-US" dirty="0" err="1" smtClean="0"/>
-              <a:t>elementos</a:t>
-            </a:r>
-            <a:r>
-              <a:rPr lang="en-US" dirty="0" smtClean="0"/>
-              <a:t> </a:t>
-            </a:r>
-            <a:r>
-              <a:rPr lang="en-US" dirty="0" err="1" smtClean="0"/>
-              <a:t>ordenados</a:t>
-            </a:r>
-            <a:r>
-              <a:rPr lang="en-US" dirty="0" smtClean="0"/>
-              <a:t>.</a:t>
-            </a:r>
-          </a:p>
-          <a:p>
-            <a:r>
-              <a:rPr lang="en-US" dirty="0" err="1" smtClean="0"/>
-              <a:t>Ejemplo</a:t>
-            </a:r>
-            <a:r>
-              <a:rPr lang="en-US" dirty="0" smtClean="0"/>
-              <a:t> de </a:t>
-            </a:r>
-            <a:r>
-              <a:rPr lang="en-US" dirty="0" err="1" smtClean="0"/>
-              <a:t>arreglos</a:t>
-            </a:r>
-            <a:endParaRPr lang="en-US" dirty="0" smtClean="0"/>
-          </a:p>
-          <a:p>
-            <a:r>
-              <a:rPr lang="en-US" dirty="0" smtClean="0"/>
-              <a:t>[2, 5, 8, 12]</a:t>
-            </a:r>
-          </a:p>
-          <a:p>
-            <a:r>
-              <a:rPr lang="en-US" dirty="0" smtClean="0"/>
-              <a:t>[a, b, c, d]</a:t>
-            </a:r>
-            <a:endParaRPr lang="en-US" dirty="0"/>
-          </a:p>
-        </p:txBody>
-      </p:sp>
-    </p:spTree>
-    <p:extLst>
-      <p:ext uri="{BB962C8B-B14F-4D97-AF65-F5344CB8AC3E}">
-        <p14:creationId xmlns:p14="http://schemas.microsoft.com/office/powerpoint/2010/main" val="2990448692"/>
-      </p:ext>
-    </p:extLst>
-  </p:cSld>
-  <p:clrMapOvr>
-    <a:masterClrMapping/>
-  </p:clrMapOvr>
-</p:sld>
-</file>
-
-<file path=ppt/slides/slide5.xml><?xml version="1.0" encoding="utf-8"?>
-<p:sld xmlns:a="http://schemas.openxmlformats.org/drawingml/2006/main" xmlns:r="http://schemas.openxmlformats.org/officeDocument/2006/relationships" xmlns:p="http://schemas.openxmlformats.org/presentationml/2006/main">
-  <p:cSld>
-    <p:spTree>
-      <p:nvGrpSpPr>
-        <p:cNvPr id="1" name=""/>
-        <p:cNvGrpSpPr/>
-        <p:nvPr/>
-      </p:nvGrpSpPr>
-      <p:grpSpPr>
-        <a:xfrm>
-          <a:off x="0" y="0"/>
-          <a:ext cx="0" cy="0"/>
-          <a:chOff x="0" y="0"/>
-          <a:chExt cx="0" cy="0"/>
-        </a:xfrm>
-      </p:grpSpPr>
-      <p:sp>
-        <p:nvSpPr>
-          <p:cNvPr id="2" name="Title 1"/>
-          <p:cNvSpPr>
-            <a:spLocks noGrp="1"/>
-          </p:cNvSpPr>
-          <p:nvPr>
-            <p:ph type="title"/>
-          </p:nvPr>
-        </p:nvSpPr>
-        <p:spPr/>
-        <p:txBody>
-          <a:bodyPr>
-            <a:normAutofit fontScale="90000"/>
-          </a:bodyPr>
-          <a:lstStyle/>
-          <a:p>
-            <a:r>
-              <a:rPr lang="en-US" dirty="0" err="1" smtClean="0"/>
-              <a:t>Estructura</a:t>
-            </a:r>
-            <a:r>
-              <a:rPr lang="en-US" dirty="0" smtClean="0"/>
-              <a:t> de </a:t>
-            </a:r>
-            <a:r>
-              <a:rPr lang="en-US" dirty="0" err="1" smtClean="0"/>
-              <a:t>datos</a:t>
-            </a:r>
-            <a:r>
-              <a:rPr lang="en-US" dirty="0" smtClean="0"/>
-              <a:t> </a:t>
-            </a:r>
-            <a:r>
-              <a:rPr lang="en-US" dirty="0" err="1" smtClean="0"/>
-              <a:t>arreglo</a:t>
-            </a:r>
-            <a:r>
-              <a:rPr lang="en-US" dirty="0" smtClean="0"/>
-              <a:t> o </a:t>
-            </a:r>
-            <a:r>
-              <a:rPr lang="en-US" dirty="0" err="1" smtClean="0"/>
-              <a:t>conjunto</a:t>
-            </a:r>
-            <a:endParaRPr lang="en-US" dirty="0"/>
-          </a:p>
-        </p:txBody>
-      </p:sp>
-      <p:sp>
-        <p:nvSpPr>
-          <p:cNvPr id="3" name="Content Placeholder 2"/>
-          <p:cNvSpPr>
-            <a:spLocks noGrp="1"/>
-          </p:cNvSpPr>
-          <p:nvPr>
-            <p:ph idx="1"/>
-          </p:nvPr>
-        </p:nvSpPr>
-        <p:spPr/>
-        <p:txBody>
-          <a:bodyPr/>
-          <a:lstStyle/>
-          <a:p>
-            <a:r>
-              <a:rPr lang="en-US" dirty="0" err="1" smtClean="0"/>
-              <a:t>Propiedades</a:t>
-            </a:r>
-            <a:r>
-              <a:rPr lang="en-US" dirty="0" smtClean="0"/>
-              <a:t> de los </a:t>
-            </a:r>
-            <a:r>
-              <a:rPr lang="en-US" dirty="0" err="1" smtClean="0"/>
-              <a:t>arreglos</a:t>
-            </a:r>
-            <a:endParaRPr lang="en-US" dirty="0" smtClean="0"/>
-          </a:p>
-          <a:p>
-            <a:pPr lvl="1"/>
-            <a:r>
-              <a:rPr lang="en-US" dirty="0" smtClean="0"/>
-              <a:t>Son </a:t>
-            </a:r>
-            <a:r>
-              <a:rPr lang="en-US" dirty="0" err="1" smtClean="0"/>
-              <a:t>ordenados</a:t>
-            </a:r>
-            <a:endParaRPr lang="en-US" dirty="0" smtClean="0"/>
-          </a:p>
-          <a:p>
-            <a:pPr lvl="1"/>
-            <a:r>
-              <a:rPr lang="en-US" dirty="0" err="1" smtClean="0"/>
-              <a:t>Pueden</a:t>
-            </a:r>
-            <a:r>
-              <a:rPr lang="en-US" dirty="0" smtClean="0"/>
-              <a:t> </a:t>
-            </a:r>
-            <a:r>
-              <a:rPr lang="en-US" dirty="0" err="1" smtClean="0"/>
-              <a:t>tener</a:t>
-            </a:r>
-            <a:r>
-              <a:rPr lang="en-US" dirty="0" smtClean="0"/>
-              <a:t> de 0 a </a:t>
-            </a:r>
-            <a:r>
-              <a:rPr lang="en-US" dirty="0" err="1" smtClean="0"/>
-              <a:t>infinitos</a:t>
-            </a:r>
-            <a:r>
-              <a:rPr lang="en-US" dirty="0" smtClean="0"/>
-              <a:t> </a:t>
-            </a:r>
-            <a:r>
-              <a:rPr lang="en-US" dirty="0" err="1" smtClean="0"/>
-              <a:t>elementos</a:t>
-            </a:r>
-            <a:endParaRPr lang="en-US" dirty="0" smtClean="0"/>
-          </a:p>
-          <a:p>
-            <a:pPr lvl="1"/>
-            <a:r>
-              <a:rPr lang="en-US" dirty="0" smtClean="0"/>
-              <a:t>La </a:t>
-            </a:r>
-            <a:r>
-              <a:rPr lang="en-US" dirty="0" err="1" smtClean="0"/>
-              <a:t>cantidad</a:t>
-            </a:r>
-            <a:r>
-              <a:rPr lang="en-US" dirty="0" smtClean="0"/>
-              <a:t> de </a:t>
-            </a:r>
-            <a:r>
-              <a:rPr lang="en-US" dirty="0" err="1" smtClean="0"/>
-              <a:t>elementos</a:t>
-            </a:r>
-            <a:r>
-              <a:rPr lang="en-US" dirty="0" smtClean="0"/>
-              <a:t> de un </a:t>
-            </a:r>
-            <a:r>
-              <a:rPr lang="en-US" dirty="0" err="1" smtClean="0"/>
-              <a:t>arreglo</a:t>
-            </a:r>
-            <a:r>
-              <a:rPr lang="en-US" dirty="0" smtClean="0"/>
-              <a:t> se llama largo y se </a:t>
-            </a:r>
-            <a:r>
-              <a:rPr lang="en-US" dirty="0" err="1" smtClean="0"/>
-              <a:t>escribe</a:t>
-            </a:r>
-            <a:r>
-              <a:rPr lang="en-US" dirty="0" smtClean="0"/>
-              <a:t> </a:t>
-            </a:r>
-            <a:r>
-              <a:rPr lang="en-US" dirty="0" err="1" smtClean="0"/>
-              <a:t>así</a:t>
-            </a:r>
-            <a:r>
-              <a:rPr lang="en-US" dirty="0" smtClean="0"/>
-              <a:t> </a:t>
-            </a:r>
-            <a:r>
-              <a:rPr lang="en-US" dirty="0" err="1" smtClean="0"/>
-              <a:t>arreglo.largo</a:t>
-            </a:r>
-            <a:endParaRPr lang="en-US" dirty="0" smtClean="0"/>
-          </a:p>
-          <a:p>
-            <a:pPr lvl="1"/>
-            <a:r>
-              <a:rPr lang="en-US" dirty="0" err="1" smtClean="0"/>
-              <a:t>Cada</a:t>
-            </a:r>
-            <a:r>
-              <a:rPr lang="en-US" dirty="0" smtClean="0"/>
-              <a:t> </a:t>
-            </a:r>
-            <a:r>
-              <a:rPr lang="en-US" dirty="0" err="1" smtClean="0"/>
-              <a:t>elemento</a:t>
-            </a:r>
-            <a:r>
-              <a:rPr lang="en-US" dirty="0" smtClean="0"/>
-              <a:t> </a:t>
-            </a:r>
-            <a:r>
-              <a:rPr lang="en-US" dirty="0" err="1" smtClean="0"/>
-              <a:t>tiene</a:t>
-            </a:r>
-            <a:r>
-              <a:rPr lang="en-US" dirty="0" smtClean="0"/>
-              <a:t> un </a:t>
-            </a:r>
-            <a:r>
-              <a:rPr lang="en-US" dirty="0" err="1" smtClean="0"/>
-              <a:t>número</a:t>
-            </a:r>
-            <a:r>
-              <a:rPr lang="en-US" dirty="0" smtClean="0"/>
-              <a:t> de </a:t>
-            </a:r>
-            <a:r>
-              <a:rPr lang="en-US" dirty="0" err="1" smtClean="0"/>
-              <a:t>índice</a:t>
-            </a:r>
-            <a:r>
-              <a:rPr lang="en-US" dirty="0" smtClean="0"/>
-              <a:t> </a:t>
-            </a:r>
-            <a:r>
-              <a:rPr lang="en-US" dirty="0" err="1" smtClean="0"/>
-              <a:t>que</a:t>
-            </a:r>
-            <a:r>
-              <a:rPr lang="en-US" dirty="0" smtClean="0"/>
-              <a:t> </a:t>
-            </a:r>
-            <a:r>
-              <a:rPr lang="en-US" dirty="0" err="1" smtClean="0"/>
-              <a:t>empieza</a:t>
-            </a:r>
-            <a:r>
-              <a:rPr lang="en-US" dirty="0" smtClean="0"/>
-              <a:t> en 0</a:t>
-            </a:r>
-          </a:p>
-          <a:p>
-            <a:pPr lvl="1"/>
-            <a:r>
-              <a:rPr lang="en-US" dirty="0" err="1" smtClean="0"/>
-              <a:t>Ejemplo</a:t>
-            </a:r>
-            <a:endParaRPr lang="en-US" dirty="0" smtClean="0"/>
-          </a:p>
-          <a:p>
-            <a:pPr lvl="1"/>
-            <a:r>
-              <a:rPr lang="en-US" dirty="0" smtClean="0"/>
-              <a:t>[a, b, c, d, e]</a:t>
-            </a:r>
-          </a:p>
-          <a:p>
-            <a:pPr lvl="1"/>
-            <a:r>
-              <a:rPr lang="en-US" dirty="0" smtClean="0"/>
-              <a:t>El largo de </a:t>
-            </a:r>
-            <a:r>
-              <a:rPr lang="en-US" dirty="0" err="1" smtClean="0"/>
-              <a:t>este</a:t>
-            </a:r>
-            <a:r>
-              <a:rPr lang="en-US" dirty="0" smtClean="0"/>
-              <a:t> </a:t>
-            </a:r>
-            <a:r>
-              <a:rPr lang="en-US" dirty="0" err="1" smtClean="0"/>
-              <a:t>arreglo</a:t>
-            </a:r>
-            <a:r>
-              <a:rPr lang="en-US" dirty="0" smtClean="0"/>
-              <a:t> </a:t>
-            </a:r>
-            <a:r>
-              <a:rPr lang="en-US" dirty="0" err="1" smtClean="0"/>
-              <a:t>es</a:t>
-            </a:r>
-            <a:r>
-              <a:rPr lang="en-US" dirty="0" smtClean="0"/>
-              <a:t> 5, la </a:t>
-            </a:r>
-            <a:r>
-              <a:rPr lang="en-US" dirty="0" err="1" smtClean="0"/>
-              <a:t>primera</a:t>
-            </a:r>
-            <a:r>
-              <a:rPr lang="en-US" dirty="0" smtClean="0"/>
-              <a:t> </a:t>
-            </a:r>
-            <a:r>
-              <a:rPr lang="en-US" dirty="0" err="1" smtClean="0"/>
-              <a:t>posición</a:t>
-            </a:r>
-            <a:r>
-              <a:rPr lang="en-US" dirty="0" smtClean="0"/>
-              <a:t> </a:t>
-            </a:r>
-            <a:r>
-              <a:rPr lang="en-US" dirty="0" err="1" smtClean="0"/>
-              <a:t>es</a:t>
-            </a:r>
-            <a:r>
-              <a:rPr lang="en-US" dirty="0" smtClean="0"/>
-              <a:t> 0 y la </a:t>
-            </a:r>
-            <a:r>
-              <a:rPr lang="en-US" dirty="0" err="1" smtClean="0"/>
-              <a:t>última</a:t>
-            </a:r>
-            <a:r>
-              <a:rPr lang="en-US" dirty="0" smtClean="0"/>
-              <a:t> </a:t>
-            </a:r>
-            <a:r>
-              <a:rPr lang="en-US" dirty="0" err="1" smtClean="0"/>
-              <a:t>es</a:t>
-            </a:r>
-            <a:r>
-              <a:rPr lang="en-US" dirty="0" smtClean="0"/>
-              <a:t> 4.</a:t>
-            </a:r>
-          </a:p>
-          <a:p>
-            <a:pPr lvl="1"/>
-            <a:r>
-              <a:rPr lang="en-US" dirty="0" smtClean="0"/>
-              <a:t>Para </a:t>
-            </a:r>
-            <a:r>
-              <a:rPr lang="en-US" dirty="0" err="1" smtClean="0"/>
-              <a:t>accesar</a:t>
-            </a:r>
-            <a:r>
-              <a:rPr lang="en-US" dirty="0" smtClean="0"/>
-              <a:t> el valor del </a:t>
-            </a:r>
-            <a:r>
-              <a:rPr lang="en-US" dirty="0" err="1" smtClean="0"/>
-              <a:t>arreglo</a:t>
-            </a:r>
-            <a:r>
-              <a:rPr lang="en-US" dirty="0" smtClean="0"/>
-              <a:t> en un </a:t>
-            </a:r>
-            <a:r>
-              <a:rPr lang="en-US" dirty="0" err="1" smtClean="0"/>
-              <a:t>índice</a:t>
-            </a:r>
-            <a:r>
-              <a:rPr lang="en-US" dirty="0" smtClean="0"/>
-              <a:t> particular </a:t>
-            </a:r>
-            <a:r>
-              <a:rPr lang="en-US" dirty="0" err="1" smtClean="0"/>
-              <a:t>usarmos</a:t>
-            </a:r>
-            <a:endParaRPr lang="en-US" dirty="0" smtClean="0"/>
-          </a:p>
-          <a:p>
-            <a:pPr lvl="1"/>
-            <a:r>
-              <a:rPr lang="en-US" dirty="0" err="1" smtClean="0"/>
-              <a:t>Arreglo</a:t>
-            </a:r>
-            <a:r>
-              <a:rPr lang="en-US" dirty="0" smtClean="0"/>
-              <a:t>[1] en el </a:t>
-            </a:r>
-            <a:r>
-              <a:rPr lang="en-US" dirty="0" err="1" smtClean="0"/>
-              <a:t>ejemplo</a:t>
-            </a:r>
-            <a:r>
-              <a:rPr lang="en-US" dirty="0" smtClean="0"/>
-              <a:t> de </a:t>
-            </a:r>
-            <a:r>
-              <a:rPr lang="en-US" dirty="0" err="1" smtClean="0"/>
-              <a:t>arriba</a:t>
-            </a:r>
-            <a:r>
-              <a:rPr lang="en-US" dirty="0" smtClean="0"/>
-              <a:t> </a:t>
-            </a:r>
-            <a:r>
-              <a:rPr lang="en-US" dirty="0" err="1" smtClean="0"/>
-              <a:t>eso</a:t>
-            </a:r>
-            <a:r>
-              <a:rPr lang="en-US" dirty="0" smtClean="0"/>
-              <a:t> </a:t>
-            </a:r>
-            <a:r>
-              <a:rPr lang="en-US" dirty="0" err="1" smtClean="0"/>
-              <a:t>sería</a:t>
-            </a:r>
-            <a:r>
-              <a:rPr lang="en-US" dirty="0" smtClean="0"/>
-              <a:t> b</a:t>
-            </a:r>
-          </a:p>
-        </p:txBody>
-      </p:sp>
-    </p:spTree>
-    <p:extLst>
-      <p:ext uri="{BB962C8B-B14F-4D97-AF65-F5344CB8AC3E}">
-        <p14:creationId xmlns:p14="http://schemas.microsoft.com/office/powerpoint/2010/main" val="1107287060"/>
-      </p:ext>
-    </p:extLst>
-  </p:cSld>
-  <p:clrMapOvr>
-    <a:masterClrMapping/>
-  </p:clrMapOvr>
-</p:sld>
-</file>
-
-<file path=ppt/slides/slide6.xml><?xml version="1.0" encoding="utf-8"?>
-<p:sld xmlns:a="http://schemas.openxmlformats.org/drawingml/2006/main" xmlns:r="http://schemas.openxmlformats.org/officeDocument/2006/relationships" xmlns:p="http://schemas.openxmlformats.org/presentationml/2006/main">
-  <p:cSld>
-    <p:spTree>
-      <p:nvGrpSpPr>
-        <p:cNvPr id="1" name=""/>
-        <p:cNvGrpSpPr/>
-        <p:nvPr/>
-      </p:nvGrpSpPr>
-      <p:grpSpPr>
-        <a:xfrm>
-          <a:off x="0" y="0"/>
-          <a:ext cx="0" cy="0"/>
-          <a:chOff x="0" y="0"/>
-          <a:chExt cx="0" cy="0"/>
-        </a:xfrm>
-      </p:grpSpPr>
-      <p:sp>
-        <p:nvSpPr>
-          <p:cNvPr id="2" name="Title 1"/>
-          <p:cNvSpPr>
-            <a:spLocks noGrp="1"/>
-          </p:cNvSpPr>
-          <p:nvPr>
-            <p:ph type="title"/>
-          </p:nvPr>
-        </p:nvSpPr>
-        <p:spPr/>
-        <p:txBody>
-          <a:bodyPr>
-            <a:normAutofit fontScale="90000"/>
-          </a:bodyPr>
-          <a:lstStyle/>
-          <a:p>
-            <a:r>
-              <a:rPr lang="en-US" dirty="0" err="1"/>
-              <a:t>Estructura</a:t>
-            </a:r>
-            <a:r>
-              <a:rPr lang="en-US" dirty="0"/>
-              <a:t> de </a:t>
-            </a:r>
-            <a:r>
-              <a:rPr lang="en-US" dirty="0" err="1"/>
-              <a:t>datos</a:t>
-            </a:r>
-            <a:r>
-              <a:rPr lang="en-US" dirty="0"/>
-              <a:t> </a:t>
-            </a:r>
-            <a:r>
-              <a:rPr lang="en-US" dirty="0" err="1"/>
-              <a:t>arreglo</a:t>
-            </a:r>
-            <a:r>
-              <a:rPr lang="en-US" dirty="0"/>
-              <a:t> o </a:t>
-            </a:r>
-            <a:r>
-              <a:rPr lang="en-US" dirty="0" err="1"/>
-              <a:t>conjunto</a:t>
-            </a:r>
-            <a:endParaRPr lang="en-US" dirty="0"/>
-          </a:p>
-        </p:txBody>
-      </p:sp>
-      <p:sp>
-        <p:nvSpPr>
-          <p:cNvPr id="3" name="Content Placeholder 2"/>
-          <p:cNvSpPr>
-            <a:spLocks noGrp="1"/>
-          </p:cNvSpPr>
-          <p:nvPr>
-            <p:ph idx="1"/>
-          </p:nvPr>
-        </p:nvSpPr>
-        <p:spPr/>
-        <p:txBody>
-          <a:bodyPr/>
-          <a:lstStyle/>
-          <a:p>
-            <a:r>
-              <a:rPr lang="en-US" dirty="0" smtClean="0"/>
-              <a:t>Para </a:t>
-            </a:r>
-            <a:r>
-              <a:rPr lang="en-US" dirty="0" err="1" smtClean="0"/>
-              <a:t>agregar</a:t>
-            </a:r>
-            <a:r>
-              <a:rPr lang="en-US" dirty="0" smtClean="0"/>
-              <a:t> </a:t>
-            </a:r>
-            <a:r>
-              <a:rPr lang="en-US" dirty="0" err="1" smtClean="0"/>
-              <a:t>elementos</a:t>
-            </a:r>
-            <a:r>
-              <a:rPr lang="en-US" dirty="0" smtClean="0"/>
-              <a:t> a un </a:t>
-            </a:r>
-            <a:r>
-              <a:rPr lang="en-US" dirty="0" err="1" smtClean="0"/>
-              <a:t>arreglo</a:t>
-            </a:r>
-            <a:r>
-              <a:rPr lang="en-US" dirty="0" smtClean="0"/>
-              <a:t> </a:t>
-            </a:r>
-            <a:r>
-              <a:rPr lang="en-US" dirty="0" err="1" smtClean="0"/>
-              <a:t>usamos</a:t>
-            </a:r>
-            <a:r>
-              <a:rPr lang="en-US" dirty="0" smtClean="0"/>
-              <a:t> la </a:t>
-            </a:r>
-            <a:r>
-              <a:rPr lang="en-US" dirty="0" err="1" smtClean="0"/>
-              <a:t>instrucción</a:t>
-            </a:r>
-            <a:r>
-              <a:rPr lang="en-US" dirty="0" smtClean="0"/>
-              <a:t> </a:t>
-            </a:r>
-            <a:r>
-              <a:rPr lang="en-US" dirty="0" err="1" smtClean="0"/>
-              <a:t>arreglo.agregar</a:t>
-            </a:r>
-            <a:r>
-              <a:rPr lang="en-US" dirty="0" smtClean="0"/>
-              <a:t>()</a:t>
-            </a:r>
-          </a:p>
-          <a:p>
-            <a:r>
-              <a:rPr lang="en-US" dirty="0" err="1" smtClean="0"/>
-              <a:t>Ejemplo</a:t>
-            </a:r>
-            <a:r>
-              <a:rPr lang="en-US" dirty="0" smtClean="0"/>
-              <a:t>:</a:t>
-            </a:r>
-          </a:p>
-          <a:p>
-            <a:r>
-              <a:rPr lang="en-US" dirty="0" err="1" smtClean="0"/>
-              <a:t>Conjunto</a:t>
-            </a:r>
-            <a:r>
-              <a:rPr lang="en-US" dirty="0" smtClean="0"/>
-              <a:t> = [a, b, c, d]</a:t>
-            </a:r>
-          </a:p>
-          <a:p>
-            <a:r>
-              <a:rPr lang="en-US" dirty="0" err="1" smtClean="0"/>
-              <a:t>Conjunto.agregar</a:t>
-            </a:r>
-            <a:r>
-              <a:rPr lang="en-US" dirty="0" smtClean="0"/>
-              <a:t>(e);</a:t>
-            </a:r>
-          </a:p>
-          <a:p>
-            <a:r>
-              <a:rPr lang="en-US" dirty="0" err="1" smtClean="0"/>
-              <a:t>Ahora</a:t>
-            </a:r>
-            <a:r>
-              <a:rPr lang="en-US" dirty="0" smtClean="0"/>
-              <a:t> </a:t>
-            </a:r>
-            <a:r>
-              <a:rPr lang="en-US" dirty="0" err="1" smtClean="0"/>
-              <a:t>conjunto</a:t>
-            </a:r>
-            <a:r>
-              <a:rPr lang="en-US" dirty="0" smtClean="0"/>
-              <a:t> </a:t>
-            </a:r>
-            <a:r>
-              <a:rPr lang="en-US" dirty="0" err="1" smtClean="0"/>
-              <a:t>es</a:t>
-            </a:r>
-            <a:r>
-              <a:rPr lang="en-US" dirty="0" smtClean="0"/>
-              <a:t> [a, b, c, d, e]</a:t>
-            </a:r>
-          </a:p>
-          <a:p>
-            <a:r>
-              <a:rPr lang="en-US" dirty="0" err="1" smtClean="0"/>
-              <a:t>Siempre</a:t>
-            </a:r>
-            <a:r>
-              <a:rPr lang="en-US" dirty="0" smtClean="0"/>
-              <a:t> los </a:t>
-            </a:r>
-            <a:r>
-              <a:rPr lang="en-US" dirty="0" err="1" smtClean="0"/>
-              <a:t>elementos</a:t>
-            </a:r>
-            <a:r>
-              <a:rPr lang="en-US" dirty="0" smtClean="0"/>
-              <a:t> se </a:t>
-            </a:r>
-            <a:r>
-              <a:rPr lang="en-US" dirty="0" err="1" smtClean="0"/>
-              <a:t>agregan</a:t>
-            </a:r>
-            <a:r>
-              <a:rPr lang="en-US" dirty="0" smtClean="0"/>
-              <a:t> al final</a:t>
-            </a:r>
-            <a:endParaRPr lang="en-US" dirty="0"/>
-          </a:p>
-        </p:txBody>
-      </p:sp>
-    </p:spTree>
-    <p:extLst>
-      <p:ext uri="{BB962C8B-B14F-4D97-AF65-F5344CB8AC3E}">
-        <p14:creationId xmlns:p14="http://schemas.microsoft.com/office/powerpoint/2010/main" val="3319545207"/>
-      </p:ext>
-    </p:extLst>
-  </p:cSld>
-  <p:clrMapOvr>
-    <a:masterClrMapping/>
-  </p:clrMapOvr>
-</p:sld>
-</file>
-
-<file path=ppt/slides/slide7.xml><?xml version="1.0" encoding="utf-8"?>
-<p:sld xmlns:a="http://schemas.openxmlformats.org/drawingml/2006/main" xmlns:r="http://schemas.openxmlformats.org/officeDocument/2006/relationships" xmlns:p="http://schemas.openxmlformats.org/presentationml/2006/main">
-  <p:cSld>
-    <p:spTree>
-      <p:nvGrpSpPr>
-        <p:cNvPr id="1" name=""/>
-        <p:cNvGrpSpPr/>
-        <p:nvPr/>
-      </p:nvGrpSpPr>
-      <p:grpSpPr>
-        <a:xfrm>
-          <a:off x="0" y="0"/>
-          <a:ext cx="0" cy="0"/>
-          <a:chOff x="0" y="0"/>
-          <a:chExt cx="0" cy="0"/>
-        </a:xfrm>
-      </p:grpSpPr>
-      <p:sp>
-        <p:nvSpPr>
-          <p:cNvPr id="2" name="Title 1"/>
-          <p:cNvSpPr>
-            <a:spLocks noGrp="1"/>
-          </p:cNvSpPr>
-          <p:nvPr>
-            <p:ph type="title"/>
-          </p:nvPr>
-        </p:nvSpPr>
-        <p:spPr/>
-        <p:txBody>
-          <a:bodyPr>
-            <a:normAutofit fontScale="90000"/>
-          </a:bodyPr>
-          <a:lstStyle/>
-          <a:p>
-            <a:r>
-              <a:rPr lang="en-US" dirty="0" err="1" smtClean="0"/>
-              <a:t>Estructura</a:t>
-            </a:r>
-            <a:r>
-              <a:rPr lang="en-US" dirty="0" smtClean="0"/>
-              <a:t> de </a:t>
-            </a:r>
-            <a:r>
-              <a:rPr lang="en-US" dirty="0" err="1" smtClean="0"/>
-              <a:t>datos</a:t>
-            </a:r>
-            <a:r>
-              <a:rPr lang="en-US" dirty="0" smtClean="0"/>
-              <a:t> </a:t>
-            </a:r>
-            <a:r>
-              <a:rPr lang="en-US" dirty="0" err="1" smtClean="0"/>
-              <a:t>arreglo</a:t>
-            </a:r>
-            <a:r>
-              <a:rPr lang="en-US" dirty="0" smtClean="0"/>
-              <a:t> o </a:t>
-            </a:r>
-            <a:r>
-              <a:rPr lang="en-US" dirty="0" err="1" smtClean="0"/>
-              <a:t>conjunto</a:t>
-            </a:r>
-            <a:endParaRPr lang="en-US" dirty="0"/>
-          </a:p>
-        </p:txBody>
-      </p:sp>
-      <p:sp>
-        <p:nvSpPr>
-          <p:cNvPr id="3" name="Content Placeholder 2"/>
-          <p:cNvSpPr>
-            <a:spLocks noGrp="1"/>
-          </p:cNvSpPr>
-          <p:nvPr>
-            <p:ph idx="1"/>
-          </p:nvPr>
-        </p:nvSpPr>
-        <p:spPr/>
-        <p:txBody>
-          <a:bodyPr>
-            <a:normAutofit lnSpcReduction="10000"/>
-          </a:bodyPr>
-          <a:lstStyle/>
-          <a:p>
-            <a:r>
-              <a:rPr lang="en-US" dirty="0"/>
-              <a:t>Los </a:t>
-            </a:r>
-            <a:r>
-              <a:rPr lang="en-US" dirty="0" err="1"/>
-              <a:t>arreglos</a:t>
-            </a:r>
-            <a:r>
-              <a:rPr lang="en-US" dirty="0"/>
-              <a:t> se </a:t>
-            </a:r>
-            <a:r>
-              <a:rPr lang="en-US" dirty="0" err="1"/>
-              <a:t>usan</a:t>
-            </a:r>
-            <a:r>
-              <a:rPr lang="en-US" dirty="0"/>
-              <a:t> mucho con </a:t>
-            </a:r>
-            <a:r>
-              <a:rPr lang="en-US" dirty="0" err="1"/>
-              <a:t>ciclos</a:t>
-            </a:r>
-            <a:r>
-              <a:rPr lang="en-US" dirty="0"/>
-              <a:t> for </a:t>
-            </a:r>
-            <a:r>
-              <a:rPr lang="en-US" dirty="0" err="1"/>
-              <a:t>para</a:t>
-            </a:r>
-            <a:r>
-              <a:rPr lang="en-US" dirty="0"/>
-              <a:t> </a:t>
-            </a:r>
-            <a:r>
-              <a:rPr lang="en-US" dirty="0" err="1"/>
-              <a:t>recorrer</a:t>
-            </a:r>
-            <a:r>
-              <a:rPr lang="en-US" dirty="0"/>
-              <a:t> </a:t>
-            </a:r>
-            <a:r>
-              <a:rPr lang="en-US" dirty="0" err="1"/>
-              <a:t>todos</a:t>
-            </a:r>
-            <a:r>
-              <a:rPr lang="en-US" dirty="0"/>
-              <a:t> los </a:t>
-            </a:r>
-            <a:r>
-              <a:rPr lang="en-US" dirty="0" err="1"/>
-              <a:t>elementos</a:t>
-            </a:r>
-            <a:r>
-              <a:rPr lang="en-US" dirty="0"/>
-              <a:t> del </a:t>
-            </a:r>
-            <a:r>
-              <a:rPr lang="en-US" dirty="0" err="1"/>
-              <a:t>arreglo</a:t>
-            </a:r>
-            <a:r>
-              <a:rPr lang="en-US" dirty="0"/>
-              <a:t>. </a:t>
-            </a:r>
-            <a:endParaRPr lang="en-US" dirty="0" smtClean="0"/>
-          </a:p>
-          <a:p>
-            <a:r>
-              <a:rPr lang="en-US" dirty="0" err="1" smtClean="0"/>
-              <a:t>Veamos</a:t>
-            </a:r>
-            <a:r>
-              <a:rPr lang="en-US" dirty="0" smtClean="0"/>
-              <a:t> </a:t>
-            </a:r>
-            <a:r>
-              <a:rPr lang="en-US" dirty="0"/>
-              <a:t>un </a:t>
-            </a:r>
-            <a:r>
-              <a:rPr lang="en-US" dirty="0" err="1"/>
-              <a:t>ejemplo</a:t>
-            </a:r>
-            <a:r>
-              <a:rPr lang="en-US" dirty="0"/>
-              <a:t> de </a:t>
-            </a:r>
-            <a:r>
-              <a:rPr lang="en-US" dirty="0" err="1"/>
-              <a:t>como</a:t>
-            </a:r>
-            <a:r>
-              <a:rPr lang="en-US" dirty="0"/>
-              <a:t> </a:t>
-            </a:r>
-            <a:r>
-              <a:rPr lang="en-US" dirty="0" err="1"/>
-              <a:t>hacerlo</a:t>
-            </a:r>
-            <a:endParaRPr lang="en-US" dirty="0"/>
-          </a:p>
-          <a:p>
-            <a:r>
-              <a:rPr lang="en-US" dirty="0" err="1"/>
-              <a:t>Programa</a:t>
-            </a:r>
-            <a:r>
-              <a:rPr lang="en-US" dirty="0"/>
-              <a:t> </a:t>
-            </a:r>
-            <a:r>
-              <a:rPr lang="en-US" dirty="0" err="1"/>
-              <a:t>para</a:t>
-            </a:r>
-            <a:r>
-              <a:rPr lang="en-US" dirty="0"/>
-              <a:t> saber </a:t>
-            </a:r>
-            <a:r>
-              <a:rPr lang="en-US" dirty="0" err="1"/>
-              <a:t>cuales</a:t>
-            </a:r>
-            <a:r>
-              <a:rPr lang="en-US" dirty="0"/>
-              <a:t> </a:t>
-            </a:r>
-            <a:r>
-              <a:rPr lang="en-US" dirty="0" err="1"/>
-              <a:t>números</a:t>
-            </a:r>
-            <a:r>
-              <a:rPr lang="en-US" dirty="0"/>
-              <a:t> en un </a:t>
-            </a:r>
-            <a:r>
-              <a:rPr lang="en-US" dirty="0" err="1"/>
-              <a:t>conjunto</a:t>
-            </a:r>
-            <a:r>
-              <a:rPr lang="en-US" dirty="0"/>
-              <a:t> son pares</a:t>
-            </a:r>
-          </a:p>
-          <a:p>
-            <a:r>
-              <a:rPr lang="en-US" dirty="0" err="1"/>
-              <a:t>Inicio</a:t>
-            </a:r>
-            <a:endParaRPr lang="en-US" dirty="0"/>
-          </a:p>
-          <a:p>
-            <a:r>
-              <a:rPr lang="en-US" dirty="0" err="1"/>
-              <a:t>Conjunto</a:t>
-            </a:r>
-            <a:r>
-              <a:rPr lang="en-US" dirty="0"/>
-              <a:t> = [2,5,7,8,10]</a:t>
-            </a:r>
-          </a:p>
-          <a:p>
-            <a:r>
-              <a:rPr lang="en-US" dirty="0" err="1"/>
-              <a:t>Ciclo</a:t>
-            </a:r>
-            <a:r>
-              <a:rPr lang="en-US" dirty="0"/>
-              <a:t> for(i del 0 al </a:t>
-            </a:r>
-            <a:r>
-              <a:rPr lang="en-US" dirty="0" smtClean="0"/>
-              <a:t>conjunto.largo-1 </a:t>
-            </a:r>
-            <a:r>
-              <a:rPr lang="en-US" dirty="0" err="1" smtClean="0"/>
-              <a:t>incrementa</a:t>
-            </a:r>
-            <a:r>
-              <a:rPr lang="en-US" dirty="0" smtClean="0"/>
-              <a:t> en 1)</a:t>
-            </a:r>
-          </a:p>
-          <a:p>
-            <a:pPr lvl="1"/>
-            <a:r>
-              <a:rPr lang="en-US" dirty="0" smtClean="0"/>
-              <a:t>Si </a:t>
-            </a:r>
-            <a:r>
-              <a:rPr lang="en-US" dirty="0" err="1" smtClean="0"/>
-              <a:t>conjunto</a:t>
-            </a:r>
-            <a:r>
-              <a:rPr lang="en-US" dirty="0" smtClean="0"/>
-              <a:t>[i] % 2 = 0 </a:t>
-            </a:r>
-            <a:r>
-              <a:rPr lang="en-US" dirty="0" err="1" smtClean="0"/>
-              <a:t>entonces</a:t>
-            </a:r>
-            <a:endParaRPr lang="en-US" dirty="0" smtClean="0"/>
-          </a:p>
-          <a:p>
-            <a:pPr lvl="2"/>
-            <a:r>
-              <a:rPr lang="en-US" dirty="0" err="1" smtClean="0"/>
-              <a:t>Imprimir</a:t>
-            </a:r>
-            <a:r>
-              <a:rPr lang="en-US" dirty="0" smtClean="0"/>
-              <a:t>(</a:t>
-            </a:r>
-            <a:r>
-              <a:rPr lang="en-US" dirty="0" err="1" smtClean="0"/>
-              <a:t>conjunto</a:t>
-            </a:r>
-            <a:r>
-              <a:rPr lang="en-US" dirty="0" smtClean="0"/>
-              <a:t>[i] </a:t>
-            </a:r>
-            <a:r>
-              <a:rPr lang="en-US" dirty="0" err="1" smtClean="0"/>
-              <a:t>es</a:t>
-            </a:r>
-            <a:r>
-              <a:rPr lang="en-US" dirty="0" smtClean="0"/>
-              <a:t> par)</a:t>
-            </a:r>
-          </a:p>
-          <a:p>
-            <a:pPr lvl="1"/>
-            <a:r>
-              <a:rPr lang="en-US" dirty="0" smtClean="0"/>
-              <a:t>Fin </a:t>
-            </a:r>
-            <a:r>
-              <a:rPr lang="en-US" dirty="0" err="1" smtClean="0"/>
-              <a:t>si</a:t>
-            </a:r>
-            <a:endParaRPr lang="en-US" dirty="0"/>
-          </a:p>
-          <a:p>
-            <a:r>
-              <a:rPr lang="en-US" dirty="0" smtClean="0"/>
-              <a:t> fin </a:t>
-            </a:r>
-            <a:r>
-              <a:rPr lang="en-US" dirty="0" err="1" smtClean="0"/>
-              <a:t>ciclo</a:t>
-            </a:r>
-            <a:r>
-              <a:rPr lang="en-US" dirty="0" smtClean="0"/>
-              <a:t> for</a:t>
-            </a:r>
-          </a:p>
-          <a:p>
-            <a:r>
-              <a:rPr lang="en-US" dirty="0" smtClean="0"/>
-              <a:t>fin</a:t>
-            </a:r>
-          </a:p>
-        </p:txBody>
-      </p:sp>
-    </p:spTree>
-    <p:extLst>
-      <p:ext uri="{BB962C8B-B14F-4D97-AF65-F5344CB8AC3E}">
-        <p14:creationId xmlns:p14="http://schemas.microsoft.com/office/powerpoint/2010/main" val="3887161853"/>
-      </p:ext>
-    </p:extLst>
-  </p:cSld>
-  <p:clrMapOvr>
-    <a:masterClrMapping/>
-  </p:clrMapOvr>
-</p:sld>
-</file>
-
-<file path=ppt/slides/slide8.xml><?xml version="1.0" encoding="utf-8"?>
-<p:sld xmlns:a="http://schemas.openxmlformats.org/drawingml/2006/main" xmlns:r="http://schemas.openxmlformats.org/officeDocument/2006/relationships" xmlns:p="http://schemas.openxmlformats.org/presentationml/2006/main">
-  <p:cSld>
-    <p:spTree>
-      <p:nvGrpSpPr>
-        <p:cNvPr id="1" name=""/>
-        <p:cNvGrpSpPr/>
-        <p:nvPr/>
-      </p:nvGrpSpPr>
-      <p:grpSpPr>
-        <a:xfrm>
-          <a:off x="0" y="0"/>
-          <a:ext cx="0" cy="0"/>
-          <a:chOff x="0" y="0"/>
-          <a:chExt cx="0" cy="0"/>
-        </a:xfrm>
-      </p:grpSpPr>
-      <p:sp>
-        <p:nvSpPr>
-          <p:cNvPr id="2" name="Title 1"/>
-          <p:cNvSpPr>
-            <a:spLocks noGrp="1"/>
-          </p:cNvSpPr>
-          <p:nvPr>
-            <p:ph type="title"/>
-          </p:nvPr>
-        </p:nvSpPr>
-        <p:spPr/>
-        <p:txBody>
-          <a:bodyPr/>
-          <a:lstStyle/>
-          <a:p>
-            <a:r>
-              <a:rPr lang="en-US" dirty="0" err="1" smtClean="0"/>
-              <a:t>Ejemplo</a:t>
-            </a:r>
-            <a:r>
-              <a:rPr lang="en-US" dirty="0" smtClean="0"/>
-              <a:t> </a:t>
-            </a:r>
-            <a:r>
-              <a:rPr lang="en-US" dirty="0" err="1" smtClean="0"/>
-              <a:t>arreglos</a:t>
-            </a:r>
-            <a:r>
-              <a:rPr lang="en-US" dirty="0" smtClean="0"/>
-              <a:t>	</a:t>
-            </a:r>
-            <a:endParaRPr lang="en-US" dirty="0"/>
-          </a:p>
-        </p:txBody>
-      </p:sp>
-      <p:sp>
-        <p:nvSpPr>
-          <p:cNvPr id="3" name="Content Placeholder 2"/>
-          <p:cNvSpPr>
-            <a:spLocks noGrp="1"/>
-          </p:cNvSpPr>
-          <p:nvPr>
-            <p:ph idx="1"/>
-          </p:nvPr>
-        </p:nvSpPr>
-        <p:spPr/>
-        <p:txBody>
-          <a:bodyPr>
-            <a:normAutofit fontScale="92500" lnSpcReduction="20000"/>
-          </a:bodyPr>
-          <a:lstStyle/>
-          <a:p>
-            <a:r>
-              <a:rPr lang="en-US" dirty="0" err="1" smtClean="0"/>
-              <a:t>Programa</a:t>
-            </a:r>
-            <a:r>
-              <a:rPr lang="en-US" dirty="0" smtClean="0"/>
-              <a:t> </a:t>
-            </a:r>
-            <a:r>
-              <a:rPr lang="en-US" dirty="0" err="1" smtClean="0"/>
-              <a:t>para</a:t>
-            </a:r>
-            <a:r>
-              <a:rPr lang="en-US" dirty="0" smtClean="0"/>
-              <a:t> </a:t>
-            </a:r>
-            <a:r>
-              <a:rPr lang="en-US" dirty="0" err="1" smtClean="0"/>
-              <a:t>imprimir</a:t>
-            </a:r>
-            <a:r>
-              <a:rPr lang="en-US" dirty="0" smtClean="0"/>
-              <a:t> un </a:t>
-            </a:r>
-            <a:r>
-              <a:rPr lang="en-US" dirty="0" err="1" smtClean="0"/>
-              <a:t>arreglo</a:t>
-            </a:r>
-            <a:r>
-              <a:rPr lang="en-US" dirty="0" smtClean="0"/>
-              <a:t> de </a:t>
-            </a:r>
-            <a:r>
-              <a:rPr lang="en-US" dirty="0" err="1" smtClean="0"/>
-              <a:t>números</a:t>
-            </a:r>
-            <a:r>
-              <a:rPr lang="en-US" dirty="0" smtClean="0"/>
-              <a:t> </a:t>
-            </a:r>
-            <a:r>
-              <a:rPr lang="en-US" dirty="0" err="1" smtClean="0"/>
-              <a:t>creado</a:t>
-            </a:r>
-            <a:r>
-              <a:rPr lang="en-US" dirty="0" smtClean="0"/>
-              <a:t> </a:t>
-            </a:r>
-            <a:r>
-              <a:rPr lang="en-US" dirty="0" err="1" smtClean="0"/>
-              <a:t>por</a:t>
-            </a:r>
-            <a:r>
-              <a:rPr lang="en-US" dirty="0" smtClean="0"/>
-              <a:t> el </a:t>
-            </a:r>
-            <a:r>
-              <a:rPr lang="en-US" dirty="0" err="1" smtClean="0"/>
-              <a:t>usuario</a:t>
-            </a:r>
-            <a:endParaRPr lang="en-US" dirty="0" smtClean="0"/>
-          </a:p>
-          <a:p>
-            <a:r>
-              <a:rPr lang="en-US" dirty="0" err="1" smtClean="0"/>
-              <a:t>Inicio</a:t>
-            </a:r>
-            <a:endParaRPr lang="en-US" dirty="0" smtClean="0"/>
-          </a:p>
-          <a:p>
-            <a:r>
-              <a:rPr lang="en-US" dirty="0" err="1" smtClean="0"/>
-              <a:t>Imprimir</a:t>
-            </a:r>
-            <a:r>
-              <a:rPr lang="en-US" dirty="0" smtClean="0"/>
-              <a:t>(Si </a:t>
-            </a:r>
-            <a:r>
-              <a:rPr lang="en-US" dirty="0" err="1" smtClean="0"/>
-              <a:t>desea</a:t>
-            </a:r>
-            <a:r>
-              <a:rPr lang="en-US" dirty="0" smtClean="0"/>
-              <a:t> </a:t>
-            </a:r>
-            <a:r>
-              <a:rPr lang="en-US" dirty="0" err="1" smtClean="0"/>
-              <a:t>agregar</a:t>
-            </a:r>
-            <a:r>
-              <a:rPr lang="en-US" dirty="0" smtClean="0"/>
-              <a:t> un </a:t>
-            </a:r>
-            <a:r>
-              <a:rPr lang="en-US" dirty="0" err="1" smtClean="0"/>
-              <a:t>numero</a:t>
-            </a:r>
-            <a:r>
-              <a:rPr lang="en-US" dirty="0" smtClean="0"/>
-              <a:t> </a:t>
-            </a:r>
-            <a:r>
-              <a:rPr lang="en-US" dirty="0" err="1" smtClean="0"/>
-              <a:t>presione</a:t>
-            </a:r>
-            <a:r>
-              <a:rPr lang="en-US" dirty="0" smtClean="0"/>
-              <a:t> 1 </a:t>
-            </a:r>
-            <a:r>
-              <a:rPr lang="en-US" dirty="0" err="1" smtClean="0"/>
-              <a:t>sino</a:t>
-            </a:r>
-            <a:r>
-              <a:rPr lang="en-US" dirty="0" smtClean="0"/>
-              <a:t> </a:t>
-            </a:r>
-            <a:r>
-              <a:rPr lang="en-US" dirty="0" err="1" smtClean="0"/>
-              <a:t>presione</a:t>
-            </a:r>
-            <a:r>
-              <a:rPr lang="en-US" dirty="0" smtClean="0"/>
-              <a:t> 2)</a:t>
-            </a:r>
-          </a:p>
-          <a:p>
-            <a:r>
-              <a:rPr lang="en-US" dirty="0" smtClean="0"/>
-              <a:t>leer(</a:t>
-            </a:r>
-            <a:r>
-              <a:rPr lang="en-US" dirty="0" err="1" smtClean="0"/>
-              <a:t>opcion</a:t>
-            </a:r>
-            <a:r>
-              <a:rPr lang="en-US" dirty="0" smtClean="0"/>
-              <a:t>)</a:t>
-            </a:r>
-          </a:p>
-          <a:p>
-            <a:r>
-              <a:rPr lang="en-US" dirty="0" err="1" smtClean="0"/>
-              <a:t>Mientras</a:t>
-            </a:r>
-            <a:r>
-              <a:rPr lang="en-US" dirty="0" smtClean="0"/>
-              <a:t> </a:t>
-            </a:r>
-            <a:r>
-              <a:rPr lang="en-US" dirty="0" err="1" smtClean="0"/>
-              <a:t>opcion</a:t>
-            </a:r>
-            <a:r>
-              <a:rPr lang="en-US" dirty="0" smtClean="0"/>
-              <a:t> == 1</a:t>
-            </a:r>
-          </a:p>
-          <a:p>
-            <a:pPr lvl="1"/>
-            <a:r>
-              <a:rPr lang="en-US" dirty="0" err="1" smtClean="0"/>
-              <a:t>Imprimir</a:t>
-            </a:r>
-            <a:r>
-              <a:rPr lang="en-US" dirty="0" smtClean="0"/>
-              <a:t>(</a:t>
-            </a:r>
-            <a:r>
-              <a:rPr lang="en-US" dirty="0" err="1" smtClean="0"/>
-              <a:t>Digite</a:t>
-            </a:r>
-            <a:r>
-              <a:rPr lang="en-US" dirty="0" smtClean="0"/>
-              <a:t> el </a:t>
-            </a:r>
-            <a:r>
-              <a:rPr lang="en-US" dirty="0" err="1" smtClean="0"/>
-              <a:t>numero</a:t>
-            </a:r>
-            <a:r>
-              <a:rPr lang="en-US" dirty="0" smtClean="0"/>
-              <a:t>)</a:t>
-            </a:r>
-          </a:p>
-          <a:p>
-            <a:pPr lvl="1"/>
-            <a:r>
-              <a:rPr lang="en-US" dirty="0" smtClean="0"/>
-              <a:t>Leer(</a:t>
-            </a:r>
-            <a:r>
-              <a:rPr lang="en-US" dirty="0" err="1" smtClean="0"/>
-              <a:t>numero</a:t>
-            </a:r>
-            <a:r>
-              <a:rPr lang="en-US" dirty="0" smtClean="0"/>
-              <a:t>)</a:t>
-            </a:r>
-          </a:p>
-          <a:p>
-            <a:pPr lvl="1"/>
-            <a:r>
-              <a:rPr lang="en-US" dirty="0" err="1" smtClean="0"/>
-              <a:t>Conjunto.agregar</a:t>
-            </a:r>
-            <a:r>
-              <a:rPr lang="en-US" dirty="0" smtClean="0"/>
-              <a:t>(</a:t>
-            </a:r>
-            <a:r>
-              <a:rPr lang="en-US" dirty="0" err="1" smtClean="0"/>
-              <a:t>numero</a:t>
-            </a:r>
-            <a:r>
-              <a:rPr lang="en-US" dirty="0" smtClean="0"/>
-              <a:t>)</a:t>
-            </a:r>
-          </a:p>
-          <a:p>
-            <a:pPr lvl="1"/>
-            <a:r>
-              <a:rPr lang="en-US" dirty="0" err="1"/>
-              <a:t>Imprimir</a:t>
-            </a:r>
-            <a:r>
-              <a:rPr lang="en-US" dirty="0"/>
-              <a:t>(Si </a:t>
-            </a:r>
-            <a:r>
-              <a:rPr lang="en-US" dirty="0" err="1"/>
-              <a:t>desea</a:t>
-            </a:r>
-            <a:r>
-              <a:rPr lang="en-US" dirty="0"/>
-              <a:t> </a:t>
-            </a:r>
-            <a:r>
-              <a:rPr lang="en-US" dirty="0" err="1"/>
-              <a:t>agregar</a:t>
-            </a:r>
-            <a:r>
-              <a:rPr lang="en-US" dirty="0"/>
-              <a:t> un </a:t>
-            </a:r>
-            <a:r>
-              <a:rPr lang="en-US" dirty="0" err="1"/>
-              <a:t>numero</a:t>
-            </a:r>
-            <a:r>
-              <a:rPr lang="en-US" dirty="0"/>
-              <a:t> </a:t>
-            </a:r>
-            <a:r>
-              <a:rPr lang="en-US" dirty="0" err="1"/>
-              <a:t>presione</a:t>
-            </a:r>
-            <a:r>
-              <a:rPr lang="en-US" dirty="0"/>
-              <a:t> 1 </a:t>
-            </a:r>
-            <a:r>
-              <a:rPr lang="en-US" dirty="0" err="1"/>
-              <a:t>sino</a:t>
-            </a:r>
-            <a:r>
-              <a:rPr lang="en-US" dirty="0"/>
-              <a:t> </a:t>
-            </a:r>
-            <a:r>
-              <a:rPr lang="en-US" dirty="0" err="1"/>
-              <a:t>presione</a:t>
-            </a:r>
-            <a:r>
-              <a:rPr lang="en-US" dirty="0"/>
-              <a:t> 2)</a:t>
-            </a:r>
-          </a:p>
-          <a:p>
-            <a:pPr lvl="1"/>
-            <a:r>
-              <a:rPr lang="en-US" dirty="0" smtClean="0"/>
-              <a:t>Leer(</a:t>
-            </a:r>
-            <a:r>
-              <a:rPr lang="en-US" dirty="0" err="1" smtClean="0"/>
-              <a:t>opcion</a:t>
-            </a:r>
-            <a:r>
-              <a:rPr lang="en-US" dirty="0" smtClean="0"/>
-              <a:t>)</a:t>
-            </a:r>
-          </a:p>
-          <a:p>
-            <a:r>
-              <a:rPr lang="en-US" dirty="0" smtClean="0"/>
-              <a:t>Fin </a:t>
-            </a:r>
-            <a:r>
-              <a:rPr lang="en-US" dirty="0" err="1" smtClean="0"/>
-              <a:t>mientras</a:t>
-            </a:r>
-            <a:endParaRPr lang="en-US" dirty="0" smtClean="0"/>
-          </a:p>
-          <a:p>
-            <a:r>
-              <a:rPr lang="en-US" dirty="0" err="1" smtClean="0"/>
-              <a:t>Imprimir</a:t>
-            </a:r>
-            <a:r>
-              <a:rPr lang="en-US" dirty="0" smtClean="0"/>
-              <a:t> </a:t>
-            </a:r>
-            <a:r>
-              <a:rPr lang="en-US" dirty="0" err="1" smtClean="0"/>
-              <a:t>conjunto</a:t>
-            </a:r>
-            <a:endParaRPr lang="en-US" dirty="0" smtClean="0"/>
-          </a:p>
-          <a:p>
-            <a:r>
-              <a:rPr lang="en-US" dirty="0" smtClean="0"/>
-              <a:t>Fin</a:t>
-            </a:r>
-          </a:p>
-          <a:p>
-            <a:endParaRPr lang="en-US" dirty="0"/>
-          </a:p>
-        </p:txBody>
-      </p:sp>
-    </p:spTree>
-    <p:extLst>
-      <p:ext uri="{BB962C8B-B14F-4D97-AF65-F5344CB8AC3E}">
-        <p14:creationId xmlns:p14="http://schemas.microsoft.com/office/powerpoint/2010/main" val="58487638"/>
-      </p:ext>
-    </p:extLst>
-  </p:cSld>
-  <p:clrMapOvr>
-    <a:masterClrMapping/>
-  </p:clrMapOvr>
 </p:sld>
 </file>
 
@@ -7859,19 +9997,19 @@
           <a:p>
             <a:r>
               <a:rPr lang="en-US" dirty="0" err="1" smtClean="0"/>
-              <a:t>Ejemplo</a:t>
-            </a:r>
-            <a:r>
-              <a:rPr lang="en-US" dirty="0" smtClean="0"/>
-              <a:t> </a:t>
-            </a:r>
-            <a:r>
-              <a:rPr lang="en-US" dirty="0" err="1" smtClean="0"/>
-              <a:t>arreglos</a:t>
-            </a:r>
-            <a:r>
-              <a:rPr lang="en-US" dirty="0" smtClean="0"/>
-              <a:t>	</a:t>
+              <a:t>Estructuras</a:t>
+            </a:r>
+            <a:r>
+              <a:rPr lang="en-US" dirty="0" smtClean="0"/>
+              <a:t> – </a:t>
+            </a:r>
+            <a:r>
+              <a:rPr lang="en-US" dirty="0" err="1" smtClean="0"/>
+              <a:t>ciclo</a:t>
+            </a:r>
+            <a:r>
+              <a:rPr lang="en-US" dirty="0" smtClean="0"/>
+              <a:t> for</a:t>
             </a:r>
             <a:endParaRPr lang="en-US" dirty="0"/>
           </a:p>
@@ -7889,14 +10027,20 @@
         </p:nvSpPr>
         <p:spPr/>
         <p:txBody>
-          <a:bodyPr>
-            <a:normAutofit lnSpcReduction="10000"/>
-          </a:bodyPr>
+          <a:bodyPr/>
           <a:lstStyle/>
           <a:p>
             <a:r>
               <a:rPr lang="en-US" dirty="0" err="1" smtClean="0"/>
-              <a:t>Programa</a:t>
+              <a:t>Es</a:t>
+            </a:r>
+            <a:r>
+              <a:rPr lang="en-US" dirty="0" smtClean="0"/>
+              <a:t> un </a:t>
+            </a:r>
+            <a:r>
+              <a:rPr lang="en-US" dirty="0" err="1" smtClean="0"/>
+              <a:t>ciclo</a:t>
             </a:r>
             <a:r>
               <a:rPr lang="en-US" dirty="0" smtClean="0"/>
@@ -7904,7 +10048,7 @@
             </a:r>
             <a:r>
               <a:rPr lang="en-US" dirty="0" err="1" smtClean="0"/>
-              <a:t>para</a:t>
+              <a:t>que</a:t>
             </a:r>
             <a:r>
               <a:rPr lang="en-US" dirty="0" smtClean="0"/>
@@ -7912,7 +10056,39 @@
             </a:r>
             <a:r>
               <a:rPr lang="en-US" dirty="0" err="1" smtClean="0"/>
-              <a:t>imprimir</a:t>
+              <a:t>repite</a:t>
+            </a:r>
+            <a:r>
+              <a:rPr lang="en-US" dirty="0" smtClean="0"/>
+              <a:t> </a:t>
+            </a:r>
+            <a:r>
+              <a:rPr lang="en-US" dirty="0" err="1" smtClean="0"/>
+              <a:t>las</a:t>
+            </a:r>
+            <a:r>
+              <a:rPr lang="en-US" dirty="0" smtClean="0"/>
+              <a:t> </a:t>
+            </a:r>
+            <a:r>
+              <a:rPr lang="en-US" dirty="0" err="1" smtClean="0"/>
+              <a:t>acciones</a:t>
+            </a:r>
+            <a:r>
+              <a:rPr lang="en-US" dirty="0" smtClean="0"/>
+              <a:t> </a:t>
+            </a:r>
+            <a:r>
+              <a:rPr lang="en-US" dirty="0" err="1" smtClean="0"/>
+              <a:t>que</a:t>
+            </a:r>
+            <a:r>
+              <a:rPr lang="en-US" dirty="0" smtClean="0"/>
+              <a:t> le </a:t>
+            </a:r>
+            <a:r>
+              <a:rPr lang="en-US" dirty="0" err="1" smtClean="0"/>
+              <a:t>especifiquemos</a:t>
             </a:r>
             <a:r>
               <a:rPr lang="en-US" dirty="0" smtClean="0"/>
@@ -7920,7 +10096,15 @@
             </a:r>
             <a:r>
               <a:rPr lang="en-US" dirty="0" err="1" smtClean="0"/>
-              <a:t>arreglo</a:t>
+              <a:t>número</a:t>
+            </a:r>
+            <a:r>
+              <a:rPr lang="en-US" dirty="0" smtClean="0"/>
+              <a:t> </a:t>
+            </a:r>
+            <a:r>
+              <a:rPr lang="en-US" dirty="0" err="1" smtClean="0"/>
+              <a:t>determinado</a:t>
             </a:r>
             <a:r>
               <a:rPr lang="en-US" dirty="0" smtClean="0"/>
@@ -7928,7 +10112,41 @@
             </a:r>
             <a:r>
               <a:rPr lang="en-US" dirty="0" err="1" smtClean="0"/>
-              <a:t>números</a:t>
+              <a:t>veces</a:t>
+            </a:r>
+            <a:r>
+              <a:rPr lang="en-US" dirty="0" smtClean="0"/>
+              <a:t>.</a:t>
+            </a:r>
+          </a:p>
+          <a:p>
+            <a:r>
+              <a:rPr lang="en-US" dirty="0" err="1" smtClean="0"/>
+              <a:t>Consta</a:t>
+            </a:r>
+            <a:r>
+              <a:rPr lang="en-US" dirty="0" smtClean="0"/>
+              <a:t> de 4 </a:t>
+            </a:r>
+            <a:r>
+              <a:rPr lang="en-US" dirty="0" err="1" smtClean="0"/>
+              <a:t>partes</a:t>
+            </a:r>
+            <a:r>
+              <a:rPr lang="en-US" dirty="0" smtClean="0"/>
+              <a:t>, </a:t>
+            </a:r>
+            <a:r>
+              <a:rPr lang="en-US" dirty="0" err="1" smtClean="0"/>
+              <a:t>primero</a:t>
+            </a:r>
+            <a:r>
+              <a:rPr lang="en-US" dirty="0" smtClean="0"/>
+              <a:t> el </a:t>
+            </a:r>
+            <a:r>
+              <a:rPr lang="en-US" dirty="0" err="1" smtClean="0"/>
+              <a:t>número</a:t>
             </a:r>
             <a:r>
               <a:rPr lang="en-US" dirty="0" smtClean="0"/>
@@ -7936,7 +10154,7 @@
             </a:r>
             <a:r>
               <a:rPr lang="en-US" dirty="0" err="1" smtClean="0"/>
-              <a:t>creado</a:t>
+              <a:t>donde</a:t>
             </a:r>
             <a:r>
               <a:rPr lang="en-US" dirty="0" smtClean="0"/>
@@ -7944,7 +10162,79 @@
             </a:r>
             <a:r>
               <a:rPr lang="en-US" dirty="0" err="1" smtClean="0"/>
-              <a:t>por</a:t>
+              <a:t>empieza</a:t>
+            </a:r>
+            <a:r>
+              <a:rPr lang="en-US" dirty="0" smtClean="0"/>
+              <a:t> a </a:t>
+            </a:r>
+            <a:r>
+              <a:rPr lang="en-US" dirty="0" err="1" smtClean="0"/>
+              <a:t>contar</a:t>
+            </a:r>
+            <a:r>
+              <a:rPr lang="en-US" dirty="0" smtClean="0"/>
+              <a:t>, </a:t>
+            </a:r>
+            <a:r>
+              <a:rPr lang="en-US" dirty="0" err="1" smtClean="0"/>
+              <a:t>segundo</a:t>
+            </a:r>
+            <a:r>
+              <a:rPr lang="en-US" dirty="0" smtClean="0"/>
+              <a:t> hasta </a:t>
+            </a:r>
+            <a:r>
+              <a:rPr lang="en-US" dirty="0" err="1" smtClean="0"/>
+              <a:t>donde</a:t>
+            </a:r>
+            <a:r>
+              <a:rPr lang="en-US" dirty="0" smtClean="0"/>
+              <a:t> </a:t>
+            </a:r>
+            <a:r>
+              <a:rPr lang="en-US" dirty="0" err="1" smtClean="0"/>
+              <a:t>tiene</a:t>
+            </a:r>
+            <a:r>
+              <a:rPr lang="en-US" dirty="0" smtClean="0"/>
+              <a:t> </a:t>
+            </a:r>
+            <a:r>
+              <a:rPr lang="en-US" dirty="0" err="1" smtClean="0"/>
+              <a:t>que</a:t>
+            </a:r>
+            <a:r>
+              <a:rPr lang="en-US" dirty="0" smtClean="0"/>
+              <a:t> </a:t>
+            </a:r>
+            <a:r>
+              <a:rPr lang="en-US" dirty="0" err="1" smtClean="0"/>
+              <a:t>contar</a:t>
+            </a:r>
+            <a:r>
+              <a:rPr lang="en-US" dirty="0" smtClean="0"/>
+              <a:t>, la </a:t>
+            </a:r>
+            <a:r>
+              <a:rPr lang="en-US" dirty="0" err="1" smtClean="0"/>
+              <a:t>cantidad</a:t>
+            </a:r>
+            <a:r>
+              <a:rPr lang="en-US" dirty="0" smtClean="0"/>
+              <a:t> en la </a:t>
+            </a:r>
+            <a:r>
+              <a:rPr lang="en-US" dirty="0" err="1" smtClean="0"/>
+              <a:t>que</a:t>
+            </a:r>
+            <a:r>
+              <a:rPr lang="en-US" dirty="0" smtClean="0"/>
+              <a:t> </a:t>
+            </a:r>
+            <a:r>
+              <a:rPr lang="en-US" dirty="0" err="1" smtClean="0"/>
+              <a:t>incrementa</a:t>
             </a:r>
             <a:r>
               <a:rPr lang="en-US" dirty="0" smtClean="0"/>
@@ -7952,142 +10242,122 @@
             </a:r>
             <a:r>
               <a:rPr lang="en-US" dirty="0" err="1" smtClean="0"/>
-              <a:t>usuario</a:t>
-            </a:r>
-            <a:endParaRPr lang="en-US" dirty="0" smtClean="0"/>
-          </a:p>
-          <a:p>
-            <a:r>
-              <a:rPr lang="en-US" dirty="0" err="1" smtClean="0"/>
-              <a:t>Inicio</a:t>
-            </a:r>
-            <a:endParaRPr lang="en-US" dirty="0" smtClean="0"/>
-          </a:p>
-          <a:p>
+              <a:t>índice</a:t>
+            </a:r>
+            <a:r>
+              <a:rPr lang="en-US" dirty="0" smtClean="0"/>
+              <a:t> en </a:t>
+            </a:r>
+            <a:r>
+              <a:rPr lang="en-US" dirty="0" err="1" smtClean="0"/>
+              <a:t>cada</a:t>
+            </a:r>
+            <a:r>
+              <a:rPr lang="en-US" dirty="0" smtClean="0"/>
+              <a:t> </a:t>
+            </a:r>
+            <a:r>
+              <a:rPr lang="en-US" dirty="0" err="1" smtClean="0"/>
+              <a:t>iteración</a:t>
+            </a:r>
+            <a:r>
+              <a:rPr lang="en-US" dirty="0"/>
+              <a:t> </a:t>
+            </a:r>
+            <a:r>
+              <a:rPr lang="en-US" dirty="0" smtClean="0"/>
+              <a:t>y de </a:t>
+            </a:r>
+            <a:r>
+              <a:rPr lang="en-US" dirty="0" err="1" smtClean="0"/>
+              <a:t>último</a:t>
+            </a:r>
+            <a:r>
+              <a:rPr lang="en-US" dirty="0" smtClean="0"/>
+              <a:t> </a:t>
+            </a:r>
+            <a:r>
+              <a:rPr lang="en-US" dirty="0" err="1" smtClean="0"/>
+              <a:t>las</a:t>
+            </a:r>
+            <a:r>
+              <a:rPr lang="en-US" dirty="0" smtClean="0"/>
+              <a:t> </a:t>
+            </a:r>
+            <a:r>
+              <a:rPr lang="en-US" dirty="0" err="1" smtClean="0"/>
+              <a:t>acciones</a:t>
+            </a:r>
+            <a:r>
+              <a:rPr lang="en-US" dirty="0" smtClean="0"/>
+              <a:t> </a:t>
+            </a:r>
+            <a:r>
+              <a:rPr lang="en-US" dirty="0" err="1" smtClean="0"/>
+              <a:t>que</a:t>
+            </a:r>
+            <a:r>
+              <a:rPr lang="en-US" dirty="0" smtClean="0"/>
+              <a:t> se </a:t>
+            </a:r>
+            <a:r>
+              <a:rPr lang="en-US" dirty="0" err="1" smtClean="0"/>
+              <a:t>ejecutan</a:t>
+            </a:r>
+            <a:r>
+              <a:rPr lang="en-US" dirty="0" smtClean="0"/>
+              <a:t>.</a:t>
+            </a:r>
+          </a:p>
+          <a:p>
+            <a:r>
+              <a:rPr lang="en-US" dirty="0" smtClean="0"/>
+              <a:t>Se </a:t>
+            </a:r>
+            <a:r>
+              <a:rPr lang="en-US" dirty="0" err="1" smtClean="0"/>
+              <a:t>escribe</a:t>
+            </a:r>
+            <a:r>
+              <a:rPr lang="en-US" dirty="0" smtClean="0"/>
+              <a:t> de la </a:t>
+            </a:r>
+            <a:r>
+              <a:rPr lang="en-US" dirty="0" err="1" smtClean="0"/>
+              <a:t>siguiente</a:t>
+            </a:r>
+            <a:r>
+              <a:rPr lang="en-US" dirty="0" smtClean="0"/>
+              <a:t> forma</a:t>
+            </a:r>
+          </a:p>
+          <a:p>
+            <a:r>
+              <a:rPr lang="en-US" dirty="0" err="1" smtClean="0"/>
+              <a:t>Ciclo</a:t>
+            </a:r>
+            <a:r>
+              <a:rPr lang="en-US" dirty="0" smtClean="0"/>
+              <a:t> for( i de 1 a 10 </a:t>
+            </a:r>
+            <a:r>
+              <a:rPr lang="en-US" dirty="0" err="1" smtClean="0"/>
+              <a:t>incrementa</a:t>
+            </a:r>
+            <a:r>
+              <a:rPr lang="en-US" dirty="0" smtClean="0"/>
+              <a:t> en 1)</a:t>
+            </a:r>
+          </a:p>
+          <a:p>
+            <a:pPr lvl="1"/>
             <a:r>
               <a:rPr lang="en-US" dirty="0" err="1" smtClean="0"/>
               <a:t>Imprimir</a:t>
             </a:r>
             <a:r>
               <a:rPr lang="en-US" dirty="0" smtClean="0"/>
-              <a:t>(</a:t>
-            </a:r>
-            <a:r>
-              <a:rPr lang="en-US" dirty="0" err="1" smtClean="0"/>
-              <a:t>digite</a:t>
-            </a:r>
-            <a:r>
-              <a:rPr lang="en-US" dirty="0" smtClean="0"/>
-              <a:t> el </a:t>
-            </a:r>
-            <a:r>
-              <a:rPr lang="en-US" dirty="0" err="1" smtClean="0"/>
-              <a:t>numero</a:t>
-            </a:r>
-            <a:r>
-              <a:rPr lang="en-US" dirty="0" smtClean="0"/>
-              <a:t> de </a:t>
-            </a:r>
-            <a:r>
-              <a:rPr lang="en-US" dirty="0" err="1" smtClean="0"/>
-              <a:t>elementos</a:t>
-            </a:r>
-            <a:r>
-              <a:rPr lang="en-US" dirty="0" smtClean="0"/>
-              <a:t> del </a:t>
-            </a:r>
-            <a:r>
-              <a:rPr lang="en-US" dirty="0" err="1" smtClean="0"/>
-              <a:t>conjunto</a:t>
-            </a:r>
-            <a:r>
-              <a:rPr lang="en-US" dirty="0" smtClean="0"/>
-              <a:t>)</a:t>
-            </a:r>
-          </a:p>
-          <a:p>
-            <a:r>
-              <a:rPr lang="en-US" dirty="0" smtClean="0"/>
-              <a:t>leer(total)</a:t>
-            </a:r>
-          </a:p>
-          <a:p>
-            <a:r>
-              <a:rPr lang="en-US" dirty="0" err="1" smtClean="0"/>
-              <a:t>Ciclo</a:t>
-            </a:r>
-            <a:r>
-              <a:rPr lang="en-US" dirty="0" smtClean="0"/>
-              <a:t> for (i de 0 a total-1 </a:t>
-            </a:r>
-            <a:r>
-              <a:rPr lang="en-US" dirty="0" err="1" smtClean="0"/>
-              <a:t>incrementa</a:t>
-            </a:r>
-            <a:r>
-              <a:rPr lang="en-US" dirty="0" smtClean="0"/>
-              <a:t> en 1)</a:t>
-            </a:r>
-          </a:p>
-          <a:p>
-            <a:pPr lvl="1"/>
-            <a:r>
-              <a:rPr lang="en-US" dirty="0" err="1" smtClean="0"/>
-              <a:t>Imprimir</a:t>
-            </a:r>
-            <a:r>
-              <a:rPr lang="en-US" dirty="0" smtClean="0"/>
-              <a:t>(</a:t>
-            </a:r>
-            <a:r>
-              <a:rPr lang="en-US" dirty="0" err="1" smtClean="0"/>
-              <a:t>digite</a:t>
-            </a:r>
-            <a:r>
-              <a:rPr lang="en-US" dirty="0" smtClean="0"/>
-              <a:t> el </a:t>
-            </a:r>
-            <a:r>
-              <a:rPr lang="en-US" dirty="0" err="1" smtClean="0"/>
-              <a:t>numero</a:t>
-            </a:r>
-            <a:r>
-              <a:rPr lang="en-US" dirty="0" smtClean="0"/>
-              <a:t>)</a:t>
-            </a:r>
-          </a:p>
-          <a:p>
-            <a:pPr lvl="1"/>
-            <a:r>
-              <a:rPr lang="en-US" dirty="0" smtClean="0"/>
-              <a:t>Leer(</a:t>
-            </a:r>
-            <a:r>
-              <a:rPr lang="en-US" dirty="0" err="1" smtClean="0"/>
-              <a:t>numero</a:t>
-            </a:r>
-            <a:r>
-              <a:rPr lang="en-US" dirty="0" smtClean="0"/>
-              <a:t>)</a:t>
-            </a:r>
-          </a:p>
-          <a:p>
-            <a:pPr lvl="1"/>
-            <a:r>
-              <a:rPr lang="en-US" dirty="0" err="1" smtClean="0"/>
-              <a:t>Conjunto.agregar</a:t>
-            </a:r>
-            <a:r>
-              <a:rPr lang="en-US" dirty="0" smtClean="0"/>
-              <a:t>(</a:t>
-            </a:r>
-            <a:r>
-              <a:rPr lang="en-US" dirty="0" err="1" smtClean="0"/>
-              <a:t>numero</a:t>
-            </a:r>
-            <a:r>
-              <a:rPr lang="en-US" dirty="0" smtClean="0"/>
-              <a:t>)</a:t>
+              <a:t>(i)</a:t>
             </a:r>
           </a:p>
           <a:p>
@@ -8097,7 +10367,7 @@
             </a:r>
             <a:r>
               <a:rPr lang="en-US" dirty="0" err="1" smtClean="0"/>
-              <a:t>ciclo</a:t>
+              <a:t>cliclo</a:t>
             </a:r>
             <a:r>
               <a:rPr lang="en-US" dirty="0" smtClean="0"/>
@@ -8106,26 +10376,9 @@
           </a:p>
           <a:p>
             <a:r>
-              <a:rPr lang="en-US" dirty="0" err="1" smtClean="0"/>
-              <a:t>Imprimir</a:t>
-            </a:r>
-            <a:r>
-              <a:rPr lang="en-US" dirty="0" smtClean="0"/>
-              <a:t> </a:t>
-            </a:r>
-            <a:r>
-              <a:rPr lang="en-US" dirty="0" err="1" smtClean="0"/>
-              <a:t>conjunto</a:t>
-            </a:r>
-            <a:endParaRPr lang="en-US" dirty="0" smtClean="0"/>
-          </a:p>
-          <a:p>
-            <a:r>
               <a:rPr lang="en-US" dirty="0" smtClean="0"/>
               <a:t>Fin</a:t>
             </a:r>
-          </a:p>
-          <a:p>
             <a:endParaRPr lang="en-US" dirty="0"/>
           </a:p>
         </p:txBody>
@@ -8133,13 +10386,386 @@
     </p:spTree>
     <p:extLst>
       <p:ext uri="{BB962C8B-B14F-4D97-AF65-F5344CB8AC3E}">
-        <p14:creationId xmlns:p14="http://schemas.microsoft.com/office/powerpoint/2010/main" val="3309107371"/>
+        <p14:creationId xmlns:p14="http://schemas.microsoft.com/office/powerpoint/2010/main" val="3955908378"/>
       </p:ext>
     </p:extLst>
   </p:cSld>
   <p:clrMapOvr>
     <a:masterClrMapping/>
   </p:clrMapOvr>
+  <p:timing>
+    <p:tnLst>
+      <p:par>
+        <p:cTn id="1" dur="indefinite" restart="never" nodeType="tmRoot">
+          <p:childTnLst>
+            <p:seq concurrent="1" nextAc="seek">
+              <p:cTn id="2" dur="indefinite" nodeType="mainSeq">
+                <p:childTnLst>
+                  <p:par>
+                    <p:cTn id="3" fill="hold">
+                      <p:stCondLst>
+                        <p:cond delay="indefinite"/>
+                      </p:stCondLst>
+                      <p:childTnLst>
+                        <p:par>
+                          <p:cTn id="4" fill="hold">
+                            <p:stCondLst>
+                              <p:cond delay="0"/>
+                            </p:stCondLst>
+                            <p:childTnLst>
+                              <p:par>
+                                <p:cTn id="5" presetID="1" presetClass="entr" presetSubtype="0" fill="hold" nodeType="clickEffect">
+                                  <p:stCondLst>
+                                    <p:cond delay="0"/>
+                                  </p:stCondLst>
+                                  <p:childTnLst>
+                                    <p:set>
+                                      <p:cBhvr>
+                                        <p:cTn id="6" dur="1" fill="hold">
+                                          <p:stCondLst>
+                                            <p:cond delay="0"/>
+                                          </p:stCondLst>
+                                        </p:cTn>
+                                        <p:tgtEl>
+                                          <p:spTgt spid="3">
+                                            <p:txEl>
+                                              <p:pRg st="0" end="0"/>
+                                            </p:txEl>
+                                          </p:spTgt>
+                                        </p:tgtEl>
+                                        <p:attrNameLst>
+                                          <p:attrName>style.visibility</p:attrName>
+                                        </p:attrNameLst>
+                                      </p:cBhvr>
+                                      <p:to>
+                                        <p:strVal val="visible"/>
+                                      </p:to>
+                                    </p:set>
+                                  </p:childTnLst>
+                                </p:cTn>
+                              </p:par>
+                            </p:childTnLst>
+                          </p:cTn>
+                        </p:par>
+                      </p:childTnLst>
+                    </p:cTn>
+                  </p:par>
+                  <p:par>
+                    <p:cTn id="7" fill="hold">
+                      <p:stCondLst>
+                        <p:cond delay="indefinite"/>
+                      </p:stCondLst>
+                      <p:childTnLst>
+                        <p:par>
+                          <p:cTn id="8" fill="hold">
+                            <p:stCondLst>
+                              <p:cond delay="0"/>
+                            </p:stCondLst>
+                            <p:childTnLst>
+                              <p:par>
+                                <p:cTn id="9" presetID="1" presetClass="entr" presetSubtype="0" fill="hold" nodeType="clickEffect">
+                                  <p:stCondLst>
+                                    <p:cond delay="0"/>
+                                  </p:stCondLst>
+                                  <p:childTnLst>
+                                    <p:set>
+                                      <p:cBhvr>
+                                        <p:cTn id="10" dur="1" fill="hold">
+                                          <p:stCondLst>
+                                            <p:cond delay="0"/>
+                                          </p:stCondLst>
+                                        </p:cTn>
+                                        <p:tgtEl>
+                                          <p:spTgt spid="3">
+                                            <p:txEl>
+                                              <p:pRg st="1" end="1"/>
+                                            </p:txEl>
+                                          </p:spTgt>
+                                        </p:tgtEl>
+                                        <p:attrNameLst>
+                                          <p:attrName>style.visibility</p:attrName>
+                                        </p:attrNameLst>
+                                      </p:cBhvr>
+                                      <p:to>
+                                        <p:strVal val="visible"/>
+                                      </p:to>
+                                    </p:set>
+                                  </p:childTnLst>
+                                </p:cTn>
+                              </p:par>
+                            </p:childTnLst>
+                          </p:cTn>
+                        </p:par>
+                      </p:childTnLst>
+                    </p:cTn>
+                  </p:par>
+                  <p:par>
+                    <p:cTn id="11" fill="hold">
+                      <p:stCondLst>
+                        <p:cond delay="indefinite"/>
+                      </p:stCondLst>
+                      <p:childTnLst>
+                        <p:par>
+                          <p:cTn id="12" fill="hold">
+                            <p:stCondLst>
+                              <p:cond delay="0"/>
+                            </p:stCondLst>
+                            <p:childTnLst>
+                              <p:par>
+                                <p:cTn id="13" presetID="1" presetClass="entr" presetSubtype="0" fill="hold" nodeType="clickEffect">
+                                  <p:stCondLst>
+                                    <p:cond delay="0"/>
+                                  </p:stCondLst>
+                                  <p:childTnLst>
+                                    <p:set>
+                                      <p:cBhvr>
+                                        <p:cTn id="14" dur="1" fill="hold">
+                                          <p:stCondLst>
+                                            <p:cond delay="0"/>
+                                          </p:stCondLst>
+                                        </p:cTn>
+                                        <p:tgtEl>
+                                          <p:spTgt spid="3">
+                                            <p:txEl>
+                                              <p:pRg st="2" end="2"/>
+                                            </p:txEl>
+                                          </p:spTgt>
+                                        </p:tgtEl>
+                                        <p:attrNameLst>
+                                          <p:attrName>style.visibility</p:attrName>
+                                        </p:attrNameLst>
+                                      </p:cBhvr>
+                                      <p:to>
+                                        <p:strVal val="visible"/>
+                                      </p:to>
+                                    </p:set>
+                                  </p:childTnLst>
+                                </p:cTn>
+                              </p:par>
+                            </p:childTnLst>
+                          </p:cTn>
+                        </p:par>
+                      </p:childTnLst>
+                    </p:cTn>
+                  </p:par>
+                  <p:par>
+                    <p:cTn id="15" fill="hold">
+                      <p:stCondLst>
+                        <p:cond delay="indefinite"/>
+                      </p:stCondLst>
+                      <p:childTnLst>
+                        <p:par>
+                          <p:cTn id="16" fill="hold">
+                            <p:stCondLst>
+                              <p:cond delay="0"/>
+                            </p:stCondLst>
+                            <p:childTnLst>
+                              <p:par>
+                                <p:cTn id="17" presetID="1" presetClass="entr" presetSubtype="0" fill="hold" nodeType="clickEffect">
+                                  <p:stCondLst>
+                                    <p:cond delay="0"/>
+                                  </p:stCondLst>
+                                  <p:childTnLst>
+                                    <p:set>
+                                      <p:cBhvr>
+                                        <p:cTn id="18" dur="1" fill="hold">
+                                          <p:stCondLst>
+                                            <p:cond delay="0"/>
+                                          </p:stCondLst>
+                                        </p:cTn>
+                                        <p:tgtEl>
+                                          <p:spTgt spid="3">
+                                            <p:txEl>
+                                              <p:pRg st="3" end="3"/>
+                                            </p:txEl>
+                                          </p:spTgt>
+                                        </p:tgtEl>
+                                        <p:attrNameLst>
+                                          <p:attrName>style.visibility</p:attrName>
+                                        </p:attrNameLst>
+                                      </p:cBhvr>
+                                      <p:to>
+                                        <p:strVal val="visible"/>
+                                      </p:to>
+                                    </p:set>
+                                  </p:childTnLst>
+                                </p:cTn>
+                              </p:par>
+                            </p:childTnLst>
+                          </p:cTn>
+                        </p:par>
+                      </p:childTnLst>
+                    </p:cTn>
+                  </p:par>
+                  <p:par>
+                    <p:cTn id="19" fill="hold">
+                      <p:stCondLst>
+                        <p:cond delay="indefinite"/>
+                      </p:stCondLst>
+                      <p:childTnLst>
+                        <p:par>
+                          <p:cTn id="20" fill="hold">
+                            <p:stCondLst>
+                              <p:cond delay="0"/>
+                            </p:stCondLst>
+                            <p:childTnLst>
+                              <p:par>
+                                <p:cTn id="21" presetID="1" presetClass="entr" presetSubtype="0" fill="hold" nodeType="clickEffect">
+                                  <p:stCondLst>
+                                    <p:cond delay="0"/>
+                                  </p:stCondLst>
+                                  <p:childTnLst>
+                                    <p:set>
+                                      <p:cBhvr>
+                                        <p:cTn id="22" dur="1" fill="hold">
+                                          <p:stCondLst>
+                                            <p:cond delay="0"/>
+                                          </p:stCondLst>
+                                        </p:cTn>
+                                        <p:tgtEl>
+                                          <p:spTgt spid="3">
+                                            <p:txEl>
+                                              <p:pRg st="4" end="4"/>
+                                            </p:txEl>
+                                          </p:spTgt>
+                                        </p:tgtEl>
+                                        <p:attrNameLst>
+                                          <p:attrName>style.visibility</p:attrName>
+                                        </p:attrNameLst>
+                                      </p:cBhvr>
+                                      <p:to>
+                                        <p:strVal val="visible"/>
+                                      </p:to>
+                                    </p:set>
+                                  </p:childTnLst>
+                                </p:cTn>
+                              </p:par>
+                            </p:childTnLst>
+                          </p:cTn>
+                        </p:par>
+                      </p:childTnLst>
+                    </p:cTn>
+                  </p:par>
+                  <p:par>
+                    <p:cTn id="23" fill="hold">
+                      <p:stCondLst>
+                        <p:cond delay="indefinite"/>
+                      </p:stCondLst>
+                      <p:childTnLst>
+                        <p:par>
+                          <p:cTn id="24" fill="hold">
+                            <p:stCondLst>
+                              <p:cond delay="0"/>
+                            </p:stCondLst>
+                            <p:childTnLst>
+                              <p:par>
+                                <p:cTn id="25" presetID="1" presetClass="entr" presetSubtype="0" fill="hold" nodeType="clickEffect">
+                                  <p:stCondLst>
+                                    <p:cond delay="0"/>
+                                  </p:stCondLst>
+                                  <p:childTnLst>
+                                    <p:set>
+                                      <p:cBhvr>
+                                        <p:cTn id="26" dur="1" fill="hold">
+                                          <p:stCondLst>
+                                            <p:cond delay="0"/>
+                                          </p:stCondLst>
+                                        </p:cTn>
+                                        <p:tgtEl>
+                                          <p:spTgt spid="3">
+                                            <p:txEl>
+                                              <p:pRg st="5" end="5"/>
+                                            </p:txEl>
+                                          </p:spTgt>
+                                        </p:tgtEl>
+                                        <p:attrNameLst>
+                                          <p:attrName>style.visibility</p:attrName>
+                                        </p:attrNameLst>
+                                      </p:cBhvr>
+                                      <p:to>
+                                        <p:strVal val="visible"/>
+                                      </p:to>
+                                    </p:set>
+                                  </p:childTnLst>
+                                </p:cTn>
+                              </p:par>
+                            </p:childTnLst>
+                          </p:cTn>
+                        </p:par>
+                      </p:childTnLst>
+                    </p:cTn>
+                  </p:par>
+                  <p:par>
+                    <p:cTn id="27" fill="hold">
+                      <p:stCondLst>
+                        <p:cond delay="indefinite"/>
+                      </p:stCondLst>
+                      <p:childTnLst>
+                        <p:par>
+                          <p:cTn id="28" fill="hold">
+                            <p:stCondLst>
+                              <p:cond delay="0"/>
+                            </p:stCondLst>
+                            <p:childTnLst>
+                              <p:par>
+                                <p:cTn id="29" presetID="1" presetClass="entr" presetSubtype="0" fill="hold" nodeType="clickEffect">
+                                  <p:stCondLst>
+                                    <p:cond delay="0"/>
+                                  </p:stCondLst>
+                                  <p:childTnLst>
+                                    <p:set>
+                                      <p:cBhvr>
+                                        <p:cTn id="30" dur="1" fill="hold">
+                                          <p:stCondLst>
+                                            <p:cond delay="0"/>
+                                          </p:stCondLst>
+                                        </p:cTn>
+                                        <p:tgtEl>
+                                          <p:spTgt spid="3">
+                                            <p:txEl>
+                                              <p:pRg st="6" end="6"/>
+                                            </p:txEl>
+                                          </p:spTgt>
+                                        </p:tgtEl>
+                                        <p:attrNameLst>
+                                          <p:attrName>style.visibility</p:attrName>
+                                        </p:attrNameLst>
+                                      </p:cBhvr>
+                                      <p:to>
+                                        <p:strVal val="visible"/>
+                                      </p:to>
+                                    </p:set>
+                                  </p:childTnLst>
+                                </p:cTn>
+                              </p:par>
+                            </p:childTnLst>
+                          </p:cTn>
+                        </p:par>
+                      </p:childTnLst>
+                    </p:cTn>
+                  </p:par>
+                </p:childTnLst>
+              </p:cTn>
+              <p:prevCondLst>
+                <p:cond evt="onPrev" delay="0">
+                  <p:tgtEl>
+                    <p:sldTgt/>
+                  </p:tgtEl>
+                </p:cond>
+              </p:prevCondLst>
+              <p:nextCondLst>
+                <p:cond evt="onNext" delay="0">
+                  <p:tgtEl>
+                    <p:sldTgt/>
+                  </p:tgtEl>
+                </p:cond>
+              </p:nextCondLst>
+            </p:seq>
+          </p:childTnLst>
+        </p:cTn>
+      </p:par>
+    </p:tnLst>
+  </p:timing>
 </p:sld>
 </file>
 
